--- a/Lectures/13 - Multiple Linear Regression.pptx
+++ b/Lectures/13 - Multiple Linear Regression.pptx
@@ -5,22 +5,17 @@
     <p:sldMasterId id="2147484095" r:id="rId1"/>
   </p:sldMasterIdLst>
   <p:notesMasterIdLst>
-    <p:notesMasterId r:id="rId12"/>
+    <p:notesMasterId r:id="rId7"/>
   </p:notesMasterIdLst>
   <p:handoutMasterIdLst>
-    <p:handoutMasterId r:id="rId13"/>
+    <p:handoutMasterId r:id="rId8"/>
   </p:handoutMasterIdLst>
   <p:sldIdLst>
     <p:sldId id="256" r:id="rId2"/>
     <p:sldId id="389" r:id="rId3"/>
-    <p:sldId id="390" r:id="rId4"/>
-    <p:sldId id="391" r:id="rId5"/>
-    <p:sldId id="388" r:id="rId6"/>
-    <p:sldId id="394" r:id="rId7"/>
-    <p:sldId id="387" r:id="rId8"/>
-    <p:sldId id="393" r:id="rId9"/>
-    <p:sldId id="395" r:id="rId10"/>
-    <p:sldId id="358" r:id="rId11"/>
+    <p:sldId id="388" r:id="rId4"/>
+    <p:sldId id="387" r:id="rId5"/>
+    <p:sldId id="358" r:id="rId6"/>
   </p:sldIdLst>
   <p:sldSz cx="12192000" cy="6858000"/>
   <p:notesSz cx="7315200" cy="9601200"/>
@@ -912,7 +907,7 @@
               <a:pPr>
                 <a:defRPr/>
               </a:pPr>
-              <a:t>10</a:t>
+              <a:t>5</a:t>
             </a:fld>
             <a:endParaRPr lang="en-US"/>
           </a:p>
@@ -4279,12 +4274,19 @@
                 <a:solidFill>
                   <a:srgbClr val="2D3A37"/>
                 </a:solidFill>
-                <a:effectLst/>
                 <a:latin typeface="Adobe Devanagari" panose="02040503050201020203" pitchFamily="18" charset="0"/>
                 <a:cs typeface="Adobe Devanagari" panose="02040503050201020203" pitchFamily="18" charset="0"/>
               </a:rPr>
-              <a:t>Intervals for Prediction</a:t>
-            </a:r>
+              <a:t>Multiple Linear Regression Model</a:t>
+            </a:r>
+            <a:endParaRPr lang="en-US" sz="5400" b="1" dirty="0">
+              <a:solidFill>
+                <a:srgbClr val="2D3A37"/>
+              </a:solidFill>
+              <a:effectLst/>
+              <a:latin typeface="Adobe Devanagari" panose="02040503050201020203" pitchFamily="18" charset="0"/>
+              <a:cs typeface="Adobe Devanagari" panose="02040503050201020203" pitchFamily="18" charset="0"/>
+            </a:endParaRPr>
           </a:p>
         </p:txBody>
       </p:sp>
@@ -4361,7 +4363,7 @@
                 <a:ea typeface="+mn-ea"/>
                 <a:cs typeface="+mn-cs"/>
               </a:rPr>
-              <a:t>Reading:		2.4</a:t>
+              <a:t>Reading:		3.1</a:t>
             </a:r>
           </a:p>
           <a:p>
@@ -4404,44 +4406,17 @@
                 <a:ea typeface="+mn-ea"/>
                 <a:cs typeface="+mn-cs"/>
               </a:rPr>
-              <a:t>exercises: 		</a:t>
-            </a:r>
-            <a:r>
-              <a:rPr lang="en-US" sz="2000" b="0" dirty="0" err="1">
-                <a:solidFill>
-                  <a:srgbClr val="660066"/>
-                </a:solidFill>
-                <a:effectLst/>
-                <a:latin typeface="+mn-lt"/>
-                <a:ea typeface="+mn-ea"/>
-                <a:cs typeface="+mn-cs"/>
-              </a:rPr>
-              <a:t>cH</a:t>
-            </a:r>
-            <a:r>
-              <a:rPr lang="en-US" sz="2000" b="0" dirty="0">
-                <a:solidFill>
-                  <a:srgbClr val="660066"/>
-                </a:solidFill>
-                <a:effectLst/>
-                <a:latin typeface="+mn-lt"/>
-                <a:ea typeface="+mn-ea"/>
-                <a:cs typeface="+mn-cs"/>
-              </a:rPr>
-              <a:t> 2. </a:t>
-            </a:r>
-            <a:r>
-              <a:rPr lang="en-US" sz="2000" b="0" cap="none" dirty="0">
-                <a:solidFill>
-                  <a:srgbClr val="660066"/>
-                </a:solidFill>
-                <a:effectLst/>
-                <a:latin typeface="+mn-lt"/>
-                <a:ea typeface="+mn-ea"/>
-                <a:cs typeface="+mn-cs"/>
-              </a:rPr>
-              <a:t>11abcd</a:t>
-            </a:r>
+              <a:t>exercises: 		NONE</a:t>
+            </a:r>
+            <a:endParaRPr lang="en-US" sz="2000" b="0" cap="none" dirty="0">
+              <a:solidFill>
+                <a:srgbClr val="660066"/>
+              </a:solidFill>
+              <a:effectLst/>
+              <a:latin typeface="+mn-lt"/>
+              <a:ea typeface="+mn-ea"/>
+              <a:cs typeface="+mn-cs"/>
+            </a:endParaRPr>
           </a:p>
           <a:p>
             <a:pPr algn="l">
@@ -4507,7 +4482,7 @@
                 <a:ea typeface="+mn-ea"/>
                 <a:cs typeface="+mn-cs"/>
               </a:rPr>
-              <a:t> 6</a:t>
+              <a:t> 7</a:t>
             </a:r>
           </a:p>
           <a:p>
@@ -4920,380 +4895,6 @@
         </p:txBody>
       </p:sp>
     </p:spTree>
-  </p:cSld>
-  <p:clrMapOvr>
-    <a:masterClrMapping/>
-  </p:clrMapOvr>
-</p:sld>
-</file>
-
-<file path=ppt/slides/slide10.xml><?xml version="1.0" encoding="utf-8"?>
-<p:sld xmlns:a="http://schemas.openxmlformats.org/drawingml/2006/main" xmlns:r="http://schemas.openxmlformats.org/officeDocument/2006/relationships" xmlns:p="http://schemas.openxmlformats.org/presentationml/2006/main">
-  <p:cSld>
-    <p:spTree>
-      <p:nvGrpSpPr>
-        <p:cNvPr id="1" name=""/>
-        <p:cNvGrpSpPr/>
-        <p:nvPr/>
-      </p:nvGrpSpPr>
-      <p:grpSpPr>
-        <a:xfrm>
-          <a:off x="0" y="0"/>
-          <a:ext cx="0" cy="0"/>
-          <a:chOff x="0" y="0"/>
-          <a:chExt cx="0" cy="0"/>
-        </a:xfrm>
-      </p:grpSpPr>
-      <p:sp>
-        <p:nvSpPr>
-          <p:cNvPr id="10" name="Rectangle: Rounded Corners 9">
-            <a:extLst>
-              <a:ext uri="{FF2B5EF4-FFF2-40B4-BE49-F238E27FC236}">
-                <a16:creationId xmlns:a16="http://schemas.microsoft.com/office/drawing/2014/main" id="{6EE0EA48-9FEB-2763-FFA9-DF5F6F8911FB}"/>
-              </a:ext>
-            </a:extLst>
-          </p:cNvPr>
-          <p:cNvSpPr/>
-          <p:nvPr/>
-        </p:nvSpPr>
-        <p:spPr>
-          <a:xfrm>
-            <a:off x="302299" y="235037"/>
-            <a:ext cx="11587397" cy="6387923"/>
-          </a:xfrm>
-          <a:prstGeom prst="roundRect">
-            <a:avLst>
-              <a:gd name="adj" fmla="val 18853"/>
-            </a:avLst>
-          </a:prstGeom>
-          <a:noFill/>
-          <a:ln w="12700">
-            <a:solidFill>
-              <a:srgbClr val="660066"/>
-            </a:solidFill>
-          </a:ln>
-        </p:spPr>
-        <p:style>
-          <a:lnRef idx="2">
-            <a:schemeClr val="accent1">
-              <a:shade val="15000"/>
-            </a:schemeClr>
-          </a:lnRef>
-          <a:fillRef idx="1">
-            <a:schemeClr val="accent1"/>
-          </a:fillRef>
-          <a:effectRef idx="0">
-            <a:schemeClr val="accent1"/>
-          </a:effectRef>
-          <a:fontRef idx="minor">
-            <a:schemeClr val="lt1"/>
-          </a:fontRef>
-        </p:style>
-        <p:txBody>
-          <a:bodyPr rtlCol="0" anchor="ctr"/>
-          <a:lstStyle/>
-          <a:p>
-            <a:pPr algn="ctr"/>
-            <a:endParaRPr lang="en-US"/>
-          </a:p>
-        </p:txBody>
-      </p:sp>
-      <p:sp>
-        <p:nvSpPr>
-          <p:cNvPr id="9" name="Rectangle: Rounded Corners 8">
-            <a:extLst>
-              <a:ext uri="{FF2B5EF4-FFF2-40B4-BE49-F238E27FC236}">
-                <a16:creationId xmlns:a16="http://schemas.microsoft.com/office/drawing/2014/main" id="{5DBBEA9E-A041-7D11-BDE1-24FD15D9A8D6}"/>
-              </a:ext>
-            </a:extLst>
-          </p:cNvPr>
-          <p:cNvSpPr/>
-          <p:nvPr/>
-        </p:nvSpPr>
-        <p:spPr>
-          <a:xfrm>
-            <a:off x="152400" y="152400"/>
-            <a:ext cx="11887200" cy="6553199"/>
-          </a:xfrm>
-          <a:prstGeom prst="roundRect">
-            <a:avLst>
-              <a:gd name="adj" fmla="val 18853"/>
-            </a:avLst>
-          </a:prstGeom>
-          <a:noFill/>
-          <a:ln w="12700">
-            <a:solidFill>
-              <a:srgbClr val="660066"/>
-            </a:solidFill>
-          </a:ln>
-        </p:spPr>
-        <p:style>
-          <a:lnRef idx="2">
-            <a:schemeClr val="accent1">
-              <a:shade val="15000"/>
-            </a:schemeClr>
-          </a:lnRef>
-          <a:fillRef idx="1">
-            <a:schemeClr val="accent1"/>
-          </a:fillRef>
-          <a:effectRef idx="0">
-            <a:schemeClr val="accent1"/>
-          </a:effectRef>
-          <a:fontRef idx="minor">
-            <a:schemeClr val="lt1"/>
-          </a:fontRef>
-        </p:style>
-        <p:txBody>
-          <a:bodyPr rtlCol="0" anchor="ctr"/>
-          <a:lstStyle/>
-          <a:p>
-            <a:pPr algn="ctr"/>
-            <a:endParaRPr lang="en-US" dirty="0"/>
-          </a:p>
-        </p:txBody>
-      </p:sp>
-      <p:sp>
-        <p:nvSpPr>
-          <p:cNvPr id="12" name="Line 11"/>
-          <p:cNvSpPr>
-            <a:spLocks noChangeShapeType="1"/>
-          </p:cNvSpPr>
-          <p:nvPr/>
-        </p:nvSpPr>
-        <p:spPr bwMode="auto">
-          <a:xfrm flipV="1">
-            <a:off x="6972300" y="5109836"/>
-            <a:ext cx="609600" cy="533400"/>
-          </a:xfrm>
-          <a:prstGeom prst="line">
-            <a:avLst/>
-          </a:prstGeom>
-          <a:noFill/>
-          <a:ln w="38100">
-            <a:solidFill>
-              <a:srgbClr val="FFFF66"/>
-            </a:solidFill>
-            <a:round/>
-            <a:headEnd/>
-            <a:tailEnd type="triangle" w="med" len="med"/>
-          </a:ln>
-          <a:extLst>
-            <a:ext uri="{909E8E84-426E-40DD-AFC4-6F175D3DCCD1}">
-              <a14:hiddenFill xmlns:a14="http://schemas.microsoft.com/office/drawing/2010/main">
-                <a:noFill/>
-              </a14:hiddenFill>
-            </a:ext>
-          </a:extLst>
-        </p:spPr>
-        <p:txBody>
-          <a:bodyPr wrap="square">
-            <a:spAutoFit/>
-          </a:bodyPr>
-          <a:lstStyle/>
-          <a:p>
-            <a:endParaRPr lang="en-US"/>
-          </a:p>
-        </p:txBody>
-      </p:sp>
-      <p:pic>
-        <p:nvPicPr>
-          <p:cNvPr id="3" name="Picture 10" descr="Mario Pattern">
-            <a:extLst>
-              <a:ext uri="{FF2B5EF4-FFF2-40B4-BE49-F238E27FC236}">
-                <a16:creationId xmlns:a16="http://schemas.microsoft.com/office/drawing/2014/main" id="{70C83288-9D80-2729-3EE2-8CD883504850}"/>
-              </a:ext>
-            </a:extLst>
-          </p:cNvPr>
-          <p:cNvPicPr>
-            <a:picLocks noChangeAspect="1" noChangeArrowheads="1"/>
-          </p:cNvPicPr>
-          <p:nvPr/>
-        </p:nvPicPr>
-        <p:blipFill rotWithShape="1">
-          <a:blip r:embed="rId3">
-            <a:alphaModFix/>
-            <a:extLst>
-              <a:ext uri="{28A0092B-C50C-407E-A947-70E740481C1C}">
-                <a14:useLocalDpi xmlns:a14="http://schemas.microsoft.com/office/drawing/2010/main" val="0"/>
-              </a:ext>
-            </a:extLst>
-          </a:blip>
-          <a:srcRect l="4595" t="67313" r="6699" b="2019"/>
-          <a:stretch/>
-        </p:blipFill>
-        <p:spPr bwMode="auto">
-          <a:xfrm>
-            <a:off x="2040351" y="4953000"/>
-            <a:ext cx="8111283" cy="2103120"/>
-          </a:xfrm>
-          <a:prstGeom prst="rect">
-            <a:avLst/>
-          </a:prstGeom>
-          <a:noFill/>
-          <a:ln w="28575">
-            <a:noFill/>
-          </a:ln>
-          <a:effectLst>
-            <a:innerShdw blurRad="63500" dist="50800">
-              <a:prstClr val="black">
-                <a:alpha val="50000"/>
-              </a:prstClr>
-            </a:innerShdw>
-          </a:effectLst>
-          <a:extLst>
-            <a:ext uri="{909E8E84-426E-40DD-AFC4-6F175D3DCCD1}">
-              <a14:hiddenFill xmlns:a14="http://schemas.microsoft.com/office/drawing/2010/main">
-                <a:solidFill>
-                  <a:srgbClr val="FFFFFF"/>
-                </a:solidFill>
-              </a14:hiddenFill>
-            </a:ext>
-          </a:extLst>
-        </p:spPr>
-      </p:pic>
-      <p:sp>
-        <p:nvSpPr>
-          <p:cNvPr id="4" name="Rectangle: Rounded Corners 3">
-            <a:extLst>
-              <a:ext uri="{FF2B5EF4-FFF2-40B4-BE49-F238E27FC236}">
-                <a16:creationId xmlns:a16="http://schemas.microsoft.com/office/drawing/2014/main" id="{1B666B6E-7053-3022-B1D9-2AF4C282F2A0}"/>
-              </a:ext>
-            </a:extLst>
-          </p:cNvPr>
-          <p:cNvSpPr/>
-          <p:nvPr/>
-        </p:nvSpPr>
-        <p:spPr>
-          <a:xfrm>
-            <a:off x="1638293" y="4097965"/>
-            <a:ext cx="8915400" cy="1005788"/>
-          </a:xfrm>
-          <a:prstGeom prst="roundRect">
-            <a:avLst>
-              <a:gd name="adj" fmla="val 18853"/>
-            </a:avLst>
-          </a:prstGeom>
-          <a:solidFill>
-            <a:srgbClr val="2D3A37"/>
-          </a:solidFill>
-          <a:ln w="57150">
-            <a:noFill/>
-          </a:ln>
-        </p:spPr>
-        <p:style>
-          <a:lnRef idx="2">
-            <a:schemeClr val="accent1">
-              <a:shade val="15000"/>
-            </a:schemeClr>
-          </a:lnRef>
-          <a:fillRef idx="1">
-            <a:schemeClr val="accent1"/>
-          </a:fillRef>
-          <a:effectRef idx="0">
-            <a:schemeClr val="accent1"/>
-          </a:effectRef>
-          <a:fontRef idx="minor">
-            <a:schemeClr val="lt1"/>
-          </a:fontRef>
-        </p:style>
-        <p:txBody>
-          <a:bodyPr rtlCol="0" anchor="ctr"/>
-          <a:lstStyle/>
-          <a:p>
-            <a:pPr algn="ctr"/>
-            <a:endParaRPr lang="en-US"/>
-          </a:p>
-        </p:txBody>
-      </p:sp>
-      <p:sp>
-        <p:nvSpPr>
-          <p:cNvPr id="5" name="TextBox 4">
-            <a:extLst>
-              <a:ext uri="{FF2B5EF4-FFF2-40B4-BE49-F238E27FC236}">
-                <a16:creationId xmlns:a16="http://schemas.microsoft.com/office/drawing/2014/main" id="{861E9A78-74F4-2AA0-408A-B2F37D1DA24C}"/>
-              </a:ext>
-            </a:extLst>
-          </p:cNvPr>
-          <p:cNvSpPr txBox="1"/>
-          <p:nvPr/>
-        </p:nvSpPr>
-        <p:spPr>
-          <a:xfrm>
-            <a:off x="952490" y="1364366"/>
-            <a:ext cx="10287001" cy="1938992"/>
-          </a:xfrm>
-          <a:prstGeom prst="rect">
-            <a:avLst/>
-          </a:prstGeom>
-          <a:noFill/>
-        </p:spPr>
-        <p:txBody>
-          <a:bodyPr wrap="square" rtlCol="0">
-            <a:spAutoFit/>
-          </a:bodyPr>
-          <a:lstStyle/>
-          <a:p>
-            <a:pPr algn="ctr"/>
-            <a:r>
-              <a:rPr lang="en-US" sz="12000" dirty="0">
-                <a:solidFill>
-                  <a:srgbClr val="2D3A37"/>
-                </a:solidFill>
-                <a:latin typeface="Adobe Devanagari" panose="02040503050201020203" pitchFamily="18" charset="0"/>
-                <a:cs typeface="Adobe Devanagari" panose="02040503050201020203" pitchFamily="18" charset="0"/>
-              </a:rPr>
-              <a:t>Thank You</a:t>
-            </a:r>
-          </a:p>
-        </p:txBody>
-      </p:sp>
-      <p:sp>
-        <p:nvSpPr>
-          <p:cNvPr id="8" name="TextBox 7">
-            <a:extLst>
-              <a:ext uri="{FF2B5EF4-FFF2-40B4-BE49-F238E27FC236}">
-                <a16:creationId xmlns:a16="http://schemas.microsoft.com/office/drawing/2014/main" id="{D782FFA3-2177-56BA-6786-898DA3D642FF}"/>
-              </a:ext>
-            </a:extLst>
-          </p:cNvPr>
-          <p:cNvSpPr txBox="1"/>
-          <p:nvPr/>
-        </p:nvSpPr>
-        <p:spPr>
-          <a:xfrm>
-            <a:off x="952490" y="2713031"/>
-            <a:ext cx="10287001" cy="800219"/>
-          </a:xfrm>
-          <a:prstGeom prst="rect">
-            <a:avLst/>
-          </a:prstGeom>
-          <a:noFill/>
-        </p:spPr>
-        <p:txBody>
-          <a:bodyPr wrap="square" rtlCol="0">
-            <a:spAutoFit/>
-          </a:bodyPr>
-          <a:lstStyle/>
-          <a:p>
-            <a:pPr algn="ctr"/>
-            <a:r>
-              <a:rPr lang="en-US" sz="4600" i="1" dirty="0">
-                <a:solidFill>
-                  <a:srgbClr val="660066"/>
-                </a:solidFill>
-                <a:cs typeface="Adobe Devanagari" panose="02040503050201020203" pitchFamily="18" charset="0"/>
-              </a:rPr>
-              <a:t>Make Reasonable Decisions</a:t>
-            </a:r>
-          </a:p>
-        </p:txBody>
-      </p:sp>
-    </p:spTree>
-    <p:extLst>
-      <p:ext uri="{BB962C8B-B14F-4D97-AF65-F5344CB8AC3E}">
-        <p14:creationId xmlns:p14="http://schemas.microsoft.com/office/powerpoint/2010/main" val="3266410475"/>
-      </p:ext>
-    </p:extLst>
   </p:cSld>
   <p:clrMapOvr>
     <a:masterClrMapping/>
@@ -5467,7 +5068,7 @@
                 <a:latin typeface="Adobe Devanagari" panose="02040503050201020203" pitchFamily="18" charset="0"/>
                 <a:cs typeface="Adobe Devanagari" panose="02040503050201020203" pitchFamily="18" charset="0"/>
               </a:rPr>
-              <a:t>Example: Fatalities</a:t>
+              <a:t>Motivation</a:t>
             </a:r>
             <a:endParaRPr lang="en-US" sz="4800" dirty="0">
               <a:solidFill>
@@ -5492,7 +5093,7 @@
         <p:spPr>
           <a:xfrm>
             <a:off x="457200" y="1981200"/>
-            <a:ext cx="11201400" cy="3915966"/>
+            <a:ext cx="11201400" cy="2962513"/>
           </a:xfrm>
           <a:prstGeom prst="roundRect">
             <a:avLst/>
@@ -5536,7 +5137,40 @@
                   <a:srgbClr val="660066"/>
                 </a:solidFill>
               </a:rPr>
-              <a:t>Question: </a:t>
+              <a:t>Simple Linear Regression Model in Real Life is </a:t>
+            </a:r>
+            <a:r>
+              <a:rPr lang="en-US" sz="2800" b="1" dirty="0">
+                <a:solidFill>
+                  <a:srgbClr val="660066"/>
+                </a:solidFill>
+              </a:rPr>
+              <a:t>Unrealistic</a:t>
+            </a:r>
+          </a:p>
+          <a:p>
+            <a:pPr marL="457200" indent="-457200">
+              <a:buFont typeface="Arial" panose="020B0604020202020204" pitchFamily="34" charset="0"/>
+              <a:buChar char="•"/>
+            </a:pPr>
+            <a:endParaRPr lang="en-US" sz="2800" b="1" dirty="0">
+              <a:solidFill>
+                <a:srgbClr val="660066"/>
+              </a:solidFill>
+            </a:endParaRPr>
+          </a:p>
+          <a:p>
+            <a:pPr marL="457200" indent="-457200">
+              <a:buFont typeface="Arial" panose="020B0604020202020204" pitchFamily="34" charset="0"/>
+              <a:buChar char="•"/>
+            </a:pPr>
+            <a:r>
+              <a:rPr lang="en-US" sz="2800" dirty="0">
+                <a:solidFill>
+                  <a:srgbClr val="660066"/>
+                </a:solidFill>
+              </a:rPr>
+              <a:t>Why? </a:t>
             </a:r>
             <a:r>
               <a:rPr lang="en-US" sz="2800" i="1" dirty="0">
@@ -5544,39 +5178,7 @@
                   <a:srgbClr val="660066"/>
                 </a:solidFill>
               </a:rPr>
-              <a:t>Is there a linear relationship between the </a:t>
-            </a:r>
-            <a:r>
-              <a:rPr lang="en-US" sz="2800" b="1" i="1" dirty="0">
-                <a:solidFill>
-                  <a:srgbClr val="660066"/>
-                </a:solidFill>
-              </a:rPr>
-              <a:t>percent of young drivers </a:t>
-            </a:r>
-            <a:r>
-              <a:rPr lang="en-US" sz="2800" i="1" dirty="0">
-                <a:solidFill>
-                  <a:srgbClr val="660066"/>
-                </a:solidFill>
-              </a:rPr>
-              <a:t>in a state and the </a:t>
-            </a:r>
-            <a:r>
-              <a:rPr lang="en-US" sz="2800" b="1" i="1" dirty="0">
-                <a:solidFill>
-                  <a:srgbClr val="660066"/>
-                </a:solidFill>
-              </a:rPr>
-              <a:t>number of vehicle fatalities per 1,000 people </a:t>
-            </a:r>
-            <a:r>
-              <a:rPr lang="en-US" sz="2800" i="1" dirty="0">
-                <a:solidFill>
-                  <a:srgbClr val="660066"/>
-                </a:solidFill>
-              </a:rPr>
-              <a:t>in a state?</a:t>
+              <a:t>Suppose we wanted to predict number of incoming students at UNC in Fall 2024? (Call this variable Y)</a:t>
             </a:r>
           </a:p>
           <a:p>
@@ -5609,49 +5211,13 @@
                   <a:srgbClr val="660066"/>
                 </a:solidFill>
               </a:rPr>
-              <a:t>What would we predict the number of vehicle fatalities of a state to be where </a:t>
-            </a:r>
-            <a:r>
-              <a:rPr lang="en-US" sz="2800" b="1" i="1" dirty="0">
-                <a:solidFill>
-                  <a:srgbClr val="660066"/>
-                </a:solidFill>
-              </a:rPr>
-              <a:t>20%</a:t>
-            </a:r>
-            <a:r>
-              <a:rPr lang="en-US" sz="2800" i="1" dirty="0">
-                <a:solidFill>
-                  <a:srgbClr val="660066"/>
-                </a:solidFill>
-              </a:rPr>
-              <a:t> of the state’s drives are young drivers?</a:t>
-            </a:r>
-          </a:p>
-          <a:p>
-            <a:pPr marL="457200" indent="-457200">
-              <a:buFont typeface="Arial" panose="020B0604020202020204" pitchFamily="34" charset="0"/>
-              <a:buChar char="•"/>
-            </a:pPr>
-            <a:endParaRPr lang="en-US" sz="2800" i="1" dirty="0">
+              <a:t>What variables may help us predict Y?</a:t>
+            </a:r>
+            <a:endParaRPr lang="en-US" sz="2800" dirty="0">
               <a:solidFill>
                 <a:srgbClr val="660066"/>
               </a:solidFill>
             </a:endParaRPr>
-          </a:p>
-          <a:p>
-            <a:pPr marL="457200" indent="-457200">
-              <a:buFont typeface="Arial" panose="020B0604020202020204" pitchFamily="34" charset="0"/>
-              <a:buChar char="•"/>
-            </a:pPr>
-            <a:r>
-              <a:rPr lang="en-US" sz="2800" dirty="0">
-                <a:solidFill>
-                  <a:srgbClr val="660066"/>
-                </a:solidFill>
-              </a:rPr>
-              <a:t>Recall: A Young Driver is Between 15 and 24 (inclusive)</a:t>
-            </a:r>
           </a:p>
         </p:txBody>
       </p:sp>
@@ -5834,7 +5400,7 @@
                 <a:latin typeface="Adobe Devanagari" panose="02040503050201020203" pitchFamily="18" charset="0"/>
                 <a:cs typeface="Adobe Devanagari" panose="02040503050201020203" pitchFamily="18" charset="0"/>
               </a:rPr>
-              <a:t>Supplement for Lecture 12</a:t>
+              <a:t>Multiple Linear Regression Model</a:t>
             </a:r>
             <a:endParaRPr lang="en-US" sz="4800" dirty="0">
               <a:solidFill>
@@ -5844,8 +5410,8 @@
           </a:p>
         </p:txBody>
       </p:sp>
-      <mc:AlternateContent xmlns:mc="http://schemas.openxmlformats.org/markup-compatibility/2006">
-        <mc:Choice xmlns:a14="http://schemas.microsoft.com/office/drawing/2010/main" Requires="a14">
+      <mc:AlternateContent xmlns:mc="http://schemas.openxmlformats.org/markup-compatibility/2006" xmlns:a14="http://schemas.microsoft.com/office/drawing/2010/main">
+        <mc:Choice Requires="a14">
           <p:sp>
             <p:nvSpPr>
               <p:cNvPr id="7" name="TextBox 6">
@@ -5861,7 +5427,7 @@
             <p:spPr>
               <a:xfrm>
                 <a:off x="457200" y="1981200"/>
-                <a:ext cx="11201400" cy="4869418"/>
+                <a:ext cx="11201400" cy="4895241"/>
               </a:xfrm>
               <a:prstGeom prst="roundRect">
                 <a:avLst/>
@@ -5905,7 +5471,43 @@
                       <a:srgbClr val="660066"/>
                     </a:solidFill>
                   </a:rPr>
-                  <a:t>Estimate Linear Regression Model</a:t>
+                  <a:t>General Linear Regression Model:</a:t>
+                </a:r>
+              </a:p>
+              <a:p>
+                <a:pPr marL="457200" indent="-457200">
+                  <a:buFont typeface="Arial" panose="020B0604020202020204" pitchFamily="34" charset="0"/>
+                  <a:buChar char="•"/>
+                </a:pPr>
+                <a:endParaRPr lang="en-US" sz="2800" dirty="0">
+                  <a:solidFill>
+                    <a:srgbClr val="660066"/>
+                  </a:solidFill>
+                </a:endParaRPr>
+              </a:p>
+              <a:p>
+                <a:pPr marL="457200" indent="-457200">
+                  <a:buFont typeface="Arial" panose="020B0604020202020204" pitchFamily="34" charset="0"/>
+                  <a:buChar char="•"/>
+                </a:pPr>
+                <a:endParaRPr lang="en-US" sz="2800" dirty="0">
+                  <a:solidFill>
+                    <a:srgbClr val="660066"/>
+                  </a:solidFill>
+                </a:endParaRPr>
+              </a:p>
+              <a:p>
+                <a:pPr marL="457200" indent="-457200">
+                  <a:buFont typeface="Arial" panose="020B0604020202020204" pitchFamily="34" charset="0"/>
+                  <a:buChar char="•"/>
+                </a:pPr>
+                <a:r>
+                  <a:rPr lang="en-US" sz="2800" dirty="0">
+                    <a:solidFill>
+                      <a:srgbClr val="660066"/>
+                    </a:solidFill>
+                  </a:rPr>
+                  <a:t>Conditions are Identical to Simple Linear Regression Model</a:t>
                 </a:r>
               </a:p>
               <a:p>
@@ -5930,11 +5532,287 @@
                       <a:srgbClr val="660066"/>
                     </a:solidFill>
                   </a:rPr>
-                  <a:t>Correlation test</a:t>
+                  <a:t>Model has </a:t>
+                </a:r>
+                <a:r>
+                  <a:rPr lang="en-US" sz="2800" i="1" dirty="0">
+                    <a:solidFill>
+                      <a:srgbClr val="660066"/>
+                    </a:solidFill>
+                  </a:rPr>
+                  <a:t>k+2 </a:t>
+                </a:r>
+                <a:r>
+                  <a:rPr lang="en-US" sz="2800" dirty="0">
+                    <a:solidFill>
+                      <a:srgbClr val="660066"/>
+                    </a:solidFill>
+                  </a:rPr>
+                  <a:t>Unknown Parameters We Need to Estimate</a:t>
                 </a:r>
               </a:p>
               <a:p>
-                <a:pPr marL="457200" indent="-457200">
+                <a:pPr marL="914400" lvl="1" indent="-457200">
+                  <a:buFont typeface="Arial" panose="020B0604020202020204" pitchFamily="34" charset="0"/>
+                  <a:buChar char="•"/>
+                </a:pPr>
+                <a:r>
+                  <a:rPr lang="en-US" sz="2800" dirty="0">
+                    <a:solidFill>
+                      <a:srgbClr val="660066"/>
+                    </a:solidFill>
+                  </a:rPr>
+                  <a:t>Slopes/Coefficients:  </a:t>
+                </a:r>
+                <a14:m>
+                  <m:oMath xmlns:m="http://schemas.openxmlformats.org/officeDocument/2006/math">
+                    <m:sSub>
+                      <m:sSubPr>
+                        <m:ctrlPr>
+                          <a:rPr lang="en-US" sz="2800" b="0" i="1" smtClean="0">
+                            <a:solidFill>
+                              <a:srgbClr val="660066"/>
+                            </a:solidFill>
+                            <a:latin typeface="Cambria Math" panose="02040503050406030204" pitchFamily="18" charset="0"/>
+                          </a:rPr>
+                        </m:ctrlPr>
+                      </m:sSubPr>
+                      <m:e>
+                        <m:acc>
+                          <m:accPr>
+                            <m:chr m:val="̂"/>
+                            <m:ctrlPr>
+                              <a:rPr lang="en-US" sz="2800" b="0" i="1" smtClean="0">
+                                <a:solidFill>
+                                  <a:srgbClr val="660066"/>
+                                </a:solidFill>
+                                <a:latin typeface="Cambria Math" panose="02040503050406030204" pitchFamily="18" charset="0"/>
+                              </a:rPr>
+                            </m:ctrlPr>
+                          </m:accPr>
+                          <m:e>
+                            <m:r>
+                              <a:rPr lang="en-US" sz="2800" b="0" i="1" smtClean="0">
+                                <a:solidFill>
+                                  <a:srgbClr val="660066"/>
+                                </a:solidFill>
+                                <a:latin typeface="Cambria Math" panose="02040503050406030204" pitchFamily="18" charset="0"/>
+                              </a:rPr>
+                              <m:t>𝛽</m:t>
+                            </m:r>
+                          </m:e>
+                        </m:acc>
+                      </m:e>
+                      <m:sub>
+                        <m:r>
+                          <a:rPr lang="en-US" sz="2800" b="0" i="1" smtClean="0">
+                            <a:solidFill>
+                              <a:srgbClr val="660066"/>
+                            </a:solidFill>
+                            <a:latin typeface="Cambria Math" panose="02040503050406030204" pitchFamily="18" charset="0"/>
+                          </a:rPr>
+                          <m:t>0</m:t>
+                        </m:r>
+                      </m:sub>
+                    </m:sSub>
+                    <m:r>
+                      <a:rPr lang="en-US" sz="2800" b="0" i="0" smtClean="0">
+                        <a:solidFill>
+                          <a:srgbClr val="660066"/>
+                        </a:solidFill>
+                        <a:latin typeface="Cambria Math" panose="02040503050406030204" pitchFamily="18" charset="0"/>
+                      </a:rPr>
+                      <m:t>,</m:t>
+                    </m:r>
+                    <m:sSub>
+                      <m:sSubPr>
+                        <m:ctrlPr>
+                          <a:rPr lang="en-US" sz="2800" i="1">
+                            <a:solidFill>
+                              <a:srgbClr val="660066"/>
+                            </a:solidFill>
+                            <a:latin typeface="Cambria Math" panose="02040503050406030204" pitchFamily="18" charset="0"/>
+                          </a:rPr>
+                        </m:ctrlPr>
+                      </m:sSubPr>
+                      <m:e>
+                        <m:acc>
+                          <m:accPr>
+                            <m:chr m:val="̂"/>
+                            <m:ctrlPr>
+                              <a:rPr lang="en-US" sz="2800" i="1">
+                                <a:solidFill>
+                                  <a:srgbClr val="660066"/>
+                                </a:solidFill>
+                                <a:latin typeface="Cambria Math" panose="02040503050406030204" pitchFamily="18" charset="0"/>
+                              </a:rPr>
+                            </m:ctrlPr>
+                          </m:accPr>
+                          <m:e>
+                            <m:r>
+                              <a:rPr lang="en-US" sz="2800" i="1">
+                                <a:solidFill>
+                                  <a:srgbClr val="660066"/>
+                                </a:solidFill>
+                                <a:latin typeface="Cambria Math" panose="02040503050406030204" pitchFamily="18" charset="0"/>
+                              </a:rPr>
+                              <m:t>𝛽</m:t>
+                            </m:r>
+                          </m:e>
+                        </m:acc>
+                      </m:e>
+                      <m:sub>
+                        <m:r>
+                          <a:rPr lang="en-US" sz="2800" b="0" i="1" smtClean="0">
+                            <a:solidFill>
+                              <a:srgbClr val="660066"/>
+                            </a:solidFill>
+                            <a:latin typeface="Cambria Math" panose="02040503050406030204" pitchFamily="18" charset="0"/>
+                          </a:rPr>
+                          <m:t>1</m:t>
+                        </m:r>
+                      </m:sub>
+                    </m:sSub>
+                    <m:r>
+                      <a:rPr lang="en-US" sz="2800" b="0" i="1" smtClean="0">
+                        <a:solidFill>
+                          <a:srgbClr val="660066"/>
+                        </a:solidFill>
+                        <a:latin typeface="Cambria Math" panose="02040503050406030204" pitchFamily="18" charset="0"/>
+                      </a:rPr>
+                      <m:t>,…,</m:t>
+                    </m:r>
+                    <m:sSub>
+                      <m:sSubPr>
+                        <m:ctrlPr>
+                          <a:rPr lang="en-US" sz="2800" i="1">
+                            <a:solidFill>
+                              <a:srgbClr val="660066"/>
+                            </a:solidFill>
+                            <a:latin typeface="Cambria Math" panose="02040503050406030204" pitchFamily="18" charset="0"/>
+                          </a:rPr>
+                        </m:ctrlPr>
+                      </m:sSubPr>
+                      <m:e>
+                        <m:acc>
+                          <m:accPr>
+                            <m:chr m:val="̂"/>
+                            <m:ctrlPr>
+                              <a:rPr lang="en-US" sz="2800" i="1">
+                                <a:solidFill>
+                                  <a:srgbClr val="660066"/>
+                                </a:solidFill>
+                                <a:latin typeface="Cambria Math" panose="02040503050406030204" pitchFamily="18" charset="0"/>
+                              </a:rPr>
+                            </m:ctrlPr>
+                          </m:accPr>
+                          <m:e>
+                            <m:r>
+                              <a:rPr lang="en-US" sz="2800" i="1">
+                                <a:solidFill>
+                                  <a:srgbClr val="660066"/>
+                                </a:solidFill>
+                                <a:latin typeface="Cambria Math" panose="02040503050406030204" pitchFamily="18" charset="0"/>
+                              </a:rPr>
+                              <m:t>𝛽</m:t>
+                            </m:r>
+                          </m:e>
+                        </m:acc>
+                      </m:e>
+                      <m:sub>
+                        <m:r>
+                          <a:rPr lang="en-US" sz="2800" b="0" i="1" smtClean="0">
+                            <a:solidFill>
+                              <a:srgbClr val="660066"/>
+                            </a:solidFill>
+                            <a:latin typeface="Cambria Math" panose="02040503050406030204" pitchFamily="18" charset="0"/>
+                          </a:rPr>
+                          <m:t>𝑘</m:t>
+                        </m:r>
+                      </m:sub>
+                    </m:sSub>
+                  </m:oMath>
+                </a14:m>
+                <a:endParaRPr lang="en-US" sz="2800" b="0" dirty="0">
+                  <a:solidFill>
+                    <a:srgbClr val="660066"/>
+                  </a:solidFill>
+                </a:endParaRPr>
+              </a:p>
+              <a:p>
+                <a:pPr marL="914400" lvl="1" indent="-457200">
+                  <a:buFont typeface="Arial" panose="020B0604020202020204" pitchFamily="34" charset="0"/>
+                  <a:buChar char="•"/>
+                </a:pPr>
+                <a:r>
+                  <a:rPr lang="en-US" sz="2800" dirty="0">
+                    <a:solidFill>
+                      <a:srgbClr val="660066"/>
+                    </a:solidFill>
+                  </a:rPr>
+                  <a:t>Standard Error of the Regression: </a:t>
+                </a:r>
+                <a14:m>
+                  <m:oMath xmlns:m="http://schemas.openxmlformats.org/officeDocument/2006/math">
+                    <m:sSub>
+                      <m:sSubPr>
+                        <m:ctrlPr>
+                          <a:rPr lang="en-US" sz="2800" b="0" i="1" smtClean="0">
+                            <a:solidFill>
+                              <a:srgbClr val="660066"/>
+                            </a:solidFill>
+                            <a:latin typeface="Cambria Math" panose="02040503050406030204" pitchFamily="18" charset="0"/>
+                          </a:rPr>
+                        </m:ctrlPr>
+                      </m:sSubPr>
+                      <m:e>
+                        <m:acc>
+                          <m:accPr>
+                            <m:chr m:val="̂"/>
+                            <m:ctrlPr>
+                              <a:rPr lang="en-US" sz="2800" b="0" i="1" smtClean="0">
+                                <a:solidFill>
+                                  <a:srgbClr val="660066"/>
+                                </a:solidFill>
+                                <a:latin typeface="Cambria Math" panose="02040503050406030204" pitchFamily="18" charset="0"/>
+                              </a:rPr>
+                            </m:ctrlPr>
+                          </m:accPr>
+                          <m:e>
+                            <m:r>
+                              <a:rPr lang="en-US" sz="2800" b="0" i="1" smtClean="0">
+                                <a:solidFill>
+                                  <a:srgbClr val="660066"/>
+                                </a:solidFill>
+                                <a:latin typeface="Cambria Math" panose="02040503050406030204" pitchFamily="18" charset="0"/>
+                              </a:rPr>
+                              <m:t>𝜎</m:t>
+                            </m:r>
+                          </m:e>
+                        </m:acc>
+                      </m:e>
+                      <m:sub>
+                        <m:r>
+                          <a:rPr lang="en-US" sz="2800" b="0" i="1" smtClean="0">
+                            <a:solidFill>
+                              <a:srgbClr val="660066"/>
+                            </a:solidFill>
+                            <a:latin typeface="Cambria Math" panose="02040503050406030204" pitchFamily="18" charset="0"/>
+                          </a:rPr>
+                          <m:t>𝜖</m:t>
+                        </m:r>
+                      </m:sub>
+                    </m:sSub>
+                  </m:oMath>
+                </a14:m>
+                <a:endParaRPr lang="en-US" sz="2800" dirty="0">
+                  <a:solidFill>
+                    <a:srgbClr val="660066"/>
+                  </a:solidFill>
+                </a:endParaRPr>
+              </a:p>
+              <a:p>
+                <a:pPr marL="914400" lvl="1" indent="-457200">
                   <a:buFont typeface="Arial" panose="020B0604020202020204" pitchFamily="34" charset="0"/>
                   <a:buChar char="•"/>
                 </a:pPr>
@@ -5955,192 +5833,37 @@
                       <a:srgbClr val="660066"/>
                     </a:solidFill>
                   </a:rPr>
-                  <a:t>Extract R^2 and Interpret</a:t>
+                  <a:t>Use </a:t>
                 </a:r>
-              </a:p>
-              <a:p>
-                <a:pPr marL="457200" indent="-457200">
-                  <a:buFont typeface="Arial" panose="020B0604020202020204" pitchFamily="34" charset="0"/>
-                  <a:buChar char="•"/>
-                </a:pPr>
-                <a:endParaRPr lang="en-US" sz="2800" dirty="0">
-                  <a:solidFill>
-                    <a:srgbClr val="660066"/>
-                  </a:solidFill>
-                </a:endParaRPr>
-              </a:p>
-              <a:p>
-                <a:pPr marL="457200" indent="-457200">
-                  <a:buFont typeface="Arial" panose="020B0604020202020204" pitchFamily="34" charset="0"/>
-                  <a:buChar char="•"/>
-                </a:pPr>
+                <a:r>
+                  <a:rPr lang="en-US" sz="2800" b="1" dirty="0" err="1">
+                    <a:solidFill>
+                      <a:srgbClr val="660066"/>
+                    </a:solidFill>
+                  </a:rPr>
+                  <a:t>lm</a:t>
+                </a:r>
+                <a:r>
+                  <a:rPr lang="en-US" sz="2800" b="1" dirty="0">
+                    <a:solidFill>
+                      <a:srgbClr val="660066"/>
+                    </a:solidFill>
+                  </a:rPr>
+                  <a:t>()</a:t>
+                </a:r>
                 <a:r>
                   <a:rPr lang="en-US" sz="2800" dirty="0">
                     <a:solidFill>
                       <a:srgbClr val="660066"/>
                     </a:solidFill>
                   </a:rPr>
-                  <a:t>Predict for </a:t>
+                  <a:t> Function: </a:t>
                 </a:r>
-                <a14:m>
-                  <m:oMath xmlns:m="http://schemas.openxmlformats.org/officeDocument/2006/math">
-                    <m:sSup>
-                      <m:sSupPr>
-                        <m:ctrlPr>
-                          <a:rPr lang="en-US" sz="2800" b="0" i="1" smtClean="0">
-                            <a:solidFill>
-                              <a:srgbClr val="660066"/>
-                            </a:solidFill>
-                            <a:latin typeface="Cambria Math" panose="02040503050406030204" pitchFamily="18" charset="0"/>
-                          </a:rPr>
-                        </m:ctrlPr>
-                      </m:sSupPr>
-                      <m:e>
-                        <m:r>
-                          <a:rPr lang="en-US" sz="2800" b="0" i="1" smtClean="0">
-                            <a:solidFill>
-                              <a:srgbClr val="660066"/>
-                            </a:solidFill>
-                            <a:latin typeface="Cambria Math" panose="02040503050406030204" pitchFamily="18" charset="0"/>
-                          </a:rPr>
-                          <m:t>𝑥</m:t>
-                        </m:r>
-                      </m:e>
-                      <m:sup>
-                        <m:r>
-                          <a:rPr lang="en-US" sz="2800" b="0" i="1" smtClean="0">
-                            <a:solidFill>
-                              <a:srgbClr val="660066"/>
-                            </a:solidFill>
-                            <a:latin typeface="Cambria Math" panose="02040503050406030204" pitchFamily="18" charset="0"/>
-                          </a:rPr>
-                          <m:t>∗</m:t>
-                        </m:r>
-                      </m:sup>
-                    </m:sSup>
-                    <m:r>
-                      <a:rPr lang="en-US" sz="2800" b="0" i="1" smtClean="0">
-                        <a:solidFill>
-                          <a:srgbClr val="660066"/>
-                        </a:solidFill>
-                        <a:latin typeface="Cambria Math" panose="02040503050406030204" pitchFamily="18" charset="0"/>
-                      </a:rPr>
-                      <m:t>=</m:t>
-                    </m:r>
-                    <m:r>
-                      <a:rPr lang="en-US" sz="2800" b="0" i="1" smtClean="0">
-                        <a:solidFill>
-                          <a:srgbClr val="660066"/>
-                        </a:solidFill>
-                        <a:latin typeface="Cambria Math" panose="02040503050406030204" pitchFamily="18" charset="0"/>
-                      </a:rPr>
-                      <m:t>20</m:t>
-                    </m:r>
-                  </m:oMath>
-                </a14:m>
-                <a:endParaRPr lang="en-US" sz="2800" dirty="0">
-                  <a:solidFill>
-                    <a:srgbClr val="660066"/>
-                  </a:solidFill>
-                </a:endParaRPr>
-              </a:p>
-              <a:p>
-                <a:endParaRPr lang="en-US" sz="2800" dirty="0">
-                  <a:solidFill>
-                    <a:srgbClr val="660066"/>
-                  </a:solidFill>
-                </a:endParaRPr>
-              </a:p>
-              <a:p>
-                <a:pPr marL="457200" indent="-457200">
-                  <a:buFont typeface="Arial" panose="020B0604020202020204" pitchFamily="34" charset="0"/>
-                  <a:buChar char="•"/>
-                </a:pPr>
-                <a:r>
-                  <a:rPr lang="en-US" sz="2800" dirty="0">
-                    <a:solidFill>
-                      <a:srgbClr val="660066"/>
-                    </a:solidFill>
-                  </a:rPr>
-                  <a:t>Interpretation of Prediction when </a:t>
-                </a:r>
-                <a14:m>
-                  <m:oMath xmlns:m="http://schemas.openxmlformats.org/officeDocument/2006/math">
-                    <m:sSup>
-                      <m:sSupPr>
-                        <m:ctrlPr>
-                          <a:rPr lang="en-US" sz="2800" b="0" i="1" smtClean="0">
-                            <a:solidFill>
-                              <a:srgbClr val="660066"/>
-                            </a:solidFill>
-                            <a:latin typeface="Cambria Math" panose="02040503050406030204" pitchFamily="18" charset="0"/>
-                          </a:rPr>
-                        </m:ctrlPr>
-                      </m:sSupPr>
-                      <m:e>
-                        <m:r>
-                          <a:rPr lang="en-US" sz="2800" b="0" i="1" smtClean="0">
-                            <a:solidFill>
-                              <a:srgbClr val="660066"/>
-                            </a:solidFill>
-                            <a:latin typeface="Cambria Math" panose="02040503050406030204" pitchFamily="18" charset="0"/>
-                          </a:rPr>
-                          <m:t>𝑥</m:t>
-                        </m:r>
-                      </m:e>
-                      <m:sup>
-                        <m:r>
-                          <a:rPr lang="en-US" sz="2800" b="0" i="1" smtClean="0">
-                            <a:solidFill>
-                              <a:srgbClr val="660066"/>
-                            </a:solidFill>
-                            <a:latin typeface="Cambria Math" panose="02040503050406030204" pitchFamily="18" charset="0"/>
-                          </a:rPr>
-                          <m:t>∗</m:t>
-                        </m:r>
-                      </m:sup>
-                    </m:sSup>
-                    <m:r>
-                      <a:rPr lang="en-US" sz="2800" b="0" i="1" smtClean="0">
-                        <a:solidFill>
-                          <a:srgbClr val="660066"/>
-                        </a:solidFill>
-                        <a:latin typeface="Cambria Math" panose="02040503050406030204" pitchFamily="18" charset="0"/>
-                      </a:rPr>
-                      <m:t>=</m:t>
-                    </m:r>
-                    <m:r>
-                      <a:rPr lang="en-US" sz="2800" b="0" i="1" smtClean="0">
-                        <a:solidFill>
-                          <a:srgbClr val="660066"/>
-                        </a:solidFill>
-                        <a:latin typeface="Cambria Math" panose="02040503050406030204" pitchFamily="18" charset="0"/>
-                      </a:rPr>
-                      <m:t>20</m:t>
-                    </m:r>
-                  </m:oMath>
-                </a14:m>
-                <a:endParaRPr lang="en-US" sz="2800" dirty="0">
-                  <a:solidFill>
-                    <a:srgbClr val="660066"/>
-                  </a:solidFill>
-                </a:endParaRPr>
-              </a:p>
-              <a:p>
-                <a:pPr marL="457200" indent="-457200">
-                  <a:buFont typeface="Arial" panose="020B0604020202020204" pitchFamily="34" charset="0"/>
-                  <a:buChar char="•"/>
-                </a:pPr>
-                <a:endParaRPr lang="en-US" sz="2800" dirty="0">
-                  <a:solidFill>
-                    <a:srgbClr val="660066"/>
-                  </a:solidFill>
-                </a:endParaRPr>
               </a:p>
             </p:txBody>
           </p:sp>
         </mc:Choice>
-        <mc:Fallback>
+        <mc:Fallback xmlns="">
           <p:sp>
             <p:nvSpPr>
               <p:cNvPr id="7" name="TextBox 6">
@@ -6158,7 +5881,7 @@
             <p:spPr>
               <a:xfrm>
                 <a:off x="457200" y="1981200"/>
-                <a:ext cx="11201400" cy="4869418"/>
+                <a:ext cx="11201400" cy="4895241"/>
               </a:xfrm>
               <a:prstGeom prst="roundRect">
                 <a:avLst/>
@@ -6190,10 +5913,499 @@
           </p:sp>
         </mc:Fallback>
       </mc:AlternateContent>
+      <mc:AlternateContent xmlns:mc="http://schemas.openxmlformats.org/markup-compatibility/2006" xmlns:a14="http://schemas.microsoft.com/office/drawing/2010/main">
+        <mc:Choice Requires="a14">
+          <p:sp>
+            <p:nvSpPr>
+              <p:cNvPr id="11" name="TextBox 10">
+                <a:extLst>
+                  <a:ext uri="{FF2B5EF4-FFF2-40B4-BE49-F238E27FC236}">
+                    <a16:creationId xmlns:a16="http://schemas.microsoft.com/office/drawing/2014/main" id="{D3F971A9-67C3-DABC-6C20-FEE93318EE1D}"/>
+                  </a:ext>
+                </a:extLst>
+              </p:cNvPr>
+              <p:cNvSpPr txBox="1"/>
+              <p:nvPr/>
+            </p:nvSpPr>
+            <p:spPr>
+              <a:xfrm>
+                <a:off x="2514600" y="2835090"/>
+                <a:ext cx="6019800" cy="523220"/>
+              </a:xfrm>
+              <a:prstGeom prst="rect">
+                <a:avLst/>
+              </a:prstGeom>
+              <a:noFill/>
+            </p:spPr>
+            <p:txBody>
+              <a:bodyPr wrap="square" rtlCol="0">
+                <a:spAutoFit/>
+              </a:bodyPr>
+              <a:lstStyle/>
+              <a:p>
+                <a:pPr/>
+                <a14:m>
+                  <m:oMathPara xmlns:m="http://schemas.openxmlformats.org/officeDocument/2006/math">
+                    <m:oMathParaPr>
+                      <m:jc m:val="centerGroup"/>
+                    </m:oMathParaPr>
+                    <m:oMath xmlns:m="http://schemas.openxmlformats.org/officeDocument/2006/math">
+                      <m:sSub>
+                        <m:sSubPr>
+                          <m:ctrlPr>
+                            <a:rPr lang="en-US" sz="2800" b="0" i="1" smtClean="0">
+                              <a:latin typeface="Cambria Math" panose="02040503050406030204" pitchFamily="18" charset="0"/>
+                            </a:rPr>
+                          </m:ctrlPr>
+                        </m:sSubPr>
+                        <m:e>
+                          <m:r>
+                            <a:rPr lang="en-US" sz="2800" b="0" i="1" smtClean="0">
+                              <a:latin typeface="Cambria Math" panose="02040503050406030204" pitchFamily="18" charset="0"/>
+                            </a:rPr>
+                            <m:t>𝜇</m:t>
+                          </m:r>
+                        </m:e>
+                        <m:sub>
+                          <m:r>
+                            <a:rPr lang="en-US" sz="2800" b="0" i="1" smtClean="0">
+                              <a:latin typeface="Cambria Math" panose="02040503050406030204" pitchFamily="18" charset="0"/>
+                            </a:rPr>
+                            <m:t>𝑌</m:t>
+                          </m:r>
+                        </m:sub>
+                      </m:sSub>
+                      <m:r>
+                        <a:rPr lang="en-US" sz="2800" b="0" i="1" smtClean="0">
+                          <a:latin typeface="Cambria Math" panose="02040503050406030204" pitchFamily="18" charset="0"/>
+                        </a:rPr>
+                        <m:t>=</m:t>
+                      </m:r>
+                      <m:sSub>
+                        <m:sSubPr>
+                          <m:ctrlPr>
+                            <a:rPr lang="en-US" sz="2800" b="0" i="1" smtClean="0">
+                              <a:latin typeface="Cambria Math" panose="02040503050406030204" pitchFamily="18" charset="0"/>
+                            </a:rPr>
+                          </m:ctrlPr>
+                        </m:sSubPr>
+                        <m:e>
+                          <m:r>
+                            <a:rPr lang="en-US" sz="2800" b="0" i="1" smtClean="0">
+                              <a:latin typeface="Cambria Math" panose="02040503050406030204" pitchFamily="18" charset="0"/>
+                            </a:rPr>
+                            <m:t>𝛽</m:t>
+                          </m:r>
+                        </m:e>
+                        <m:sub>
+                          <m:r>
+                            <a:rPr lang="en-US" sz="2800" b="0" i="1" smtClean="0">
+                              <a:latin typeface="Cambria Math" panose="02040503050406030204" pitchFamily="18" charset="0"/>
+                            </a:rPr>
+                            <m:t>0</m:t>
+                          </m:r>
+                        </m:sub>
+                      </m:sSub>
+                      <m:r>
+                        <a:rPr lang="en-US" sz="2800" b="0" i="1" smtClean="0">
+                          <a:latin typeface="Cambria Math" panose="02040503050406030204" pitchFamily="18" charset="0"/>
+                        </a:rPr>
+                        <m:t>+</m:t>
+                      </m:r>
+                      <m:sSub>
+                        <m:sSubPr>
+                          <m:ctrlPr>
+                            <a:rPr lang="en-US" sz="2800" b="0" i="1" smtClean="0">
+                              <a:latin typeface="Cambria Math" panose="02040503050406030204" pitchFamily="18" charset="0"/>
+                            </a:rPr>
+                          </m:ctrlPr>
+                        </m:sSubPr>
+                        <m:e>
+                          <m:r>
+                            <a:rPr lang="en-US" sz="2800" b="0" i="1" smtClean="0">
+                              <a:latin typeface="Cambria Math" panose="02040503050406030204" pitchFamily="18" charset="0"/>
+                            </a:rPr>
+                            <m:t>𝛽</m:t>
+                          </m:r>
+                        </m:e>
+                        <m:sub>
+                          <m:r>
+                            <a:rPr lang="en-US" sz="2800" b="0" i="1" smtClean="0">
+                              <a:latin typeface="Cambria Math" panose="02040503050406030204" pitchFamily="18" charset="0"/>
+                            </a:rPr>
+                            <m:t>1</m:t>
+                          </m:r>
+                        </m:sub>
+                      </m:sSub>
+                      <m:sSub>
+                        <m:sSubPr>
+                          <m:ctrlPr>
+                            <a:rPr lang="en-US" sz="2800" b="0" i="1" smtClean="0">
+                              <a:latin typeface="Cambria Math" panose="02040503050406030204" pitchFamily="18" charset="0"/>
+                            </a:rPr>
+                          </m:ctrlPr>
+                        </m:sSubPr>
+                        <m:e>
+                          <m:r>
+                            <a:rPr lang="en-US" sz="2800" b="0" i="1" smtClean="0">
+                              <a:latin typeface="Cambria Math" panose="02040503050406030204" pitchFamily="18" charset="0"/>
+                            </a:rPr>
+                            <m:t>𝑋</m:t>
+                          </m:r>
+                        </m:e>
+                        <m:sub>
+                          <m:r>
+                            <a:rPr lang="en-US" sz="2800" b="0" i="1" smtClean="0">
+                              <a:latin typeface="Cambria Math" panose="02040503050406030204" pitchFamily="18" charset="0"/>
+                            </a:rPr>
+                            <m:t>1</m:t>
+                          </m:r>
+                        </m:sub>
+                      </m:sSub>
+                      <m:r>
+                        <a:rPr lang="en-US" sz="2800" b="0" i="1" smtClean="0">
+                          <a:latin typeface="Cambria Math" panose="02040503050406030204" pitchFamily="18" charset="0"/>
+                        </a:rPr>
+                        <m:t>+…+</m:t>
+                      </m:r>
+                      <m:sSub>
+                        <m:sSubPr>
+                          <m:ctrlPr>
+                            <a:rPr lang="en-US" sz="2800" b="0" i="1" smtClean="0">
+                              <a:latin typeface="Cambria Math" panose="02040503050406030204" pitchFamily="18" charset="0"/>
+                            </a:rPr>
+                          </m:ctrlPr>
+                        </m:sSubPr>
+                        <m:e>
+                          <m:r>
+                            <a:rPr lang="en-US" sz="2800" b="0" i="1" smtClean="0">
+                              <a:latin typeface="Cambria Math" panose="02040503050406030204" pitchFamily="18" charset="0"/>
+                            </a:rPr>
+                            <m:t>𝛽</m:t>
+                          </m:r>
+                        </m:e>
+                        <m:sub>
+                          <m:r>
+                            <a:rPr lang="en-US" sz="2800" b="0" i="1" smtClean="0">
+                              <a:latin typeface="Cambria Math" panose="02040503050406030204" pitchFamily="18" charset="0"/>
+                            </a:rPr>
+                            <m:t>𝑘</m:t>
+                          </m:r>
+                        </m:sub>
+                      </m:sSub>
+                      <m:sSub>
+                        <m:sSubPr>
+                          <m:ctrlPr>
+                            <a:rPr lang="en-US" sz="2800" b="0" i="1" smtClean="0">
+                              <a:latin typeface="Cambria Math" panose="02040503050406030204" pitchFamily="18" charset="0"/>
+                            </a:rPr>
+                          </m:ctrlPr>
+                        </m:sSubPr>
+                        <m:e>
+                          <m:r>
+                            <a:rPr lang="en-US" sz="2800" b="0" i="1" smtClean="0">
+                              <a:latin typeface="Cambria Math" panose="02040503050406030204" pitchFamily="18" charset="0"/>
+                            </a:rPr>
+                            <m:t>𝑋</m:t>
+                          </m:r>
+                        </m:e>
+                        <m:sub>
+                          <m:r>
+                            <a:rPr lang="en-US" sz="2800" b="0" i="1" smtClean="0">
+                              <a:latin typeface="Cambria Math" panose="02040503050406030204" pitchFamily="18" charset="0"/>
+                            </a:rPr>
+                            <m:t>𝑘</m:t>
+                          </m:r>
+                        </m:sub>
+                      </m:sSub>
+                      <m:r>
+                        <a:rPr lang="en-US" sz="2800" b="0" i="1" smtClean="0">
+                          <a:latin typeface="Cambria Math" panose="02040503050406030204" pitchFamily="18" charset="0"/>
+                        </a:rPr>
+                        <m:t>+</m:t>
+                      </m:r>
+                      <m:r>
+                        <a:rPr lang="en-US" sz="2800" b="0" i="1" smtClean="0">
+                          <a:latin typeface="Cambria Math" panose="02040503050406030204" pitchFamily="18" charset="0"/>
+                        </a:rPr>
+                        <m:t>𝜖</m:t>
+                      </m:r>
+                    </m:oMath>
+                  </m:oMathPara>
+                </a14:m>
+                <a:endParaRPr lang="en-US" sz="2800" dirty="0"/>
+              </a:p>
+            </p:txBody>
+          </p:sp>
+        </mc:Choice>
+        <mc:Fallback xmlns="">
+          <p:sp>
+            <p:nvSpPr>
+              <p:cNvPr id="11" name="TextBox 10">
+                <a:extLst>
+                  <a:ext uri="{FF2B5EF4-FFF2-40B4-BE49-F238E27FC236}">
+                    <a16:creationId xmlns:a16="http://schemas.microsoft.com/office/drawing/2014/main" id="{D3F971A9-67C3-DABC-6C20-FEE93318EE1D}"/>
+                  </a:ext>
+                </a:extLst>
+              </p:cNvPr>
+              <p:cNvSpPr txBox="1">
+                <a:spLocks noRot="1" noChangeAspect="1" noMove="1" noResize="1" noEditPoints="1" noAdjustHandles="1" noChangeArrowheads="1" noChangeShapeType="1" noTextEdit="1"/>
+              </p:cNvSpPr>
+              <p:nvPr/>
+            </p:nvSpPr>
+            <p:spPr>
+              <a:xfrm>
+                <a:off x="2514600" y="2835090"/>
+                <a:ext cx="6019800" cy="523220"/>
+              </a:xfrm>
+              <a:prstGeom prst="rect">
+                <a:avLst/>
+              </a:prstGeom>
+              <a:blipFill>
+                <a:blip r:embed="rId4"/>
+                <a:stretch>
+                  <a:fillRect/>
+                </a:stretch>
+              </a:blipFill>
+            </p:spPr>
+            <p:txBody>
+              <a:bodyPr/>
+              <a:lstStyle/>
+              <a:p>
+                <a:r>
+                  <a:rPr lang="en-US">
+                    <a:noFill/>
+                  </a:rPr>
+                  <a:t> </a:t>
+                </a:r>
+              </a:p>
+            </p:txBody>
+          </p:sp>
+        </mc:Fallback>
+      </mc:AlternateContent>
+      <mc:AlternateContent xmlns:mc="http://schemas.openxmlformats.org/markup-compatibility/2006" xmlns:a14="http://schemas.microsoft.com/office/drawing/2010/main">
+        <mc:Choice Requires="a14">
+          <p:sp>
+            <p:nvSpPr>
+              <p:cNvPr id="4" name="TextBox 3">
+                <a:extLst>
+                  <a:ext uri="{FF2B5EF4-FFF2-40B4-BE49-F238E27FC236}">
+                    <a16:creationId xmlns:a16="http://schemas.microsoft.com/office/drawing/2014/main" id="{C3AD2F55-BBF6-4917-1E0E-BA6BB3291BBA}"/>
+                  </a:ext>
+                </a:extLst>
+              </p:cNvPr>
+              <p:cNvSpPr txBox="1"/>
+              <p:nvPr/>
+            </p:nvSpPr>
+            <p:spPr>
+              <a:xfrm>
+                <a:off x="3657600" y="6095435"/>
+                <a:ext cx="6019800" cy="523220"/>
+              </a:xfrm>
+              <a:prstGeom prst="rect">
+                <a:avLst/>
+              </a:prstGeom>
+              <a:noFill/>
+            </p:spPr>
+            <p:txBody>
+              <a:bodyPr wrap="square" rtlCol="0">
+                <a:spAutoFit/>
+              </a:bodyPr>
+              <a:lstStyle/>
+              <a:p>
+                <a:pPr/>
+                <a14:m>
+                  <m:oMathPara xmlns:m="http://schemas.openxmlformats.org/officeDocument/2006/math">
+                    <m:oMathParaPr>
+                      <m:jc m:val="centerGroup"/>
+                    </m:oMathParaPr>
+                    <m:oMath xmlns:m="http://schemas.openxmlformats.org/officeDocument/2006/math">
+                      <m:r>
+                        <a:rPr lang="en-US" sz="2800" b="0" i="1" smtClean="0">
+                          <a:latin typeface="Cambria Math" panose="02040503050406030204" pitchFamily="18" charset="0"/>
+                        </a:rPr>
+                        <m:t>𝑙𝑚</m:t>
+                      </m:r>
+                      <m:r>
+                        <a:rPr lang="en-US" sz="2800" b="0" i="1" smtClean="0">
+                          <a:latin typeface="Cambria Math" panose="02040503050406030204" pitchFamily="18" charset="0"/>
+                        </a:rPr>
+                        <m:t>(</m:t>
+                      </m:r>
+                      <m:r>
+                        <a:rPr lang="en-US" sz="2800" b="0" i="1" smtClean="0">
+                          <a:latin typeface="Cambria Math" panose="02040503050406030204" pitchFamily="18" charset="0"/>
+                        </a:rPr>
+                        <m:t>𝑦</m:t>
+                      </m:r>
+                      <m:r>
+                        <a:rPr lang="en-US" sz="2800" b="0" i="1" smtClean="0">
+                          <a:latin typeface="Cambria Math" panose="02040503050406030204" pitchFamily="18" charset="0"/>
+                        </a:rPr>
+                        <m:t>~</m:t>
+                      </m:r>
+                      <m:sSub>
+                        <m:sSubPr>
+                          <m:ctrlPr>
+                            <a:rPr lang="en-US" sz="2800" b="0" i="1" smtClean="0">
+                              <a:latin typeface="Cambria Math" panose="02040503050406030204" pitchFamily="18" charset="0"/>
+                            </a:rPr>
+                          </m:ctrlPr>
+                        </m:sSubPr>
+                        <m:e>
+                          <m:r>
+                            <a:rPr lang="en-US" sz="2800" b="0" i="1" smtClean="0">
+                              <a:latin typeface="Cambria Math" panose="02040503050406030204" pitchFamily="18" charset="0"/>
+                            </a:rPr>
+                            <m:t>𝑥</m:t>
+                          </m:r>
+                        </m:e>
+                        <m:sub>
+                          <m:r>
+                            <a:rPr lang="en-US" sz="2800" b="0" i="1" smtClean="0">
+                              <a:latin typeface="Cambria Math" panose="02040503050406030204" pitchFamily="18" charset="0"/>
+                            </a:rPr>
+                            <m:t>1</m:t>
+                          </m:r>
+                        </m:sub>
+                      </m:sSub>
+                      <m:r>
+                        <a:rPr lang="en-US" sz="2800" b="0" i="1" smtClean="0">
+                          <a:latin typeface="Cambria Math" panose="02040503050406030204" pitchFamily="18" charset="0"/>
+                        </a:rPr>
+                        <m:t>+</m:t>
+                      </m:r>
+                      <m:sSub>
+                        <m:sSubPr>
+                          <m:ctrlPr>
+                            <a:rPr lang="en-US" sz="2800" b="0" i="1" smtClean="0">
+                              <a:latin typeface="Cambria Math" panose="02040503050406030204" pitchFamily="18" charset="0"/>
+                            </a:rPr>
+                          </m:ctrlPr>
+                        </m:sSubPr>
+                        <m:e>
+                          <m:r>
+                            <a:rPr lang="en-US" sz="2800" b="0" i="1" smtClean="0">
+                              <a:latin typeface="Cambria Math" panose="02040503050406030204" pitchFamily="18" charset="0"/>
+                            </a:rPr>
+                            <m:t>𝑥</m:t>
+                          </m:r>
+                        </m:e>
+                        <m:sub>
+                          <m:r>
+                            <a:rPr lang="en-US" sz="2800" b="0" i="1" smtClean="0">
+                              <a:latin typeface="Cambria Math" panose="02040503050406030204" pitchFamily="18" charset="0"/>
+                            </a:rPr>
+                            <m:t>2</m:t>
+                          </m:r>
+                        </m:sub>
+                      </m:sSub>
+                      <m:r>
+                        <a:rPr lang="en-US" sz="2800" b="0" i="1" smtClean="0">
+                          <a:latin typeface="Cambria Math" panose="02040503050406030204" pitchFamily="18" charset="0"/>
+                        </a:rPr>
+                        <m:t>+…+</m:t>
+                      </m:r>
+                      <m:sSub>
+                        <m:sSubPr>
+                          <m:ctrlPr>
+                            <a:rPr lang="en-US" sz="2800" b="0" i="1" smtClean="0">
+                              <a:latin typeface="Cambria Math" panose="02040503050406030204" pitchFamily="18" charset="0"/>
+                            </a:rPr>
+                          </m:ctrlPr>
+                        </m:sSubPr>
+                        <m:e>
+                          <m:r>
+                            <a:rPr lang="en-US" sz="2800" b="0" i="1" smtClean="0">
+                              <a:latin typeface="Cambria Math" panose="02040503050406030204" pitchFamily="18" charset="0"/>
+                            </a:rPr>
+                            <m:t>𝑥</m:t>
+                          </m:r>
+                        </m:e>
+                        <m:sub>
+                          <m:r>
+                            <a:rPr lang="en-US" sz="2800" b="0" i="1" smtClean="0">
+                              <a:latin typeface="Cambria Math" panose="02040503050406030204" pitchFamily="18" charset="0"/>
+                            </a:rPr>
+                            <m:t>𝑘</m:t>
+                          </m:r>
+                        </m:sub>
+                      </m:sSub>
+                      <m:r>
+                        <a:rPr lang="en-US" sz="2800" b="0" i="1" smtClean="0">
+                          <a:latin typeface="Cambria Math" panose="02040503050406030204" pitchFamily="18" charset="0"/>
+                        </a:rPr>
+                        <m:t>,</m:t>
+                      </m:r>
+                      <m:r>
+                        <a:rPr lang="en-US" sz="2800" b="0" i="1" smtClean="0">
+                          <a:latin typeface="Cambria Math" panose="02040503050406030204" pitchFamily="18" charset="0"/>
+                        </a:rPr>
+                        <m:t>𝑑𝑎𝑡𝑎</m:t>
+                      </m:r>
+                      <m:r>
+                        <a:rPr lang="en-US" sz="2800" b="0" i="1" smtClean="0">
+                          <a:latin typeface="Cambria Math" panose="02040503050406030204" pitchFamily="18" charset="0"/>
+                        </a:rPr>
+                        <m:t>=?)</m:t>
+                      </m:r>
+                    </m:oMath>
+                  </m:oMathPara>
+                </a14:m>
+                <a:endParaRPr lang="en-US" sz="2800" dirty="0"/>
+              </a:p>
+            </p:txBody>
+          </p:sp>
+        </mc:Choice>
+        <mc:Fallback xmlns="">
+          <p:sp>
+            <p:nvSpPr>
+              <p:cNvPr id="4" name="TextBox 3">
+                <a:extLst>
+                  <a:ext uri="{FF2B5EF4-FFF2-40B4-BE49-F238E27FC236}">
+                    <a16:creationId xmlns:a16="http://schemas.microsoft.com/office/drawing/2014/main" id="{C3AD2F55-BBF6-4917-1E0E-BA6BB3291BBA}"/>
+                  </a:ext>
+                </a:extLst>
+              </p:cNvPr>
+              <p:cNvSpPr txBox="1">
+                <a:spLocks noRot="1" noChangeAspect="1" noMove="1" noResize="1" noEditPoints="1" noAdjustHandles="1" noChangeArrowheads="1" noChangeShapeType="1" noTextEdit="1"/>
+              </p:cNvSpPr>
+              <p:nvPr/>
+            </p:nvSpPr>
+            <p:spPr>
+              <a:xfrm>
+                <a:off x="3657600" y="6095435"/>
+                <a:ext cx="6019800" cy="523220"/>
+              </a:xfrm>
+              <a:prstGeom prst="rect">
+                <a:avLst/>
+              </a:prstGeom>
+              <a:blipFill>
+                <a:blip r:embed="rId5"/>
+                <a:stretch>
+                  <a:fillRect/>
+                </a:stretch>
+              </a:blipFill>
+            </p:spPr>
+            <p:txBody>
+              <a:bodyPr/>
+              <a:lstStyle/>
+              <a:p>
+                <a:r>
+                  <a:rPr lang="en-US">
+                    <a:noFill/>
+                  </a:rPr>
+                  <a:t> </a:t>
+                </a:r>
+              </a:p>
+            </p:txBody>
+          </p:sp>
+        </mc:Fallback>
+      </mc:AlternateContent>
     </p:spTree>
     <p:extLst>
       <p:ext uri="{BB962C8B-B14F-4D97-AF65-F5344CB8AC3E}">
-        <p14:creationId xmlns:p14="http://schemas.microsoft.com/office/powerpoint/2010/main" val="3010982152"/>
+        <p14:creationId xmlns:p14="http://schemas.microsoft.com/office/powerpoint/2010/main" val="1097743928"/>
       </p:ext>
     </p:extLst>
   </p:cSld>
@@ -6369,7 +6581,7 @@
                 <a:latin typeface="Adobe Devanagari" panose="02040503050201020203" pitchFamily="18" charset="0"/>
                 <a:cs typeface="Adobe Devanagari" panose="02040503050201020203" pitchFamily="18" charset="0"/>
               </a:rPr>
-              <a:t>Truth About The Fitted Line</a:t>
+              <a:t>Standard Error of Regression</a:t>
             </a:r>
             <a:endParaRPr lang="en-US" sz="4800" dirty="0">
               <a:solidFill>
@@ -6395,8 +6607,8 @@
             </p:nvSpPr>
             <p:spPr>
               <a:xfrm>
-                <a:off x="457200" y="1981200"/>
-                <a:ext cx="11201400" cy="4869418"/>
+                <a:off x="495300" y="1974467"/>
+                <a:ext cx="11201400" cy="3915966"/>
               </a:xfrm>
               <a:prstGeom prst="roundRect">
                 <a:avLst/>
@@ -6440,330 +6652,7 @@
                       <a:srgbClr val="660066"/>
                     </a:solidFill>
                   </a:rPr>
-                  <a:t>Line Represents the </a:t>
-                </a:r>
-                <a:r>
-                  <a:rPr lang="en-US" sz="2800" b="1" dirty="0">
-                    <a:solidFill>
-                      <a:srgbClr val="660066"/>
-                    </a:solidFill>
-                  </a:rPr>
-                  <a:t>Average Value</a:t>
-                </a:r>
-                <a:r>
-                  <a:rPr lang="en-US" sz="2800" dirty="0">
-                    <a:solidFill>
-                      <a:srgbClr val="660066"/>
-                    </a:solidFill>
-                  </a:rPr>
-                  <a:t> of </a:t>
-                </a:r>
-                <a:r>
-                  <a:rPr lang="en-US" sz="2800" i="1" dirty="0">
-                    <a:solidFill>
-                      <a:srgbClr val="660066"/>
-                    </a:solidFill>
-                  </a:rPr>
-                  <a:t>Y</a:t>
-                </a:r>
-                <a:r>
-                  <a:rPr lang="en-US" sz="2800" dirty="0">
-                    <a:solidFill>
-                      <a:srgbClr val="660066"/>
-                    </a:solidFill>
-                  </a:rPr>
-                  <a:t> (</a:t>
-                </a:r>
-                <a14:m>
-                  <m:oMath xmlns:m="http://schemas.openxmlformats.org/officeDocument/2006/math">
-                    <m:sSub>
-                      <m:sSubPr>
-                        <m:ctrlPr>
-                          <a:rPr lang="en-US" sz="2800" b="0" i="1" smtClean="0">
-                            <a:solidFill>
-                              <a:srgbClr val="660066"/>
-                            </a:solidFill>
-                            <a:latin typeface="Cambria Math" panose="02040503050406030204" pitchFamily="18" charset="0"/>
-                          </a:rPr>
-                        </m:ctrlPr>
-                      </m:sSubPr>
-                      <m:e>
-                        <m:r>
-                          <a:rPr lang="en-US" sz="2800" b="0" i="1" smtClean="0">
-                            <a:solidFill>
-                              <a:srgbClr val="660066"/>
-                            </a:solidFill>
-                            <a:latin typeface="Cambria Math" panose="02040503050406030204" pitchFamily="18" charset="0"/>
-                          </a:rPr>
-                          <m:t>𝜇</m:t>
-                        </m:r>
-                      </m:e>
-                      <m:sub>
-                        <m:r>
-                          <a:rPr lang="en-US" sz="2800" b="0" i="1" smtClean="0">
-                            <a:solidFill>
-                              <a:srgbClr val="660066"/>
-                            </a:solidFill>
-                            <a:latin typeface="Cambria Math" panose="02040503050406030204" pitchFamily="18" charset="0"/>
-                          </a:rPr>
-                          <m:t>𝑌</m:t>
-                        </m:r>
-                      </m:sub>
-                    </m:sSub>
-                  </m:oMath>
-                </a14:m>
-                <a:r>
-                  <a:rPr lang="en-US" sz="2800" dirty="0">
-                    <a:solidFill>
-                      <a:srgbClr val="660066"/>
-                    </a:solidFill>
-                  </a:rPr>
-                  <a:t>) for a Given Value of </a:t>
-                </a:r>
-                <a:r>
-                  <a:rPr lang="en-US" sz="2800" i="1" dirty="0">
-                    <a:solidFill>
-                      <a:srgbClr val="660066"/>
-                    </a:solidFill>
-                  </a:rPr>
-                  <a:t>X</a:t>
-                </a:r>
-              </a:p>
-              <a:p>
-                <a:pPr marL="457200" indent="-457200">
-                  <a:buFont typeface="Arial" panose="020B0604020202020204" pitchFamily="34" charset="0"/>
-                  <a:buChar char="•"/>
-                </a:pPr>
-                <a:endParaRPr lang="en-US" sz="2800" dirty="0">
-                  <a:solidFill>
-                    <a:srgbClr val="660066"/>
-                  </a:solidFill>
-                </a:endParaRPr>
-              </a:p>
-              <a:p>
-                <a:pPr marL="457200" indent="-457200">
-                  <a:buFont typeface="Arial" panose="020B0604020202020204" pitchFamily="34" charset="0"/>
-                  <a:buChar char="•"/>
-                </a:pPr>
-                <a:r>
-                  <a:rPr lang="en-US" sz="2800" dirty="0">
-                    <a:solidFill>
-                      <a:srgbClr val="660066"/>
-                    </a:solidFill>
-                  </a:rPr>
-                  <a:t>CI’s for </a:t>
-                </a:r>
-                <a14:m>
-                  <m:oMath xmlns:m="http://schemas.openxmlformats.org/officeDocument/2006/math">
-                    <m:sSub>
-                      <m:sSubPr>
-                        <m:ctrlPr>
-                          <a:rPr lang="en-US" sz="2800" b="0" i="1" smtClean="0">
-                            <a:solidFill>
-                              <a:srgbClr val="660066"/>
-                            </a:solidFill>
-                            <a:latin typeface="Cambria Math" panose="02040503050406030204" pitchFamily="18" charset="0"/>
-                          </a:rPr>
-                        </m:ctrlPr>
-                      </m:sSubPr>
-                      <m:e>
-                        <m:r>
-                          <a:rPr lang="en-US" sz="2800" b="0" i="1" smtClean="0">
-                            <a:solidFill>
-                              <a:srgbClr val="660066"/>
-                            </a:solidFill>
-                            <a:latin typeface="Cambria Math" panose="02040503050406030204" pitchFamily="18" charset="0"/>
-                          </a:rPr>
-                          <m:t>𝛽</m:t>
-                        </m:r>
-                      </m:e>
-                      <m:sub>
-                        <m:r>
-                          <a:rPr lang="en-US" sz="2800" b="0" i="1" smtClean="0">
-                            <a:solidFill>
-                              <a:srgbClr val="660066"/>
-                            </a:solidFill>
-                            <a:latin typeface="Cambria Math" panose="02040503050406030204" pitchFamily="18" charset="0"/>
-                          </a:rPr>
-                          <m:t>0</m:t>
-                        </m:r>
-                      </m:sub>
-                    </m:sSub>
-                  </m:oMath>
-                </a14:m>
-                <a:r>
-                  <a:rPr lang="en-US" sz="2800" dirty="0">
-                    <a:solidFill>
-                      <a:srgbClr val="660066"/>
-                    </a:solidFill>
-                  </a:rPr>
-                  <a:t> and </a:t>
-                </a:r>
-                <a14:m>
-                  <m:oMath xmlns:m="http://schemas.openxmlformats.org/officeDocument/2006/math">
-                    <m:sSub>
-                      <m:sSubPr>
-                        <m:ctrlPr>
-                          <a:rPr lang="en-US" sz="2800" i="1">
-                            <a:solidFill>
-                              <a:srgbClr val="660066"/>
-                            </a:solidFill>
-                            <a:latin typeface="Cambria Math" panose="02040503050406030204" pitchFamily="18" charset="0"/>
-                          </a:rPr>
-                        </m:ctrlPr>
-                      </m:sSubPr>
-                      <m:e>
-                        <m:r>
-                          <a:rPr lang="en-US" sz="2800" i="1">
-                            <a:solidFill>
-                              <a:srgbClr val="660066"/>
-                            </a:solidFill>
-                            <a:latin typeface="Cambria Math" panose="02040503050406030204" pitchFamily="18" charset="0"/>
-                          </a:rPr>
-                          <m:t>𝛽</m:t>
-                        </m:r>
-                      </m:e>
-                      <m:sub>
-                        <m:r>
-                          <a:rPr lang="en-US" sz="2800" b="0" i="1" smtClean="0">
-                            <a:solidFill>
-                              <a:srgbClr val="660066"/>
-                            </a:solidFill>
-                            <a:latin typeface="Cambria Math" panose="02040503050406030204" pitchFamily="18" charset="0"/>
-                          </a:rPr>
-                          <m:t>1</m:t>
-                        </m:r>
-                      </m:sub>
-                    </m:sSub>
-                  </m:oMath>
-                </a14:m>
-                <a:r>
-                  <a:rPr lang="en-US" sz="2800" dirty="0">
-                    <a:solidFill>
-                      <a:srgbClr val="660066"/>
-                    </a:solidFill>
-                  </a:rPr>
-                  <a:t> Indicate </a:t>
-                </a:r>
-                <a:r>
-                  <a:rPr lang="en-US" sz="2800" b="1" dirty="0">
-                    <a:solidFill>
-                      <a:srgbClr val="660066"/>
-                    </a:solidFill>
-                  </a:rPr>
-                  <a:t>Uncertainty</a:t>
-                </a:r>
-                <a:r>
-                  <a:rPr lang="en-US" sz="2800" dirty="0">
-                    <a:solidFill>
-                      <a:srgbClr val="660066"/>
-                    </a:solidFill>
-                  </a:rPr>
-                  <a:t> in the Fit of the Line</a:t>
-                </a:r>
-              </a:p>
-              <a:p>
-                <a:pPr marL="457200" indent="-457200">
-                  <a:buFont typeface="Arial" panose="020B0604020202020204" pitchFamily="34" charset="0"/>
-                  <a:buChar char="•"/>
-                </a:pPr>
-                <a:endParaRPr lang="en-US" sz="2800" dirty="0">
-                  <a:solidFill>
-                    <a:srgbClr val="660066"/>
-                  </a:solidFill>
-                </a:endParaRPr>
-              </a:p>
-              <a:p>
-                <a:pPr marL="457200" indent="-457200">
-                  <a:buFont typeface="Arial" panose="020B0604020202020204" pitchFamily="34" charset="0"/>
-                  <a:buChar char="•"/>
-                </a:pPr>
-                <a:r>
-                  <a:rPr lang="en-US" sz="2800" dirty="0">
-                    <a:solidFill>
-                      <a:srgbClr val="660066"/>
-                    </a:solidFill>
-                  </a:rPr>
-                  <a:t>Therefore, We Have Uncertainty about </a:t>
-                </a:r>
-                <a14:m>
-                  <m:oMath xmlns:m="http://schemas.openxmlformats.org/officeDocument/2006/math">
-                    <m:sSub>
-                      <m:sSubPr>
-                        <m:ctrlPr>
-                          <a:rPr lang="en-US" sz="2800" b="0" i="1" smtClean="0">
-                            <a:solidFill>
-                              <a:srgbClr val="660066"/>
-                            </a:solidFill>
-                            <a:latin typeface="Cambria Math" panose="02040503050406030204" pitchFamily="18" charset="0"/>
-                          </a:rPr>
-                        </m:ctrlPr>
-                      </m:sSubPr>
-                      <m:e>
-                        <m:r>
-                          <a:rPr lang="en-US" sz="2800" b="0" i="1" smtClean="0">
-                            <a:solidFill>
-                              <a:srgbClr val="660066"/>
-                            </a:solidFill>
-                            <a:latin typeface="Cambria Math" panose="02040503050406030204" pitchFamily="18" charset="0"/>
-                          </a:rPr>
-                          <m:t>𝜇</m:t>
-                        </m:r>
-                      </m:e>
-                      <m:sub>
-                        <m:r>
-                          <a:rPr lang="en-US" sz="2800" b="0" i="1" smtClean="0">
-                            <a:solidFill>
-                              <a:srgbClr val="660066"/>
-                            </a:solidFill>
-                            <a:latin typeface="Cambria Math" panose="02040503050406030204" pitchFamily="18" charset="0"/>
-                          </a:rPr>
-                          <m:t>𝑌</m:t>
-                        </m:r>
-                      </m:sub>
-                    </m:sSub>
-                  </m:oMath>
-                </a14:m>
-                <a:r>
-                  <a:rPr lang="en-US" sz="2800" dirty="0">
-                    <a:solidFill>
-                      <a:srgbClr val="660066"/>
-                    </a:solidFill>
-                  </a:rPr>
-                  <a:t> for a Given Value of </a:t>
-                </a:r>
-                <a:r>
-                  <a:rPr lang="en-US" sz="2800" i="1" dirty="0">
-                    <a:solidFill>
-                      <a:srgbClr val="660066"/>
-                    </a:solidFill>
-                  </a:rPr>
-                  <a:t>X</a:t>
-                </a:r>
-              </a:p>
-              <a:p>
-                <a:pPr marL="457200" indent="-457200">
-                  <a:buFont typeface="Arial" panose="020B0604020202020204" pitchFamily="34" charset="0"/>
-                  <a:buChar char="•"/>
-                </a:pPr>
-                <a:endParaRPr lang="en-US" sz="2800" i="1" dirty="0">
-                  <a:solidFill>
-                    <a:srgbClr val="660066"/>
-                  </a:solidFill>
-                </a:endParaRPr>
-              </a:p>
-              <a:p>
-                <a:pPr marL="457200" indent="-457200">
-                  <a:buFont typeface="Arial" panose="020B0604020202020204" pitchFamily="34" charset="0"/>
-                  <a:buChar char="•"/>
-                </a:pPr>
-                <a:r>
-                  <a:rPr lang="en-US" sz="2800" dirty="0">
-                    <a:solidFill>
-                      <a:srgbClr val="660066"/>
-                    </a:solidFill>
-                  </a:rPr>
-                  <a:t>Standard Error of Regression </a:t>
+                  <a:t>Interpretation of </a:t>
                 </a:r>
                 <a14:m>
                   <m:oMath xmlns:m="http://schemas.openxmlformats.org/officeDocument/2006/math">
@@ -6824,15 +6713,7 @@
                       <a:srgbClr val="660066"/>
                     </a:solidFill>
                   </a:rPr>
-                  <a:t> Measures Are Uncertainty a </a:t>
-                </a:r>
-                <a:r>
-                  <a:rPr lang="en-US" sz="2800" b="1" dirty="0">
-                    <a:solidFill>
-                      <a:srgbClr val="660066"/>
-                    </a:solidFill>
-                  </a:rPr>
-                  <a:t>Little</a:t>
+                  <a:t> is Identical</a:t>
                 </a:r>
               </a:p>
               <a:p>
@@ -6857,7 +6738,7 @@
                       <a:srgbClr val="660066"/>
                     </a:solidFill>
                   </a:rPr>
-                  <a:t>We Would Be </a:t>
+                  <a:t>Formula is </a:t>
                 </a:r>
                 <a:r>
                   <a:rPr lang="en-US" sz="2800" b="1" dirty="0">
@@ -6865,7 +6746,7 @@
                       <a:srgbClr val="660066"/>
                     </a:solidFill>
                   </a:rPr>
-                  <a:t>More Confident </a:t>
+                  <a:t>Almost</a:t>
                 </a:r>
                 <a:r>
                   <a:rPr lang="en-US" sz="2800" dirty="0">
@@ -6873,1387 +6754,25 @@
                       <a:srgbClr val="660066"/>
                     </a:solidFill>
                   </a:rPr>
-                  <a:t>in Making Predictions of </a:t>
+                  <a:t> Identical: </a:t>
                 </a:r>
-                <a14:m>
-                  <m:oMath xmlns:m="http://schemas.openxmlformats.org/officeDocument/2006/math">
-                    <m:sSub>
-                      <m:sSubPr>
-                        <m:ctrlPr>
-                          <a:rPr lang="en-US" sz="2800" b="0" i="1" smtClean="0">
-                            <a:solidFill>
-                              <a:srgbClr val="660066"/>
-                            </a:solidFill>
-                            <a:latin typeface="Cambria Math" panose="02040503050406030204" pitchFamily="18" charset="0"/>
-                          </a:rPr>
-                        </m:ctrlPr>
-                      </m:sSubPr>
-                      <m:e>
-                        <m:r>
-                          <a:rPr lang="en-US" sz="2800" b="0" i="1" smtClean="0">
-                            <a:solidFill>
-                              <a:srgbClr val="660066"/>
-                            </a:solidFill>
-                            <a:latin typeface="Cambria Math" panose="02040503050406030204" pitchFamily="18" charset="0"/>
-                          </a:rPr>
-                          <m:t>𝜇</m:t>
-                        </m:r>
-                      </m:e>
-                      <m:sub>
-                        <m:r>
-                          <a:rPr lang="en-US" sz="2800" b="0" i="1" smtClean="0">
-                            <a:solidFill>
-                              <a:srgbClr val="660066"/>
-                            </a:solidFill>
-                            <a:latin typeface="Cambria Math" panose="02040503050406030204" pitchFamily="18" charset="0"/>
-                          </a:rPr>
-                          <m:t>𝑌</m:t>
-                        </m:r>
-                      </m:sub>
-                    </m:sSub>
-                  </m:oMath>
-                </a14:m>
-                <a:r>
-                  <a:rPr lang="en-US" sz="2800" dirty="0">
-                    <a:solidFill>
-                      <a:srgbClr val="660066"/>
-                    </a:solidFill>
-                  </a:rPr>
-                  <a:t> for   </a:t>
-                </a:r>
-                <a:r>
-                  <a:rPr lang="en-US" sz="2800" b="1" dirty="0">
-                    <a:solidFill>
-                      <a:srgbClr val="660066"/>
-                    </a:solidFill>
-                  </a:rPr>
-                  <a:t>Typical</a:t>
-                </a:r>
-                <a:r>
-                  <a:rPr lang="en-US" sz="2800" dirty="0">
-                    <a:solidFill>
-                      <a:srgbClr val="660066"/>
-                    </a:solidFill>
-                  </a:rPr>
-                  <a:t> Values of </a:t>
-                </a:r>
-                <a:r>
-                  <a:rPr lang="en-US" sz="2800" i="1" dirty="0">
-                    <a:solidFill>
-                      <a:srgbClr val="660066"/>
-                    </a:solidFill>
-                  </a:rPr>
-                  <a:t>X</a:t>
-                </a:r>
+              </a:p>
+              <a:p>
+                <a:pPr marL="457200" indent="-457200">
+                  <a:buFont typeface="Arial" panose="020B0604020202020204" pitchFamily="34" charset="0"/>
+                  <a:buChar char="•"/>
+                </a:pPr>
                 <a:endParaRPr lang="en-US" sz="2800" dirty="0">
                   <a:solidFill>
                     <a:srgbClr val="660066"/>
                   </a:solidFill>
                 </a:endParaRPr>
               </a:p>
-            </p:txBody>
-          </p:sp>
-        </mc:Choice>
-        <mc:Fallback>
-          <p:sp>
-            <p:nvSpPr>
-              <p:cNvPr id="7" name="TextBox 6">
-                <a:extLst>
-                  <a:ext uri="{FF2B5EF4-FFF2-40B4-BE49-F238E27FC236}">
-                    <a16:creationId xmlns:a16="http://schemas.microsoft.com/office/drawing/2014/main" id="{D9B238EA-D04E-3255-7509-F990F1A8F309}"/>
-                  </a:ext>
-                </a:extLst>
-              </p:cNvPr>
-              <p:cNvSpPr txBox="1">
-                <a:spLocks noRot="1" noChangeAspect="1" noMove="1" noResize="1" noEditPoints="1" noAdjustHandles="1" noChangeArrowheads="1" noChangeShapeType="1" noTextEdit="1"/>
-              </p:cNvSpPr>
-              <p:nvPr/>
-            </p:nvSpPr>
-            <p:spPr>
-              <a:xfrm>
-                <a:off x="457200" y="1981200"/>
-                <a:ext cx="11201400" cy="4869418"/>
-              </a:xfrm>
-              <a:prstGeom prst="roundRect">
-                <a:avLst/>
-              </a:prstGeom>
-              <a:blipFill>
-                <a:blip r:embed="rId3"/>
-                <a:stretch>
-                  <a:fillRect/>
-                </a:stretch>
-              </a:blipFill>
-              <a:ln w="76200">
-                <a:solidFill>
-                  <a:srgbClr val="FFC416"/>
-                </a:solidFill>
-              </a:ln>
-            </p:spPr>
-            <p:txBody>
-              <a:bodyPr/>
-              <a:lstStyle/>
-              <a:p>
-                <a:r>
-                  <a:rPr lang="en-US">
-                    <a:noFill/>
-                  </a:rPr>
-                  <a:t> </a:t>
-                </a:r>
-              </a:p>
-            </p:txBody>
-          </p:sp>
-        </mc:Fallback>
-      </mc:AlternateContent>
-    </p:spTree>
-    <p:extLst>
-      <p:ext uri="{BB962C8B-B14F-4D97-AF65-F5344CB8AC3E}">
-        <p14:creationId xmlns:p14="http://schemas.microsoft.com/office/powerpoint/2010/main" val="1192571538"/>
-      </p:ext>
-    </p:extLst>
-  </p:cSld>
-  <p:clrMapOvr>
-    <a:masterClrMapping/>
-  </p:clrMapOvr>
-</p:sld>
-</file>
-
-<file path=ppt/slides/slide5.xml><?xml version="1.0" encoding="utf-8"?>
-<p:sld xmlns:a="http://schemas.openxmlformats.org/drawingml/2006/main" xmlns:r="http://schemas.openxmlformats.org/officeDocument/2006/relationships" xmlns:p="http://schemas.openxmlformats.org/presentationml/2006/main">
-  <p:cSld>
-    <p:spTree>
-      <p:nvGrpSpPr>
-        <p:cNvPr id="1" name=""/>
-        <p:cNvGrpSpPr/>
-        <p:nvPr/>
-      </p:nvGrpSpPr>
-      <p:grpSpPr>
-        <a:xfrm>
-          <a:off x="0" y="0"/>
-          <a:ext cx="0" cy="0"/>
-          <a:chOff x="0" y="0"/>
-          <a:chExt cx="0" cy="0"/>
-        </a:xfrm>
-      </p:grpSpPr>
-      <p:pic>
-        <p:nvPicPr>
-          <p:cNvPr id="2" name="Picture 10" descr="Mario Pattern">
-            <a:extLst>
-              <a:ext uri="{FF2B5EF4-FFF2-40B4-BE49-F238E27FC236}">
-                <a16:creationId xmlns:a16="http://schemas.microsoft.com/office/drawing/2014/main" id="{8F84FFD9-23AF-75F7-6DAA-904525952142}"/>
-              </a:ext>
-            </a:extLst>
-          </p:cNvPr>
-          <p:cNvPicPr>
-            <a:picLocks noChangeAspect="1" noChangeArrowheads="1"/>
-          </p:cNvPicPr>
-          <p:nvPr/>
-        </p:nvPicPr>
-        <p:blipFill rotWithShape="1">
-          <a:blip r:embed="rId2">
-            <a:alphaModFix amt="47000"/>
-            <a:extLst>
-              <a:ext uri="{28A0092B-C50C-407E-A947-70E740481C1C}">
-                <a14:useLocalDpi xmlns:a14="http://schemas.microsoft.com/office/drawing/2010/main" val="0"/>
-              </a:ext>
-            </a:extLst>
-          </a:blip>
-          <a:srcRect l="4595" r="6699"/>
-          <a:stretch/>
-        </p:blipFill>
-        <p:spPr bwMode="auto">
-          <a:xfrm>
-            <a:off x="0" y="-2057400"/>
-            <a:ext cx="12192000" cy="10308201"/>
-          </a:xfrm>
-          <a:prstGeom prst="rect">
-            <a:avLst/>
-          </a:prstGeom>
-          <a:noFill/>
-          <a:extLst>
-            <a:ext uri="{909E8E84-426E-40DD-AFC4-6F175D3DCCD1}">
-              <a14:hiddenFill xmlns:a14="http://schemas.microsoft.com/office/drawing/2010/main">
-                <a:solidFill>
-                  <a:srgbClr val="FFFFFF"/>
-                </a:solidFill>
-              </a14:hiddenFill>
-            </a:ext>
-          </a:extLst>
-        </p:spPr>
-      </p:pic>
-      <p:sp>
-        <p:nvSpPr>
-          <p:cNvPr id="12" name="Line 11"/>
-          <p:cNvSpPr>
-            <a:spLocks noChangeShapeType="1"/>
-          </p:cNvSpPr>
-          <p:nvPr/>
-        </p:nvSpPr>
-        <p:spPr bwMode="auto">
-          <a:xfrm flipV="1">
-            <a:off x="6972300" y="5109836"/>
-            <a:ext cx="609600" cy="533400"/>
-          </a:xfrm>
-          <a:prstGeom prst="line">
-            <a:avLst/>
-          </a:prstGeom>
-          <a:noFill/>
-          <a:ln w="38100">
-            <a:solidFill>
-              <a:srgbClr val="FFFF66"/>
-            </a:solidFill>
-            <a:round/>
-            <a:headEnd/>
-            <a:tailEnd type="triangle" w="med" len="med"/>
-          </a:ln>
-          <a:extLst>
-            <a:ext uri="{909E8E84-426E-40DD-AFC4-6F175D3DCCD1}">
-              <a14:hiddenFill xmlns:a14="http://schemas.microsoft.com/office/drawing/2010/main">
-                <a:noFill/>
-              </a14:hiddenFill>
-            </a:ext>
-          </a:extLst>
-        </p:spPr>
-        <p:txBody>
-          <a:bodyPr wrap="square">
-            <a:spAutoFit/>
-          </a:bodyPr>
-          <a:lstStyle/>
-          <a:p>
-            <a:endParaRPr lang="en-US"/>
-          </a:p>
-        </p:txBody>
-      </p:sp>
-      <mc:AlternateContent xmlns:mc="http://schemas.openxmlformats.org/markup-compatibility/2006">
-        <mc:Choice xmlns:a14="http://schemas.microsoft.com/office/drawing/2010/main" Requires="a14">
-          <p:sp>
-            <p:nvSpPr>
-              <p:cNvPr id="6" name="TextBox 5">
-                <a:extLst>
-                  <a:ext uri="{FF2B5EF4-FFF2-40B4-BE49-F238E27FC236}">
-                    <a16:creationId xmlns:a16="http://schemas.microsoft.com/office/drawing/2014/main" id="{4F2DA592-D8EB-70BA-2112-6C13A4E7B393}"/>
-                  </a:ext>
-                </a:extLst>
-              </p:cNvPr>
-              <p:cNvSpPr txBox="1"/>
-              <p:nvPr/>
-            </p:nvSpPr>
-            <p:spPr>
-              <a:xfrm>
-                <a:off x="457200" y="609600"/>
-                <a:ext cx="11201400" cy="919401"/>
-              </a:xfrm>
-              <a:prstGeom prst="roundRect">
-                <a:avLst/>
-              </a:prstGeom>
-              <a:solidFill>
-                <a:schemeClr val="bg1">
-                  <a:alpha val="70000"/>
-                </a:schemeClr>
-              </a:solidFill>
-              <a:ln w="76200">
-                <a:solidFill>
-                  <a:srgbClr val="FFC416"/>
-                </a:solidFill>
-              </a:ln>
-            </p:spPr>
-            <p:style>
-              <a:lnRef idx="2">
-                <a:schemeClr val="dk1"/>
-              </a:lnRef>
-              <a:fillRef idx="1">
-                <a:schemeClr val="lt1"/>
-              </a:fillRef>
-              <a:effectRef idx="0">
-                <a:schemeClr val="dk1"/>
-              </a:effectRef>
-              <a:fontRef idx="minor">
-                <a:schemeClr val="dk1"/>
-              </a:fontRef>
-            </p:style>
-            <p:txBody>
-              <a:bodyPr wrap="square" rtlCol="0">
-                <a:spAutoFit/>
-              </a:bodyPr>
-              <a:lstStyle/>
-              <a:p>
-                <a:pPr algn="ctr"/>
-                <a:r>
-                  <a:rPr lang="en-US" sz="4800" b="1" dirty="0">
-                    <a:solidFill>
-                      <a:srgbClr val="2D3A37"/>
-                    </a:solidFill>
-                    <a:latin typeface="Adobe Devanagari" panose="02040503050201020203" pitchFamily="18" charset="0"/>
-                    <a:cs typeface="Adobe Devanagari" panose="02040503050201020203" pitchFamily="18" charset="0"/>
-                  </a:rPr>
-                  <a:t>Confidence Interval for </a:t>
-                </a:r>
-                <a14:m>
-                  <m:oMath xmlns:m="http://schemas.openxmlformats.org/officeDocument/2006/math">
-                    <m:sSub>
-                      <m:sSubPr>
-                        <m:ctrlPr>
-                          <a:rPr lang="en-US" sz="4800" i="1" smtClean="0">
-                            <a:solidFill>
-                              <a:schemeClr val="tx1"/>
-                            </a:solidFill>
-                            <a:latin typeface="Cambria Math" panose="02040503050406030204" pitchFamily="18" charset="0"/>
-                          </a:rPr>
-                        </m:ctrlPr>
-                      </m:sSubPr>
-                      <m:e>
-                        <m:r>
-                          <a:rPr lang="en-US" sz="4800" b="0" i="1" smtClean="0">
-                            <a:solidFill>
-                              <a:schemeClr val="tx1"/>
-                            </a:solidFill>
-                            <a:latin typeface="Cambria Math" panose="02040503050406030204" pitchFamily="18" charset="0"/>
-                          </a:rPr>
-                          <m:t>𝜇</m:t>
-                        </m:r>
-                      </m:e>
-                      <m:sub>
-                        <m:r>
-                          <a:rPr lang="en-US" sz="4800" b="0" i="1" smtClean="0">
-                            <a:solidFill>
-                              <a:schemeClr val="tx1"/>
-                            </a:solidFill>
-                            <a:latin typeface="Cambria Math" panose="02040503050406030204" pitchFamily="18" charset="0"/>
-                          </a:rPr>
-                          <m:t>𝑌</m:t>
-                        </m:r>
-                      </m:sub>
-                    </m:sSub>
-                  </m:oMath>
-                </a14:m>
-                <a:endParaRPr lang="en-US" sz="4800" dirty="0">
-                  <a:solidFill>
-                    <a:srgbClr val="2D3A37"/>
-                  </a:solidFill>
-                </a:endParaRPr>
-              </a:p>
-            </p:txBody>
-          </p:sp>
-        </mc:Choice>
-        <mc:Fallback>
-          <p:sp>
-            <p:nvSpPr>
-              <p:cNvPr id="6" name="TextBox 5">
-                <a:extLst>
-                  <a:ext uri="{FF2B5EF4-FFF2-40B4-BE49-F238E27FC236}">
-                    <a16:creationId xmlns:a16="http://schemas.microsoft.com/office/drawing/2014/main" id="{4F2DA592-D8EB-70BA-2112-6C13A4E7B393}"/>
-                  </a:ext>
-                </a:extLst>
-              </p:cNvPr>
-              <p:cNvSpPr txBox="1">
-                <a:spLocks noRot="1" noChangeAspect="1" noMove="1" noResize="1" noEditPoints="1" noAdjustHandles="1" noChangeArrowheads="1" noChangeShapeType="1" noTextEdit="1"/>
-              </p:cNvSpPr>
-              <p:nvPr/>
-            </p:nvSpPr>
-            <p:spPr>
-              <a:xfrm>
-                <a:off x="457200" y="609600"/>
-                <a:ext cx="11201400" cy="919401"/>
-              </a:xfrm>
-              <a:prstGeom prst="roundRect">
-                <a:avLst/>
-              </a:prstGeom>
-              <a:blipFill>
-                <a:blip r:embed="rId3"/>
-                <a:stretch>
-                  <a:fillRect t="-2439" b="-26220"/>
-                </a:stretch>
-              </a:blipFill>
-              <a:ln w="76200">
-                <a:solidFill>
-                  <a:srgbClr val="FFC416"/>
-                </a:solidFill>
-              </a:ln>
-            </p:spPr>
-            <p:txBody>
-              <a:bodyPr/>
-              <a:lstStyle/>
-              <a:p>
-                <a:r>
-                  <a:rPr lang="en-US">
-                    <a:noFill/>
-                  </a:rPr>
-                  <a:t> </a:t>
-                </a:r>
-              </a:p>
-            </p:txBody>
-          </p:sp>
-        </mc:Fallback>
-      </mc:AlternateContent>
-      <p:sp>
-        <p:nvSpPr>
-          <p:cNvPr id="7" name="TextBox 6">
-            <a:extLst>
-              <a:ext uri="{FF2B5EF4-FFF2-40B4-BE49-F238E27FC236}">
-                <a16:creationId xmlns:a16="http://schemas.microsoft.com/office/drawing/2014/main" id="{D9B238EA-D04E-3255-7509-F990F1A8F309}"/>
-              </a:ext>
-            </a:extLst>
-          </p:cNvPr>
-          <p:cNvSpPr txBox="1"/>
-          <p:nvPr/>
-        </p:nvSpPr>
-        <p:spPr>
-          <a:xfrm>
-            <a:off x="457200" y="1981200"/>
-            <a:ext cx="11201400" cy="3915966"/>
-          </a:xfrm>
-          <a:prstGeom prst="roundRect">
-            <a:avLst/>
-          </a:prstGeom>
-          <a:solidFill>
-            <a:schemeClr val="bg1"/>
-          </a:solidFill>
-          <a:ln w="76200">
-            <a:solidFill>
-              <a:srgbClr val="FFC416"/>
-            </a:solidFill>
-          </a:ln>
-        </p:spPr>
-        <p:style>
-          <a:lnRef idx="2">
-            <a:schemeClr val="dk1"/>
-          </a:lnRef>
-          <a:fillRef idx="1">
-            <a:schemeClr val="lt1"/>
-          </a:fillRef>
-          <a:effectRef idx="0">
-            <a:schemeClr val="dk1"/>
-          </a:effectRef>
-          <a:fontRef idx="minor">
-            <a:schemeClr val="dk1"/>
-          </a:fontRef>
-        </p:style>
-        <p:txBody>
-          <a:bodyPr wrap="square" rtlCol="0">
-            <a:spAutoFit/>
-          </a:bodyPr>
-          <a:lstStyle/>
-          <a:p>
-            <a:pPr marL="457200" indent="-457200">
-              <a:buFont typeface="Arial" panose="020B0604020202020204" pitchFamily="34" charset="0"/>
-              <a:buChar char="•"/>
-            </a:pPr>
-            <a:r>
-              <a:rPr lang="en-US" sz="2800" dirty="0">
-                <a:solidFill>
-                  <a:srgbClr val="660066"/>
-                </a:solidFill>
-              </a:rPr>
-              <a:t>Formula:</a:t>
-            </a:r>
-          </a:p>
-          <a:p>
-            <a:pPr marL="457200" indent="-457200">
-              <a:buFont typeface="Arial" panose="020B0604020202020204" pitchFamily="34" charset="0"/>
-              <a:buChar char="•"/>
-            </a:pPr>
-            <a:endParaRPr lang="en-US" sz="2800" dirty="0">
-              <a:solidFill>
-                <a:srgbClr val="660066"/>
-              </a:solidFill>
-            </a:endParaRPr>
-          </a:p>
-          <a:p>
-            <a:pPr marL="457200" indent="-457200">
-              <a:buFont typeface="Arial" panose="020B0604020202020204" pitchFamily="34" charset="0"/>
-              <a:buChar char="•"/>
-            </a:pPr>
-            <a:endParaRPr lang="en-US" sz="2800" dirty="0">
-              <a:solidFill>
-                <a:srgbClr val="660066"/>
-              </a:solidFill>
-            </a:endParaRPr>
-          </a:p>
-          <a:p>
-            <a:pPr marL="457200" indent="-457200">
-              <a:buFont typeface="Arial" panose="020B0604020202020204" pitchFamily="34" charset="0"/>
-              <a:buChar char="•"/>
-            </a:pPr>
-            <a:r>
-              <a:rPr lang="en-US" sz="2800" dirty="0">
-                <a:solidFill>
-                  <a:srgbClr val="660066"/>
-                </a:solidFill>
-              </a:rPr>
-              <a:t>Standard Error</a:t>
-            </a:r>
-          </a:p>
-          <a:p>
-            <a:pPr marL="457200" indent="-457200">
-              <a:buFont typeface="Arial" panose="020B0604020202020204" pitchFamily="34" charset="0"/>
-              <a:buChar char="•"/>
-            </a:pPr>
-            <a:endParaRPr lang="en-US" sz="2800" dirty="0">
-              <a:solidFill>
-                <a:srgbClr val="660066"/>
-              </a:solidFill>
-            </a:endParaRPr>
-          </a:p>
-          <a:p>
-            <a:pPr marL="457200" indent="-457200">
-              <a:buFont typeface="Arial" panose="020B0604020202020204" pitchFamily="34" charset="0"/>
-              <a:buChar char="•"/>
-            </a:pPr>
-            <a:endParaRPr lang="en-US" sz="2800" dirty="0">
-              <a:solidFill>
-                <a:srgbClr val="660066"/>
-              </a:solidFill>
-            </a:endParaRPr>
-          </a:p>
-          <a:p>
-            <a:pPr marL="457200" indent="-457200">
-              <a:buFont typeface="Arial" panose="020B0604020202020204" pitchFamily="34" charset="0"/>
-              <a:buChar char="•"/>
-            </a:pPr>
-            <a:endParaRPr lang="en-US" sz="2800" dirty="0">
-              <a:solidFill>
-                <a:srgbClr val="660066"/>
-              </a:solidFill>
-            </a:endParaRPr>
-          </a:p>
-          <a:p>
-            <a:pPr marL="457200" indent="-457200">
-              <a:buFont typeface="Arial" panose="020B0604020202020204" pitchFamily="34" charset="0"/>
-              <a:buChar char="•"/>
-            </a:pPr>
-            <a:endParaRPr lang="en-US" sz="2800" dirty="0">
-              <a:solidFill>
-                <a:srgbClr val="660066"/>
-              </a:solidFill>
-            </a:endParaRPr>
-          </a:p>
-        </p:txBody>
-      </p:sp>
-      <mc:AlternateContent xmlns:mc="http://schemas.openxmlformats.org/markup-compatibility/2006" xmlns:a14="http://schemas.microsoft.com/office/drawing/2010/main">
-        <mc:Choice Requires="a14">
-          <p:sp>
-            <p:nvSpPr>
-              <p:cNvPr id="11" name="TextBox 10">
-                <a:extLst>
-                  <a:ext uri="{FF2B5EF4-FFF2-40B4-BE49-F238E27FC236}">
-                    <a16:creationId xmlns:a16="http://schemas.microsoft.com/office/drawing/2014/main" id="{D3F971A9-67C3-DABC-6C20-FEE93318EE1D}"/>
-                  </a:ext>
-                </a:extLst>
-              </p:cNvPr>
-              <p:cNvSpPr txBox="1"/>
-              <p:nvPr/>
-            </p:nvSpPr>
-            <p:spPr>
-              <a:xfrm>
-                <a:off x="3200400" y="2488416"/>
-                <a:ext cx="4848715" cy="557910"/>
-              </a:xfrm>
-              <a:prstGeom prst="rect">
-                <a:avLst/>
-              </a:prstGeom>
-              <a:noFill/>
-            </p:spPr>
-            <p:txBody>
-              <a:bodyPr wrap="square" rtlCol="0">
-                <a:spAutoFit/>
-              </a:bodyPr>
-              <a:lstStyle/>
-              <a:p>
-                <a:pPr/>
-                <a14:m>
-                  <m:oMathPara xmlns:m="http://schemas.openxmlformats.org/officeDocument/2006/math">
-                    <m:oMathParaPr>
-                      <m:jc m:val="centerGroup"/>
-                    </m:oMathParaPr>
-                    <m:oMath xmlns:m="http://schemas.openxmlformats.org/officeDocument/2006/math">
-                      <m:acc>
-                        <m:accPr>
-                          <m:chr m:val="̂"/>
-                          <m:ctrlPr>
-                            <a:rPr lang="en-US" sz="2800" b="0" i="1" smtClean="0">
-                              <a:latin typeface="Cambria Math" panose="02040503050406030204" pitchFamily="18" charset="0"/>
-                            </a:rPr>
-                          </m:ctrlPr>
-                        </m:accPr>
-                        <m:e>
-                          <m:r>
-                            <a:rPr lang="en-US" sz="2800" b="0" i="1" smtClean="0">
-                              <a:latin typeface="Cambria Math" panose="02040503050406030204" pitchFamily="18" charset="0"/>
-                            </a:rPr>
-                            <m:t>𝑦</m:t>
-                          </m:r>
-                        </m:e>
-                      </m:acc>
-                      <m:r>
-                        <a:rPr lang="en-US" sz="2800" b="0" i="1" smtClean="0">
-                          <a:latin typeface="Cambria Math" panose="02040503050406030204" pitchFamily="18" charset="0"/>
-                        </a:rPr>
-                        <m:t>±</m:t>
-                      </m:r>
-                      <m:sSub>
-                        <m:sSubPr>
-                          <m:ctrlPr>
-                            <a:rPr lang="en-US" sz="2800" b="0" i="1" smtClean="0">
-                              <a:latin typeface="Cambria Math" panose="02040503050406030204" pitchFamily="18" charset="0"/>
-                            </a:rPr>
-                          </m:ctrlPr>
-                        </m:sSubPr>
-                        <m:e>
-                          <m:r>
-                            <a:rPr lang="en-US" sz="2800" b="0" i="1" smtClean="0">
-                              <a:latin typeface="Cambria Math" panose="02040503050406030204" pitchFamily="18" charset="0"/>
-                            </a:rPr>
-                            <m:t>𝑡</m:t>
-                          </m:r>
-                        </m:e>
-                        <m:sub>
-                          <m:r>
-                            <a:rPr lang="en-US" sz="2800" b="0" i="1" smtClean="0">
-                              <a:latin typeface="Cambria Math" panose="02040503050406030204" pitchFamily="18" charset="0"/>
-                            </a:rPr>
-                            <m:t>0.025,</m:t>
-                          </m:r>
-                          <m:r>
-                            <a:rPr lang="en-US" sz="2800" b="0" i="1" smtClean="0">
-                              <a:latin typeface="Cambria Math" panose="02040503050406030204" pitchFamily="18" charset="0"/>
-                            </a:rPr>
-                            <m:t>𝑛</m:t>
-                          </m:r>
-                          <m:r>
-                            <a:rPr lang="en-US" sz="2800" b="0" i="1" smtClean="0">
-                              <a:latin typeface="Cambria Math" panose="02040503050406030204" pitchFamily="18" charset="0"/>
-                            </a:rPr>
-                            <m:t>−2</m:t>
-                          </m:r>
-                        </m:sub>
-                      </m:sSub>
-                      <m:r>
-                        <a:rPr lang="en-US" sz="2800" b="0" i="1" smtClean="0">
-                          <a:latin typeface="Cambria Math" panose="02040503050406030204" pitchFamily="18" charset="0"/>
-                        </a:rPr>
-                        <m:t>𝑆</m:t>
-                      </m:r>
-                      <m:sSub>
-                        <m:sSubPr>
-                          <m:ctrlPr>
-                            <a:rPr lang="en-US" sz="2800" b="0" i="1" smtClean="0">
-                              <a:latin typeface="Cambria Math" panose="02040503050406030204" pitchFamily="18" charset="0"/>
-                            </a:rPr>
-                          </m:ctrlPr>
-                        </m:sSubPr>
-                        <m:e>
-                          <m:r>
-                            <a:rPr lang="en-US" sz="2800" b="0" i="1" smtClean="0">
-                              <a:latin typeface="Cambria Math" panose="02040503050406030204" pitchFamily="18" charset="0"/>
-                            </a:rPr>
-                            <m:t>𝐸</m:t>
-                          </m:r>
-                        </m:e>
-                        <m:sub>
-                          <m:acc>
-                            <m:accPr>
-                              <m:chr m:val="̂"/>
-                              <m:ctrlPr>
-                                <a:rPr lang="en-US" sz="2800" b="0" i="1" smtClean="0">
-                                  <a:latin typeface="Cambria Math" panose="02040503050406030204" pitchFamily="18" charset="0"/>
-                                </a:rPr>
-                              </m:ctrlPr>
-                            </m:accPr>
-                            <m:e>
-                              <m:r>
-                                <a:rPr lang="en-US" sz="2800" b="0" i="1" smtClean="0">
-                                  <a:latin typeface="Cambria Math" panose="02040503050406030204" pitchFamily="18" charset="0"/>
-                                </a:rPr>
-                                <m:t>𝜇</m:t>
-                              </m:r>
-                            </m:e>
-                          </m:acc>
-                        </m:sub>
-                      </m:sSub>
-                    </m:oMath>
-                  </m:oMathPara>
-                </a14:m>
-                <a:endParaRPr lang="en-US" sz="2800" dirty="0"/>
-              </a:p>
-            </p:txBody>
-          </p:sp>
-        </mc:Choice>
-        <mc:Fallback xmlns="">
-          <p:sp>
-            <p:nvSpPr>
-              <p:cNvPr id="11" name="TextBox 10">
-                <a:extLst>
-                  <a:ext uri="{FF2B5EF4-FFF2-40B4-BE49-F238E27FC236}">
-                    <a16:creationId xmlns:a16="http://schemas.microsoft.com/office/drawing/2014/main" id="{D3F971A9-67C3-DABC-6C20-FEE93318EE1D}"/>
-                  </a:ext>
-                </a:extLst>
-              </p:cNvPr>
-              <p:cNvSpPr txBox="1">
-                <a:spLocks noRot="1" noChangeAspect="1" noMove="1" noResize="1" noEditPoints="1" noAdjustHandles="1" noChangeArrowheads="1" noChangeShapeType="1" noTextEdit="1"/>
-              </p:cNvSpPr>
-              <p:nvPr/>
-            </p:nvSpPr>
-            <p:spPr>
-              <a:xfrm>
-                <a:off x="3200400" y="2488416"/>
-                <a:ext cx="4848715" cy="557910"/>
-              </a:xfrm>
-              <a:prstGeom prst="rect">
-                <a:avLst/>
-              </a:prstGeom>
-              <a:blipFill>
-                <a:blip r:embed="rId4"/>
-                <a:stretch>
-                  <a:fillRect/>
-                </a:stretch>
-              </a:blipFill>
-            </p:spPr>
-            <p:txBody>
-              <a:bodyPr/>
-              <a:lstStyle/>
-              <a:p>
-                <a:r>
-                  <a:rPr lang="en-US">
-                    <a:noFill/>
-                  </a:rPr>
-                  <a:t> </a:t>
-                </a:r>
-              </a:p>
-            </p:txBody>
-          </p:sp>
-        </mc:Fallback>
-      </mc:AlternateContent>
-      <mc:AlternateContent xmlns:mc="http://schemas.openxmlformats.org/markup-compatibility/2006" xmlns:a14="http://schemas.microsoft.com/office/drawing/2010/main">
-        <mc:Choice Requires="a14">
-          <p:sp>
-            <p:nvSpPr>
-              <p:cNvPr id="3" name="TextBox 2">
-                <a:extLst>
-                  <a:ext uri="{FF2B5EF4-FFF2-40B4-BE49-F238E27FC236}">
-                    <a16:creationId xmlns:a16="http://schemas.microsoft.com/office/drawing/2014/main" id="{5D0C2D08-8EE3-7891-53E9-38255B76D8B6}"/>
-                  </a:ext>
-                </a:extLst>
-              </p:cNvPr>
-              <p:cNvSpPr txBox="1"/>
-              <p:nvPr/>
-            </p:nvSpPr>
-            <p:spPr>
-              <a:xfrm>
-                <a:off x="3048000" y="4114800"/>
-                <a:ext cx="4848715" cy="1365374"/>
-              </a:xfrm>
-              <a:prstGeom prst="rect">
-                <a:avLst/>
-              </a:prstGeom>
-              <a:noFill/>
-            </p:spPr>
-            <p:txBody>
-              <a:bodyPr wrap="square" rtlCol="0">
-                <a:spAutoFit/>
-              </a:bodyPr>
-              <a:lstStyle/>
-              <a:p>
-                <a:pPr/>
-                <a14:m>
-                  <m:oMathPara xmlns:m="http://schemas.openxmlformats.org/officeDocument/2006/math">
-                    <m:oMathParaPr>
-                      <m:jc m:val="centerGroup"/>
-                    </m:oMathParaPr>
-                    <m:oMath xmlns:m="http://schemas.openxmlformats.org/officeDocument/2006/math">
-                      <m:r>
-                        <a:rPr lang="en-US" sz="2800" i="1">
-                          <a:latin typeface="Cambria Math" panose="02040503050406030204" pitchFamily="18" charset="0"/>
-                        </a:rPr>
-                        <m:t>𝑆</m:t>
-                      </m:r>
-                      <m:sSub>
-                        <m:sSubPr>
-                          <m:ctrlPr>
-                            <a:rPr lang="en-US" sz="2800" i="1">
-                              <a:latin typeface="Cambria Math" panose="02040503050406030204" pitchFamily="18" charset="0"/>
-                            </a:rPr>
-                          </m:ctrlPr>
-                        </m:sSubPr>
-                        <m:e>
-                          <m:r>
-                            <a:rPr lang="en-US" sz="2800" i="1">
-                              <a:latin typeface="Cambria Math" panose="02040503050406030204" pitchFamily="18" charset="0"/>
-                            </a:rPr>
-                            <m:t>𝐸</m:t>
-                          </m:r>
-                        </m:e>
-                        <m:sub>
-                          <m:acc>
-                            <m:accPr>
-                              <m:chr m:val="̂"/>
-                              <m:ctrlPr>
-                                <a:rPr lang="en-US" sz="2800" i="1">
-                                  <a:latin typeface="Cambria Math" panose="02040503050406030204" pitchFamily="18" charset="0"/>
-                                </a:rPr>
-                              </m:ctrlPr>
-                            </m:accPr>
-                            <m:e>
-                              <m:r>
-                                <a:rPr lang="en-US" sz="2800" i="1">
-                                  <a:latin typeface="Cambria Math" panose="02040503050406030204" pitchFamily="18" charset="0"/>
-                                </a:rPr>
-                                <m:t>𝜇</m:t>
-                              </m:r>
-                            </m:e>
-                          </m:acc>
-                        </m:sub>
-                      </m:sSub>
-                      <m:r>
-                        <a:rPr lang="en-US" sz="2800" b="0" i="1" smtClean="0">
-                          <a:latin typeface="Cambria Math" panose="02040503050406030204" pitchFamily="18" charset="0"/>
-                        </a:rPr>
-                        <m:t>=</m:t>
-                      </m:r>
-                      <m:sSub>
-                        <m:sSubPr>
-                          <m:ctrlPr>
-                            <a:rPr lang="en-US" sz="2800" b="0" i="1" smtClean="0">
-                              <a:latin typeface="Cambria Math" panose="02040503050406030204" pitchFamily="18" charset="0"/>
-                            </a:rPr>
-                          </m:ctrlPr>
-                        </m:sSubPr>
-                        <m:e>
-                          <m:acc>
-                            <m:accPr>
-                              <m:chr m:val="̂"/>
-                              <m:ctrlPr>
-                                <a:rPr lang="en-US" sz="2800" b="0" i="1" smtClean="0">
-                                  <a:latin typeface="Cambria Math" panose="02040503050406030204" pitchFamily="18" charset="0"/>
-                                </a:rPr>
-                              </m:ctrlPr>
-                            </m:accPr>
-                            <m:e>
-                              <m:r>
-                                <a:rPr lang="en-US" sz="2800" b="0" i="1" smtClean="0">
-                                  <a:latin typeface="Cambria Math" panose="02040503050406030204" pitchFamily="18" charset="0"/>
-                                </a:rPr>
-                                <m:t>𝜎</m:t>
-                              </m:r>
-                            </m:e>
-                          </m:acc>
-                        </m:e>
-                        <m:sub>
-                          <m:r>
-                            <a:rPr lang="en-US" sz="2800" b="0" i="1" smtClean="0">
-                              <a:latin typeface="Cambria Math" panose="02040503050406030204" pitchFamily="18" charset="0"/>
-                            </a:rPr>
-                            <m:t>𝜖</m:t>
-                          </m:r>
-                        </m:sub>
-                      </m:sSub>
-                      <m:rad>
-                        <m:radPr>
-                          <m:degHide m:val="on"/>
-                          <m:ctrlPr>
-                            <a:rPr lang="en-US" sz="2800" b="0" i="1" smtClean="0">
-                              <a:latin typeface="Cambria Math" panose="02040503050406030204" pitchFamily="18" charset="0"/>
-                            </a:rPr>
-                          </m:ctrlPr>
-                        </m:radPr>
-                        <m:deg/>
-                        <m:e>
-                          <m:f>
-                            <m:fPr>
-                              <m:ctrlPr>
-                                <a:rPr lang="en-US" sz="2800" b="0" i="1" smtClean="0">
-                                  <a:latin typeface="Cambria Math" panose="02040503050406030204" pitchFamily="18" charset="0"/>
-                                </a:rPr>
-                              </m:ctrlPr>
-                            </m:fPr>
-                            <m:num>
-                              <m:r>
-                                <a:rPr lang="en-US" sz="2800" b="0" i="1" smtClean="0">
-                                  <a:latin typeface="Cambria Math" panose="02040503050406030204" pitchFamily="18" charset="0"/>
-                                </a:rPr>
-                                <m:t>1</m:t>
-                              </m:r>
-                            </m:num>
-                            <m:den>
-                              <m:r>
-                                <a:rPr lang="en-US" sz="2800" b="0" i="1" smtClean="0">
-                                  <a:latin typeface="Cambria Math" panose="02040503050406030204" pitchFamily="18" charset="0"/>
-                                </a:rPr>
-                                <m:t>𝑛</m:t>
-                              </m:r>
-                            </m:den>
-                          </m:f>
-                          <m:r>
-                            <a:rPr lang="en-US" sz="2800" b="0" i="1" smtClean="0">
-                              <a:latin typeface="Cambria Math" panose="02040503050406030204" pitchFamily="18" charset="0"/>
-                            </a:rPr>
-                            <m:t>+</m:t>
-                          </m:r>
-                          <m:f>
-                            <m:fPr>
-                              <m:ctrlPr>
-                                <a:rPr lang="en-US" sz="2800" b="0" i="1" smtClean="0">
-                                  <a:latin typeface="Cambria Math" panose="02040503050406030204" pitchFamily="18" charset="0"/>
-                                </a:rPr>
-                              </m:ctrlPr>
-                            </m:fPr>
-                            <m:num>
-                              <m:sSup>
-                                <m:sSupPr>
-                                  <m:ctrlPr>
-                                    <a:rPr lang="en-US" sz="2800" b="0" i="1" smtClean="0">
-                                      <a:latin typeface="Cambria Math" panose="02040503050406030204" pitchFamily="18" charset="0"/>
-                                    </a:rPr>
-                                  </m:ctrlPr>
-                                </m:sSupPr>
-                                <m:e>
-                                  <m:d>
-                                    <m:dPr>
-                                      <m:ctrlPr>
-                                        <a:rPr lang="en-US" sz="2800" b="0" i="1" smtClean="0">
-                                          <a:latin typeface="Cambria Math" panose="02040503050406030204" pitchFamily="18" charset="0"/>
-                                        </a:rPr>
-                                      </m:ctrlPr>
-                                    </m:dPr>
-                                    <m:e>
-                                      <m:sSup>
-                                        <m:sSupPr>
-                                          <m:ctrlPr>
-                                            <a:rPr lang="en-US" sz="2800" b="0" i="1" smtClean="0">
-                                              <a:latin typeface="Cambria Math" panose="02040503050406030204" pitchFamily="18" charset="0"/>
-                                            </a:rPr>
-                                          </m:ctrlPr>
-                                        </m:sSupPr>
-                                        <m:e>
-                                          <m:r>
-                                            <a:rPr lang="en-US" sz="2800" b="0" i="1" smtClean="0">
-                                              <a:latin typeface="Cambria Math" panose="02040503050406030204" pitchFamily="18" charset="0"/>
-                                            </a:rPr>
-                                            <m:t>𝑥</m:t>
-                                          </m:r>
-                                        </m:e>
-                                        <m:sup>
-                                          <m:r>
-                                            <a:rPr lang="en-US" sz="2800" b="0" i="1" smtClean="0">
-                                              <a:latin typeface="Cambria Math" panose="02040503050406030204" pitchFamily="18" charset="0"/>
-                                            </a:rPr>
-                                            <m:t>∗</m:t>
-                                          </m:r>
-                                        </m:sup>
-                                      </m:sSup>
-                                      <m:r>
-                                        <a:rPr lang="en-US" sz="2800" b="0" i="1" smtClean="0">
-                                          <a:latin typeface="Cambria Math" panose="02040503050406030204" pitchFamily="18" charset="0"/>
-                                        </a:rPr>
-                                        <m:t>−</m:t>
-                                      </m:r>
-                                      <m:acc>
-                                        <m:accPr>
-                                          <m:chr m:val="̅"/>
-                                          <m:ctrlPr>
-                                            <a:rPr lang="en-US" sz="2800" b="0" i="1" smtClean="0">
-                                              <a:latin typeface="Cambria Math" panose="02040503050406030204" pitchFamily="18" charset="0"/>
-                                            </a:rPr>
-                                          </m:ctrlPr>
-                                        </m:accPr>
-                                        <m:e>
-                                          <m:r>
-                                            <a:rPr lang="en-US" sz="2800" b="0" i="1" smtClean="0">
-                                              <a:latin typeface="Cambria Math" panose="02040503050406030204" pitchFamily="18" charset="0"/>
-                                            </a:rPr>
-                                            <m:t>𝑥</m:t>
-                                          </m:r>
-                                        </m:e>
-                                      </m:acc>
-                                    </m:e>
-                                  </m:d>
-                                </m:e>
-                                <m:sup>
-                                  <m:r>
-                                    <a:rPr lang="en-US" sz="2800" b="0" i="1" smtClean="0">
-                                      <a:latin typeface="Cambria Math" panose="02040503050406030204" pitchFamily="18" charset="0"/>
-                                    </a:rPr>
-                                    <m:t>2</m:t>
-                                  </m:r>
-                                </m:sup>
-                              </m:sSup>
-                            </m:num>
-                            <m:den>
-                              <m:r>
-                                <a:rPr lang="en-US" sz="2800" b="0" i="1" smtClean="0">
-                                  <a:latin typeface="Cambria Math" panose="02040503050406030204" pitchFamily="18" charset="0"/>
-                                </a:rPr>
-                                <m:t>∑</m:t>
-                              </m:r>
-                              <m:sSup>
-                                <m:sSupPr>
-                                  <m:ctrlPr>
-                                    <a:rPr lang="en-US" sz="2800" i="1">
-                                      <a:latin typeface="Cambria Math" panose="02040503050406030204" pitchFamily="18" charset="0"/>
-                                    </a:rPr>
-                                  </m:ctrlPr>
-                                </m:sSupPr>
-                                <m:e>
-                                  <m:d>
-                                    <m:dPr>
-                                      <m:ctrlPr>
-                                        <a:rPr lang="en-US" sz="2800" i="1">
-                                          <a:latin typeface="Cambria Math" panose="02040503050406030204" pitchFamily="18" charset="0"/>
-                                        </a:rPr>
-                                      </m:ctrlPr>
-                                    </m:dPr>
-                                    <m:e>
-                                      <m:r>
-                                        <a:rPr lang="en-US" sz="2800" b="0" i="1" smtClean="0">
-                                          <a:latin typeface="Cambria Math" panose="02040503050406030204" pitchFamily="18" charset="0"/>
-                                        </a:rPr>
-                                        <m:t>𝑥</m:t>
-                                      </m:r>
-                                      <m:r>
-                                        <a:rPr lang="en-US" sz="2800" i="1">
-                                          <a:latin typeface="Cambria Math" panose="02040503050406030204" pitchFamily="18" charset="0"/>
-                                        </a:rPr>
-                                        <m:t>−</m:t>
-                                      </m:r>
-                                      <m:acc>
-                                        <m:accPr>
-                                          <m:chr m:val="̅"/>
-                                          <m:ctrlPr>
-                                            <a:rPr lang="en-US" sz="2800" i="1">
-                                              <a:latin typeface="Cambria Math" panose="02040503050406030204" pitchFamily="18" charset="0"/>
-                                            </a:rPr>
-                                          </m:ctrlPr>
-                                        </m:accPr>
-                                        <m:e>
-                                          <m:r>
-                                            <a:rPr lang="en-US" sz="2800" i="1">
-                                              <a:latin typeface="Cambria Math" panose="02040503050406030204" pitchFamily="18" charset="0"/>
-                                            </a:rPr>
-                                            <m:t>𝑥</m:t>
-                                          </m:r>
-                                        </m:e>
-                                      </m:acc>
-                                    </m:e>
-                                  </m:d>
-                                </m:e>
-                                <m:sup>
-                                  <m:r>
-                                    <a:rPr lang="en-US" sz="2800" i="1">
-                                      <a:latin typeface="Cambria Math" panose="02040503050406030204" pitchFamily="18" charset="0"/>
-                                    </a:rPr>
-                                    <m:t>2</m:t>
-                                  </m:r>
-                                </m:sup>
-                              </m:sSup>
-                            </m:den>
-                          </m:f>
-                        </m:e>
-                      </m:rad>
-                    </m:oMath>
-                  </m:oMathPara>
-                </a14:m>
-                <a:endParaRPr lang="en-US" sz="2800" dirty="0"/>
-              </a:p>
-            </p:txBody>
-          </p:sp>
-        </mc:Choice>
-        <mc:Fallback xmlns="">
-          <p:sp>
-            <p:nvSpPr>
-              <p:cNvPr id="3" name="TextBox 2">
-                <a:extLst>
-                  <a:ext uri="{FF2B5EF4-FFF2-40B4-BE49-F238E27FC236}">
-                    <a16:creationId xmlns:a16="http://schemas.microsoft.com/office/drawing/2014/main" id="{5D0C2D08-8EE3-7891-53E9-38255B76D8B6}"/>
-                  </a:ext>
-                </a:extLst>
-              </p:cNvPr>
-              <p:cNvSpPr txBox="1">
-                <a:spLocks noRot="1" noChangeAspect="1" noMove="1" noResize="1" noEditPoints="1" noAdjustHandles="1" noChangeArrowheads="1" noChangeShapeType="1" noTextEdit="1"/>
-              </p:cNvSpPr>
-              <p:nvPr/>
-            </p:nvSpPr>
-            <p:spPr>
-              <a:xfrm>
-                <a:off x="3048000" y="4114800"/>
-                <a:ext cx="4848715" cy="1365374"/>
-              </a:xfrm>
-              <a:prstGeom prst="rect">
-                <a:avLst/>
-              </a:prstGeom>
-              <a:blipFill>
-                <a:blip r:embed="rId5"/>
-                <a:stretch>
-                  <a:fillRect/>
-                </a:stretch>
-              </a:blipFill>
-            </p:spPr>
-            <p:txBody>
-              <a:bodyPr/>
-              <a:lstStyle/>
-              <a:p>
-                <a:r>
-                  <a:rPr lang="en-US">
-                    <a:noFill/>
-                  </a:rPr>
-                  <a:t> </a:t>
-                </a:r>
-              </a:p>
-            </p:txBody>
-          </p:sp>
-        </mc:Fallback>
-      </mc:AlternateContent>
-    </p:spTree>
-    <p:extLst>
-      <p:ext uri="{BB962C8B-B14F-4D97-AF65-F5344CB8AC3E}">
-        <p14:creationId xmlns:p14="http://schemas.microsoft.com/office/powerpoint/2010/main" val="1097743928"/>
-      </p:ext>
-    </p:extLst>
-  </p:cSld>
-  <p:clrMapOvr>
-    <a:masterClrMapping/>
-  </p:clrMapOvr>
-</p:sld>
-</file>
-
-<file path=ppt/slides/slide6.xml><?xml version="1.0" encoding="utf-8"?>
-<p:sld xmlns:a="http://schemas.openxmlformats.org/drawingml/2006/main" xmlns:r="http://schemas.openxmlformats.org/officeDocument/2006/relationships" xmlns:p="http://schemas.openxmlformats.org/presentationml/2006/main">
-  <p:cSld>
-    <p:spTree>
-      <p:nvGrpSpPr>
-        <p:cNvPr id="1" name=""/>
-        <p:cNvGrpSpPr/>
-        <p:nvPr/>
-      </p:nvGrpSpPr>
-      <p:grpSpPr>
-        <a:xfrm>
-          <a:off x="0" y="0"/>
-          <a:ext cx="0" cy="0"/>
-          <a:chOff x="0" y="0"/>
-          <a:chExt cx="0" cy="0"/>
-        </a:xfrm>
-      </p:grpSpPr>
-      <p:pic>
-        <p:nvPicPr>
-          <p:cNvPr id="2" name="Picture 10" descr="Mario Pattern">
-            <a:extLst>
-              <a:ext uri="{FF2B5EF4-FFF2-40B4-BE49-F238E27FC236}">
-                <a16:creationId xmlns:a16="http://schemas.microsoft.com/office/drawing/2014/main" id="{8F84FFD9-23AF-75F7-6DAA-904525952142}"/>
-              </a:ext>
-            </a:extLst>
-          </p:cNvPr>
-          <p:cNvPicPr>
-            <a:picLocks noChangeAspect="1" noChangeArrowheads="1"/>
-          </p:cNvPicPr>
-          <p:nvPr/>
-        </p:nvPicPr>
-        <p:blipFill rotWithShape="1">
-          <a:blip r:embed="rId2">
-            <a:alphaModFix amt="47000"/>
-            <a:extLst>
-              <a:ext uri="{28A0092B-C50C-407E-A947-70E740481C1C}">
-                <a14:useLocalDpi xmlns:a14="http://schemas.microsoft.com/office/drawing/2010/main" val="0"/>
-              </a:ext>
-            </a:extLst>
-          </a:blip>
-          <a:srcRect l="4595" r="6699"/>
-          <a:stretch/>
-        </p:blipFill>
-        <p:spPr bwMode="auto">
-          <a:xfrm>
-            <a:off x="0" y="-2057400"/>
-            <a:ext cx="12192000" cy="10308201"/>
-          </a:xfrm>
-          <a:prstGeom prst="rect">
-            <a:avLst/>
-          </a:prstGeom>
-          <a:noFill/>
-          <a:extLst>
-            <a:ext uri="{909E8E84-426E-40DD-AFC4-6F175D3DCCD1}">
-              <a14:hiddenFill xmlns:a14="http://schemas.microsoft.com/office/drawing/2010/main">
-                <a:solidFill>
-                  <a:srgbClr val="FFFFFF"/>
-                </a:solidFill>
-              </a14:hiddenFill>
-            </a:ext>
-          </a:extLst>
-        </p:spPr>
-      </p:pic>
-      <p:sp>
-        <p:nvSpPr>
-          <p:cNvPr id="12" name="Line 11"/>
-          <p:cNvSpPr>
-            <a:spLocks noChangeShapeType="1"/>
-          </p:cNvSpPr>
-          <p:nvPr/>
-        </p:nvSpPr>
-        <p:spPr bwMode="auto">
-          <a:xfrm flipV="1">
-            <a:off x="6972300" y="5109836"/>
-            <a:ext cx="609600" cy="533400"/>
-          </a:xfrm>
-          <a:prstGeom prst="line">
-            <a:avLst/>
-          </a:prstGeom>
-          <a:noFill/>
-          <a:ln w="38100">
-            <a:solidFill>
-              <a:srgbClr val="FFFF66"/>
-            </a:solidFill>
-            <a:round/>
-            <a:headEnd/>
-            <a:tailEnd type="triangle" w="med" len="med"/>
-          </a:ln>
-          <a:extLst>
-            <a:ext uri="{909E8E84-426E-40DD-AFC4-6F175D3DCCD1}">
-              <a14:hiddenFill xmlns:a14="http://schemas.microsoft.com/office/drawing/2010/main">
-                <a:noFill/>
-              </a14:hiddenFill>
-            </a:ext>
-          </a:extLst>
-        </p:spPr>
-        <p:txBody>
-          <a:bodyPr wrap="square">
-            <a:spAutoFit/>
-          </a:bodyPr>
-          <a:lstStyle/>
-          <a:p>
-            <a:endParaRPr lang="en-US"/>
-          </a:p>
-        </p:txBody>
-      </p:sp>
-      <p:sp>
-        <p:nvSpPr>
-          <p:cNvPr id="6" name="TextBox 5">
-            <a:extLst>
-              <a:ext uri="{FF2B5EF4-FFF2-40B4-BE49-F238E27FC236}">
-                <a16:creationId xmlns:a16="http://schemas.microsoft.com/office/drawing/2014/main" id="{4F2DA592-D8EB-70BA-2112-6C13A4E7B393}"/>
-              </a:ext>
-            </a:extLst>
-          </p:cNvPr>
-          <p:cNvSpPr txBox="1"/>
-          <p:nvPr/>
-        </p:nvSpPr>
-        <p:spPr>
-          <a:xfrm>
-            <a:off x="457200" y="609600"/>
-            <a:ext cx="11201400" cy="919401"/>
-          </a:xfrm>
-          <a:prstGeom prst="roundRect">
-            <a:avLst/>
-          </a:prstGeom>
-          <a:solidFill>
-            <a:schemeClr val="bg1">
-              <a:alpha val="70000"/>
-            </a:schemeClr>
-          </a:solidFill>
-          <a:ln w="76200">
-            <a:solidFill>
-              <a:srgbClr val="FFC416"/>
-            </a:solidFill>
-          </a:ln>
-        </p:spPr>
-        <p:style>
-          <a:lnRef idx="2">
-            <a:schemeClr val="dk1"/>
-          </a:lnRef>
-          <a:fillRef idx="1">
-            <a:schemeClr val="lt1"/>
-          </a:fillRef>
-          <a:effectRef idx="0">
-            <a:schemeClr val="dk1"/>
-          </a:effectRef>
-          <a:fontRef idx="minor">
-            <a:schemeClr val="dk1"/>
-          </a:fontRef>
-        </p:style>
-        <p:txBody>
-          <a:bodyPr wrap="square" rtlCol="0">
-            <a:spAutoFit/>
-          </a:bodyPr>
-          <a:lstStyle/>
-          <a:p>
-            <a:pPr algn="ctr"/>
-            <a:r>
-              <a:rPr lang="en-US" sz="4800" b="1" dirty="0">
-                <a:solidFill>
-                  <a:srgbClr val="2D3A37"/>
-                </a:solidFill>
-                <a:latin typeface="Adobe Devanagari" panose="02040503050201020203" pitchFamily="18" charset="0"/>
-                <a:cs typeface="Adobe Devanagari" panose="02040503050201020203" pitchFamily="18" charset="0"/>
-              </a:rPr>
-              <a:t>Making Predictions for Single Observation</a:t>
-            </a:r>
-            <a:endParaRPr lang="en-US" sz="4800" dirty="0">
-              <a:solidFill>
-                <a:srgbClr val="2D3A37"/>
-              </a:solidFill>
-            </a:endParaRPr>
-          </a:p>
-        </p:txBody>
-      </p:sp>
-      <mc:AlternateContent xmlns:mc="http://schemas.openxmlformats.org/markup-compatibility/2006">
-        <mc:Choice xmlns:a14="http://schemas.microsoft.com/office/drawing/2010/main" Requires="a14">
-          <p:sp>
-            <p:nvSpPr>
-              <p:cNvPr id="7" name="TextBox 6">
-                <a:extLst>
-                  <a:ext uri="{FF2B5EF4-FFF2-40B4-BE49-F238E27FC236}">
-                    <a16:creationId xmlns:a16="http://schemas.microsoft.com/office/drawing/2014/main" id="{D9B238EA-D04E-3255-7509-F990F1A8F309}"/>
-                  </a:ext>
-                </a:extLst>
-              </p:cNvPr>
-              <p:cNvSpPr txBox="1"/>
-              <p:nvPr/>
-            </p:nvSpPr>
-            <p:spPr>
-              <a:xfrm>
-                <a:off x="457200" y="1981200"/>
-                <a:ext cx="11201400" cy="4869418"/>
-              </a:xfrm>
-              <a:prstGeom prst="roundRect">
-                <a:avLst/>
-              </a:prstGeom>
-              <a:solidFill>
-                <a:schemeClr val="bg1"/>
-              </a:solidFill>
-              <a:ln w="76200">
-                <a:solidFill>
-                  <a:srgbClr val="FFC416"/>
-                </a:solidFill>
-              </a:ln>
-            </p:spPr>
-            <p:style>
-              <a:lnRef idx="2">
-                <a:schemeClr val="dk1"/>
-              </a:lnRef>
-              <a:fillRef idx="1">
-                <a:schemeClr val="lt1"/>
-              </a:fillRef>
-              <a:effectRef idx="0">
-                <a:schemeClr val="dk1"/>
-              </a:effectRef>
-              <a:fontRef idx="minor">
-                <a:schemeClr val="dk1"/>
-              </a:fontRef>
-            </p:style>
-            <p:txBody>
-              <a:bodyPr wrap="square" rtlCol="0">
-                <a:spAutoFit/>
-              </a:bodyPr>
-              <a:lstStyle/>
               <a:p>
                 <a:pPr marL="457200" indent="-457200">
                   <a:buFont typeface="Arial" panose="020B0604020202020204" pitchFamily="34" charset="0"/>
                   <a:buChar char="•"/>
                 </a:pPr>
-                <a:r>
-                  <a:rPr lang="en-US" sz="2800" dirty="0">
-                    <a:solidFill>
-                      <a:srgbClr val="660066"/>
-                    </a:solidFill>
-                  </a:rPr>
-                  <a:t>Suppose We Fit a Simple Linear Regression</a:t>
-                </a:r>
-              </a:p>
-              <a:p>
                 <a:endParaRPr lang="en-US" sz="2800" dirty="0">
                   <a:solidFill>
                     <a:srgbClr val="660066"/>
@@ -8282,15 +6801,15 @@
                       <a:srgbClr val="660066"/>
                     </a:solidFill>
                   </a:rPr>
-                  <a:t>You Studied 1 Hour But You May Not Be a </a:t>
+                  <a:t>Degrees of Freedom Depends on </a:t>
                 </a:r>
                 <a:r>
-                  <a:rPr lang="en-US" sz="2800" b="1" dirty="0">
+                  <a:rPr lang="en-US" sz="2800" i="1" dirty="0">
                     <a:solidFill>
                       <a:srgbClr val="660066"/>
                     </a:solidFill>
                   </a:rPr>
-                  <a:t>Typical/Average</a:t>
+                  <a:t>n</a:t>
                 </a:r>
                 <a:r>
                   <a:rPr lang="en-US" sz="2800" dirty="0">
@@ -8298,87 +6817,21 @@
                       <a:srgbClr val="660066"/>
                     </a:solidFill>
                   </a:rPr>
-                  <a:t> Student</a:t>
+                  <a:t> and </a:t>
                 </a:r>
-              </a:p>
-              <a:p>
-                <a:pPr marL="457200" indent="-457200">
-                  <a:buFont typeface="Arial" panose="020B0604020202020204" pitchFamily="34" charset="0"/>
-                  <a:buChar char="•"/>
-                </a:pPr>
+                <a:r>
+                  <a:rPr lang="en-US" sz="2800" i="1" dirty="0">
+                    <a:solidFill>
+                      <a:srgbClr val="660066"/>
+                    </a:solidFill>
+                  </a:rPr>
+                  <a:t>k</a:t>
+                </a:r>
                 <a:endParaRPr lang="en-US" sz="2800" dirty="0">
                   <a:solidFill>
                     <a:srgbClr val="660066"/>
                   </a:solidFill>
                 </a:endParaRPr>
-              </a:p>
-              <a:p>
-                <a:pPr marL="457200" indent="-457200">
-                  <a:buFont typeface="Arial" panose="020B0604020202020204" pitchFamily="34" charset="0"/>
-                  <a:buChar char="•"/>
-                </a:pPr>
-                <a:r>
-                  <a:rPr lang="en-US" sz="2800" dirty="0">
-                    <a:solidFill>
-                      <a:srgbClr val="660066"/>
-                    </a:solidFill>
-                  </a:rPr>
-                  <a:t>I May Predict You to Get a 79%, but I Am </a:t>
-                </a:r>
-                <a:r>
-                  <a:rPr lang="en-US" sz="2800" b="1" dirty="0">
-                    <a:solidFill>
-                      <a:srgbClr val="660066"/>
-                    </a:solidFill>
-                  </a:rPr>
-                  <a:t>More Uncertain</a:t>
-                </a:r>
-              </a:p>
-              <a:p>
-                <a:pPr marL="457200" indent="-457200">
-                  <a:buFont typeface="Arial" panose="020B0604020202020204" pitchFamily="34" charset="0"/>
-                  <a:buChar char="•"/>
-                </a:pPr>
-                <a:endParaRPr lang="en-US" sz="2800" b="1" dirty="0">
-                  <a:solidFill>
-                    <a:srgbClr val="660066"/>
-                  </a:solidFill>
-                </a:endParaRPr>
-              </a:p>
-              <a:p>
-                <a:pPr marL="457200" indent="-457200">
-                  <a:buFont typeface="Arial" panose="020B0604020202020204" pitchFamily="34" charset="0"/>
-                  <a:buChar char="•"/>
-                </a:pPr>
-                <a:r>
-                  <a:rPr lang="en-US" sz="2800" dirty="0">
-                    <a:solidFill>
-                      <a:srgbClr val="660066"/>
-                    </a:solidFill>
-                  </a:rPr>
-                  <a:t>Why? Different Students Who Studied 1 Hour Will All Not Get the Same Grade Because of </a:t>
-                </a:r>
-                <a14:m>
-                  <m:oMath xmlns:m="http://schemas.openxmlformats.org/officeDocument/2006/math">
-                    <m:r>
-                      <a:rPr lang="en-US" sz="2800" b="0" i="1" smtClean="0">
-                        <a:solidFill>
-                          <a:srgbClr val="660066"/>
-                        </a:solidFill>
-                        <a:latin typeface="Cambria Math" panose="02040503050406030204" pitchFamily="18" charset="0"/>
-                      </a:rPr>
-                      <m:t>𝜖</m:t>
-                    </m:r>
-                  </m:oMath>
-                </a14:m>
-                <a:r>
-                  <a:rPr lang="en-US" sz="2800" dirty="0">
-                    <a:solidFill>
-                      <a:srgbClr val="660066"/>
-                    </a:solidFill>
-                  </a:rPr>
-                  <a:t> in the Population Model</a:t>
-                </a:r>
               </a:p>
               <a:p>
                 <a:pPr marL="457200" indent="-457200">
@@ -8411,2283 +6864,7 @@
             </p:nvSpPr>
             <p:spPr>
               <a:xfrm>
-                <a:off x="457200" y="1981200"/>
-                <a:ext cx="11201400" cy="4869418"/>
-              </a:xfrm>
-              <a:prstGeom prst="roundRect">
-                <a:avLst/>
-              </a:prstGeom>
-              <a:blipFill>
-                <a:blip r:embed="rId3"/>
-                <a:stretch>
-                  <a:fillRect/>
-                </a:stretch>
-              </a:blipFill>
-              <a:ln w="76200">
-                <a:solidFill>
-                  <a:srgbClr val="FFC416"/>
-                </a:solidFill>
-              </a:ln>
-            </p:spPr>
-            <p:txBody>
-              <a:bodyPr/>
-              <a:lstStyle/>
-              <a:p>
-                <a:r>
-                  <a:rPr lang="en-US">
-                    <a:noFill/>
-                  </a:rPr>
-                  <a:t> </a:t>
-                </a:r>
-              </a:p>
-            </p:txBody>
-          </p:sp>
-        </mc:Fallback>
-      </mc:AlternateContent>
-      <mc:AlternateContent xmlns:mc="http://schemas.openxmlformats.org/markup-compatibility/2006">
-        <mc:Choice xmlns:a14="http://schemas.microsoft.com/office/drawing/2010/main" Requires="a14">
-          <p:sp>
-            <p:nvSpPr>
-              <p:cNvPr id="3" name="TextBox 2">
-                <a:extLst>
-                  <a:ext uri="{FF2B5EF4-FFF2-40B4-BE49-F238E27FC236}">
-                    <a16:creationId xmlns:a16="http://schemas.microsoft.com/office/drawing/2014/main" id="{FAB272A7-118A-A7D8-7986-619E1E08234F}"/>
-                  </a:ext>
-                </a:extLst>
-              </p:cNvPr>
-              <p:cNvSpPr txBox="1"/>
-              <p:nvPr/>
-            </p:nvSpPr>
-            <p:spPr>
-              <a:xfrm>
-                <a:off x="2057400" y="2823612"/>
-                <a:ext cx="6858000" cy="546175"/>
-              </a:xfrm>
-              <a:prstGeom prst="rect">
-                <a:avLst/>
-              </a:prstGeom>
-              <a:noFill/>
-            </p:spPr>
-            <p:txBody>
-              <a:bodyPr wrap="square" rtlCol="0">
-                <a:spAutoFit/>
-              </a:bodyPr>
-              <a:lstStyle/>
-              <a:p>
-                <a:pPr/>
-                <a14:m>
-                  <m:oMathPara xmlns:m="http://schemas.openxmlformats.org/officeDocument/2006/math">
-                    <m:oMathParaPr>
-                      <m:jc m:val="centerGroup"/>
-                    </m:oMathParaPr>
-                    <m:oMath xmlns:m="http://schemas.openxmlformats.org/officeDocument/2006/math">
-                      <m:acc>
-                        <m:accPr>
-                          <m:chr m:val="̂"/>
-                          <m:ctrlPr>
-                            <a:rPr lang="en-US" sz="2800" b="0" i="1" smtClean="0">
-                              <a:latin typeface="Cambria Math" panose="02040503050406030204" pitchFamily="18" charset="0"/>
-                            </a:rPr>
-                          </m:ctrlPr>
-                        </m:accPr>
-                        <m:e>
-                          <m:r>
-                            <a:rPr lang="en-US" sz="2800" b="0" i="1" smtClean="0">
-                              <a:latin typeface="Cambria Math" panose="02040503050406030204" pitchFamily="18" charset="0"/>
-                            </a:rPr>
-                            <m:t>𝐺𝑟𝑎𝑑𝑒</m:t>
-                          </m:r>
-                        </m:e>
-                      </m:acc>
-                      <m:r>
-                        <a:rPr lang="en-US" sz="2800" b="0" i="1" smtClean="0">
-                          <a:latin typeface="Cambria Math" panose="02040503050406030204" pitchFamily="18" charset="0"/>
-                        </a:rPr>
-                        <m:t>=75+4(</m:t>
-                      </m:r>
-                      <m:r>
-                        <a:rPr lang="en-US" sz="2800" b="0" i="1" smtClean="0">
-                          <a:latin typeface="Cambria Math" panose="02040503050406030204" pitchFamily="18" charset="0"/>
-                        </a:rPr>
-                        <m:t>𝐻𝑜𝑢𝑟𝑠</m:t>
-                      </m:r>
-                      <m:r>
-                        <a:rPr lang="en-US" sz="2800" b="0" i="1" smtClean="0">
-                          <a:latin typeface="Cambria Math" panose="02040503050406030204" pitchFamily="18" charset="0"/>
-                        </a:rPr>
-                        <m:t> </m:t>
-                      </m:r>
-                      <m:r>
-                        <a:rPr lang="en-US" sz="2800" b="0" i="1" smtClean="0">
-                          <a:latin typeface="Cambria Math" panose="02040503050406030204" pitchFamily="18" charset="0"/>
-                        </a:rPr>
-                        <m:t>𝑆𝑝𝑒𝑛𝑡</m:t>
-                      </m:r>
-                      <m:r>
-                        <a:rPr lang="en-US" sz="2800" b="0" i="1" smtClean="0">
-                          <a:latin typeface="Cambria Math" panose="02040503050406030204" pitchFamily="18" charset="0"/>
-                        </a:rPr>
-                        <m:t> </m:t>
-                      </m:r>
-                      <m:r>
-                        <a:rPr lang="en-US" sz="2800" b="0" i="1" smtClean="0">
-                          <a:latin typeface="Cambria Math" panose="02040503050406030204" pitchFamily="18" charset="0"/>
-                        </a:rPr>
-                        <m:t>𝑆𝑡𝑢𝑑𝑦𝑖𝑛𝑔</m:t>
-                      </m:r>
-                      <m:r>
-                        <a:rPr lang="en-US" sz="2800" b="0" i="1" smtClean="0">
-                          <a:latin typeface="Cambria Math" panose="02040503050406030204" pitchFamily="18" charset="0"/>
-                        </a:rPr>
-                        <m:t>)</m:t>
-                      </m:r>
-                    </m:oMath>
-                  </m:oMathPara>
-                </a14:m>
-                <a:endParaRPr lang="en-US" sz="2800" dirty="0"/>
-              </a:p>
-            </p:txBody>
-          </p:sp>
-        </mc:Choice>
-        <mc:Fallback>
-          <p:sp>
-            <p:nvSpPr>
-              <p:cNvPr id="3" name="TextBox 2">
-                <a:extLst>
-                  <a:ext uri="{FF2B5EF4-FFF2-40B4-BE49-F238E27FC236}">
-                    <a16:creationId xmlns:a16="http://schemas.microsoft.com/office/drawing/2014/main" id="{FAB272A7-118A-A7D8-7986-619E1E08234F}"/>
-                  </a:ext>
-                </a:extLst>
-              </p:cNvPr>
-              <p:cNvSpPr txBox="1">
-                <a:spLocks noRot="1" noChangeAspect="1" noMove="1" noResize="1" noEditPoints="1" noAdjustHandles="1" noChangeArrowheads="1" noChangeShapeType="1" noTextEdit="1"/>
-              </p:cNvSpPr>
-              <p:nvPr/>
-            </p:nvSpPr>
-            <p:spPr>
-              <a:xfrm>
-                <a:off x="2057400" y="2823612"/>
-                <a:ext cx="6858000" cy="546175"/>
-              </a:xfrm>
-              <a:prstGeom prst="rect">
-                <a:avLst/>
-              </a:prstGeom>
-              <a:blipFill>
-                <a:blip r:embed="rId4"/>
-                <a:stretch>
-                  <a:fillRect/>
-                </a:stretch>
-              </a:blipFill>
-            </p:spPr>
-            <p:txBody>
-              <a:bodyPr/>
-              <a:lstStyle/>
-              <a:p>
-                <a:r>
-                  <a:rPr lang="en-US">
-                    <a:noFill/>
-                  </a:rPr>
-                  <a:t> </a:t>
-                </a:r>
-              </a:p>
-            </p:txBody>
-          </p:sp>
-        </mc:Fallback>
-      </mc:AlternateContent>
-      <mc:AlternateContent xmlns:mc="http://schemas.openxmlformats.org/markup-compatibility/2006">
-        <mc:Choice xmlns:a14="http://schemas.microsoft.com/office/drawing/2010/main" Requires="a14">
-          <p:sp>
-            <p:nvSpPr>
-              <p:cNvPr id="4" name="TextBox 3">
-                <a:extLst>
-                  <a:ext uri="{FF2B5EF4-FFF2-40B4-BE49-F238E27FC236}">
-                    <a16:creationId xmlns:a16="http://schemas.microsoft.com/office/drawing/2014/main" id="{3729A173-339D-D278-0F1A-87F24A019138}"/>
-                  </a:ext>
-                </a:extLst>
-              </p:cNvPr>
-              <p:cNvSpPr txBox="1"/>
-              <p:nvPr/>
-            </p:nvSpPr>
-            <p:spPr>
-              <a:xfrm>
-                <a:off x="1562100" y="6130071"/>
-                <a:ext cx="7848600" cy="523220"/>
-              </a:xfrm>
-              <a:prstGeom prst="rect">
-                <a:avLst/>
-              </a:prstGeom>
-              <a:noFill/>
-            </p:spPr>
-            <p:txBody>
-              <a:bodyPr wrap="square" rtlCol="0">
-                <a:spAutoFit/>
-              </a:bodyPr>
-              <a:lstStyle/>
-              <a:p>
-                <a:pPr/>
-                <a14:m>
-                  <m:oMathPara xmlns:m="http://schemas.openxmlformats.org/officeDocument/2006/math">
-                    <m:oMathParaPr>
-                      <m:jc m:val="centerGroup"/>
-                    </m:oMathParaPr>
-                    <m:oMath xmlns:m="http://schemas.openxmlformats.org/officeDocument/2006/math">
-                      <m:r>
-                        <a:rPr lang="en-US" sz="2800" b="0" i="1" smtClean="0">
-                          <a:latin typeface="Cambria Math" panose="02040503050406030204" pitchFamily="18" charset="0"/>
-                        </a:rPr>
-                        <m:t>𝐺𝑟𝑎𝑑𝑒</m:t>
-                      </m:r>
-                      <m:r>
-                        <a:rPr lang="en-US" sz="2800" b="0" i="1" smtClean="0">
-                          <a:latin typeface="Cambria Math" panose="02040503050406030204" pitchFamily="18" charset="0"/>
-                        </a:rPr>
-                        <m:t>=</m:t>
-                      </m:r>
-                      <m:sSub>
-                        <m:sSubPr>
-                          <m:ctrlPr>
-                            <a:rPr lang="en-US" sz="2800" b="0" i="1" smtClean="0">
-                              <a:latin typeface="Cambria Math" panose="02040503050406030204" pitchFamily="18" charset="0"/>
-                            </a:rPr>
-                          </m:ctrlPr>
-                        </m:sSubPr>
-                        <m:e>
-                          <m:r>
-                            <a:rPr lang="en-US" sz="2800" b="0" i="1" smtClean="0">
-                              <a:latin typeface="Cambria Math" panose="02040503050406030204" pitchFamily="18" charset="0"/>
-                            </a:rPr>
-                            <m:t>𝛽</m:t>
-                          </m:r>
-                        </m:e>
-                        <m:sub>
-                          <m:r>
-                            <a:rPr lang="en-US" sz="2800" b="0" i="1" smtClean="0">
-                              <a:latin typeface="Cambria Math" panose="02040503050406030204" pitchFamily="18" charset="0"/>
-                            </a:rPr>
-                            <m:t>0</m:t>
-                          </m:r>
-                        </m:sub>
-                      </m:sSub>
-                      <m:r>
-                        <a:rPr lang="en-US" sz="2800" b="0" i="1" smtClean="0">
-                          <a:latin typeface="Cambria Math" panose="02040503050406030204" pitchFamily="18" charset="0"/>
-                        </a:rPr>
-                        <m:t>+</m:t>
-                      </m:r>
-                      <m:sSub>
-                        <m:sSubPr>
-                          <m:ctrlPr>
-                            <a:rPr lang="en-US" sz="2800" b="0" i="1" smtClean="0">
-                              <a:latin typeface="Cambria Math" panose="02040503050406030204" pitchFamily="18" charset="0"/>
-                            </a:rPr>
-                          </m:ctrlPr>
-                        </m:sSubPr>
-                        <m:e>
-                          <m:r>
-                            <a:rPr lang="en-US" sz="2800" b="0" i="1" smtClean="0">
-                              <a:latin typeface="Cambria Math" panose="02040503050406030204" pitchFamily="18" charset="0"/>
-                            </a:rPr>
-                            <m:t>𝛽</m:t>
-                          </m:r>
-                        </m:e>
-                        <m:sub>
-                          <m:r>
-                            <a:rPr lang="en-US" sz="2800" b="0" i="1" smtClean="0">
-                              <a:latin typeface="Cambria Math" panose="02040503050406030204" pitchFamily="18" charset="0"/>
-                            </a:rPr>
-                            <m:t>1</m:t>
-                          </m:r>
-                        </m:sub>
-                      </m:sSub>
-                      <m:d>
-                        <m:dPr>
-                          <m:ctrlPr>
-                            <a:rPr lang="en-US" sz="2800" b="0" i="1" smtClean="0">
-                              <a:latin typeface="Cambria Math" panose="02040503050406030204" pitchFamily="18" charset="0"/>
-                            </a:rPr>
-                          </m:ctrlPr>
-                        </m:dPr>
-                        <m:e>
-                          <m:r>
-                            <a:rPr lang="en-US" sz="2800" b="0" i="1" smtClean="0">
-                              <a:latin typeface="Cambria Math" panose="02040503050406030204" pitchFamily="18" charset="0"/>
-                            </a:rPr>
-                            <m:t>𝐻𝑜𝑢𝑟𝑠</m:t>
-                          </m:r>
-                          <m:r>
-                            <a:rPr lang="en-US" sz="2800" b="0" i="1" smtClean="0">
-                              <a:latin typeface="Cambria Math" panose="02040503050406030204" pitchFamily="18" charset="0"/>
-                            </a:rPr>
-                            <m:t> </m:t>
-                          </m:r>
-                          <m:r>
-                            <a:rPr lang="en-US" sz="2800" b="0" i="1" smtClean="0">
-                              <a:latin typeface="Cambria Math" panose="02040503050406030204" pitchFamily="18" charset="0"/>
-                            </a:rPr>
-                            <m:t>𝑆𝑝𝑒𝑛𝑡</m:t>
-                          </m:r>
-                          <m:r>
-                            <a:rPr lang="en-US" sz="2800" b="0" i="1" smtClean="0">
-                              <a:latin typeface="Cambria Math" panose="02040503050406030204" pitchFamily="18" charset="0"/>
-                            </a:rPr>
-                            <m:t> </m:t>
-                          </m:r>
-                          <m:r>
-                            <a:rPr lang="en-US" sz="2800" b="0" i="1" smtClean="0">
-                              <a:latin typeface="Cambria Math" panose="02040503050406030204" pitchFamily="18" charset="0"/>
-                            </a:rPr>
-                            <m:t>𝑆𝑡𝑢𝑑𝑦𝑖𝑛𝑔</m:t>
-                          </m:r>
-                        </m:e>
-                      </m:d>
-                      <m:r>
-                        <a:rPr lang="en-US" sz="2800" b="0" i="1" smtClean="0">
-                          <a:latin typeface="Cambria Math" panose="02040503050406030204" pitchFamily="18" charset="0"/>
-                        </a:rPr>
-                        <m:t>+</m:t>
-                      </m:r>
-                      <m:r>
-                        <a:rPr lang="en-US" sz="2800" b="0" i="1" smtClean="0">
-                          <a:latin typeface="Cambria Math" panose="02040503050406030204" pitchFamily="18" charset="0"/>
-                        </a:rPr>
-                        <m:t>𝜖</m:t>
-                      </m:r>
-                    </m:oMath>
-                  </m:oMathPara>
-                </a14:m>
-                <a:endParaRPr lang="en-US" sz="2800" dirty="0"/>
-              </a:p>
-            </p:txBody>
-          </p:sp>
-        </mc:Choice>
-        <mc:Fallback>
-          <p:sp>
-            <p:nvSpPr>
-              <p:cNvPr id="4" name="TextBox 3">
-                <a:extLst>
-                  <a:ext uri="{FF2B5EF4-FFF2-40B4-BE49-F238E27FC236}">
-                    <a16:creationId xmlns:a16="http://schemas.microsoft.com/office/drawing/2014/main" id="{3729A173-339D-D278-0F1A-87F24A019138}"/>
-                  </a:ext>
-                </a:extLst>
-              </p:cNvPr>
-              <p:cNvSpPr txBox="1">
-                <a:spLocks noRot="1" noChangeAspect="1" noMove="1" noResize="1" noEditPoints="1" noAdjustHandles="1" noChangeArrowheads="1" noChangeShapeType="1" noTextEdit="1"/>
-              </p:cNvSpPr>
-              <p:nvPr/>
-            </p:nvSpPr>
-            <p:spPr>
-              <a:xfrm>
-                <a:off x="1562100" y="6130071"/>
-                <a:ext cx="7848600" cy="523220"/>
-              </a:xfrm>
-              <a:prstGeom prst="rect">
-                <a:avLst/>
-              </a:prstGeom>
-              <a:blipFill>
-                <a:blip r:embed="rId5"/>
-                <a:stretch>
-                  <a:fillRect/>
-                </a:stretch>
-              </a:blipFill>
-            </p:spPr>
-            <p:txBody>
-              <a:bodyPr/>
-              <a:lstStyle/>
-              <a:p>
-                <a:r>
-                  <a:rPr lang="en-US">
-                    <a:noFill/>
-                  </a:rPr>
-                  <a:t> </a:t>
-                </a:r>
-              </a:p>
-            </p:txBody>
-          </p:sp>
-        </mc:Fallback>
-      </mc:AlternateContent>
-    </p:spTree>
-    <p:extLst>
-      <p:ext uri="{BB962C8B-B14F-4D97-AF65-F5344CB8AC3E}">
-        <p14:creationId xmlns:p14="http://schemas.microsoft.com/office/powerpoint/2010/main" val="452751779"/>
-      </p:ext>
-    </p:extLst>
-  </p:cSld>
-  <p:clrMapOvr>
-    <a:masterClrMapping/>
-  </p:clrMapOvr>
-</p:sld>
-</file>
-
-<file path=ppt/slides/slide7.xml><?xml version="1.0" encoding="utf-8"?>
-<p:sld xmlns:a="http://schemas.openxmlformats.org/drawingml/2006/main" xmlns:r="http://schemas.openxmlformats.org/officeDocument/2006/relationships" xmlns:p="http://schemas.openxmlformats.org/presentationml/2006/main">
-  <p:cSld>
-    <p:spTree>
-      <p:nvGrpSpPr>
-        <p:cNvPr id="1" name=""/>
-        <p:cNvGrpSpPr/>
-        <p:nvPr/>
-      </p:nvGrpSpPr>
-      <p:grpSpPr>
-        <a:xfrm>
-          <a:off x="0" y="0"/>
-          <a:ext cx="0" cy="0"/>
-          <a:chOff x="0" y="0"/>
-          <a:chExt cx="0" cy="0"/>
-        </a:xfrm>
-      </p:grpSpPr>
-      <p:pic>
-        <p:nvPicPr>
-          <p:cNvPr id="2" name="Picture 10" descr="Mario Pattern">
-            <a:extLst>
-              <a:ext uri="{FF2B5EF4-FFF2-40B4-BE49-F238E27FC236}">
-                <a16:creationId xmlns:a16="http://schemas.microsoft.com/office/drawing/2014/main" id="{8F84FFD9-23AF-75F7-6DAA-904525952142}"/>
-              </a:ext>
-            </a:extLst>
-          </p:cNvPr>
-          <p:cNvPicPr>
-            <a:picLocks noChangeAspect="1" noChangeArrowheads="1"/>
-          </p:cNvPicPr>
-          <p:nvPr/>
-        </p:nvPicPr>
-        <p:blipFill rotWithShape="1">
-          <a:blip r:embed="rId2">
-            <a:alphaModFix amt="47000"/>
-            <a:extLst>
-              <a:ext uri="{28A0092B-C50C-407E-A947-70E740481C1C}">
-                <a14:useLocalDpi xmlns:a14="http://schemas.microsoft.com/office/drawing/2010/main" val="0"/>
-              </a:ext>
-            </a:extLst>
-          </a:blip>
-          <a:srcRect l="4595" r="6699"/>
-          <a:stretch/>
-        </p:blipFill>
-        <p:spPr bwMode="auto">
-          <a:xfrm>
-            <a:off x="0" y="-2057400"/>
-            <a:ext cx="12192000" cy="10308201"/>
-          </a:xfrm>
-          <a:prstGeom prst="rect">
-            <a:avLst/>
-          </a:prstGeom>
-          <a:noFill/>
-          <a:extLst>
-            <a:ext uri="{909E8E84-426E-40DD-AFC4-6F175D3DCCD1}">
-              <a14:hiddenFill xmlns:a14="http://schemas.microsoft.com/office/drawing/2010/main">
-                <a:solidFill>
-                  <a:srgbClr val="FFFFFF"/>
-                </a:solidFill>
-              </a14:hiddenFill>
-            </a:ext>
-          </a:extLst>
-        </p:spPr>
-      </p:pic>
-      <p:sp>
-        <p:nvSpPr>
-          <p:cNvPr id="12" name="Line 11"/>
-          <p:cNvSpPr>
-            <a:spLocks noChangeShapeType="1"/>
-          </p:cNvSpPr>
-          <p:nvPr/>
-        </p:nvSpPr>
-        <p:spPr bwMode="auto">
-          <a:xfrm flipV="1">
-            <a:off x="6972300" y="5109836"/>
-            <a:ext cx="609600" cy="533400"/>
-          </a:xfrm>
-          <a:prstGeom prst="line">
-            <a:avLst/>
-          </a:prstGeom>
-          <a:noFill/>
-          <a:ln w="38100">
-            <a:solidFill>
-              <a:srgbClr val="FFFF66"/>
-            </a:solidFill>
-            <a:round/>
-            <a:headEnd/>
-            <a:tailEnd type="triangle" w="med" len="med"/>
-          </a:ln>
-          <a:extLst>
-            <a:ext uri="{909E8E84-426E-40DD-AFC4-6F175D3DCCD1}">
-              <a14:hiddenFill xmlns:a14="http://schemas.microsoft.com/office/drawing/2010/main">
-                <a:noFill/>
-              </a14:hiddenFill>
-            </a:ext>
-          </a:extLst>
-        </p:spPr>
-        <p:txBody>
-          <a:bodyPr wrap="square">
-            <a:spAutoFit/>
-          </a:bodyPr>
-          <a:lstStyle/>
-          <a:p>
-            <a:endParaRPr lang="en-US"/>
-          </a:p>
-        </p:txBody>
-      </p:sp>
-      <p:sp>
-        <p:nvSpPr>
-          <p:cNvPr id="6" name="TextBox 5">
-            <a:extLst>
-              <a:ext uri="{FF2B5EF4-FFF2-40B4-BE49-F238E27FC236}">
-                <a16:creationId xmlns:a16="http://schemas.microsoft.com/office/drawing/2014/main" id="{4F2DA592-D8EB-70BA-2112-6C13A4E7B393}"/>
-              </a:ext>
-            </a:extLst>
-          </p:cNvPr>
-          <p:cNvSpPr txBox="1"/>
-          <p:nvPr/>
-        </p:nvSpPr>
-        <p:spPr>
-          <a:xfrm>
-            <a:off x="457200" y="609600"/>
-            <a:ext cx="11201400" cy="919401"/>
-          </a:xfrm>
-          <a:prstGeom prst="roundRect">
-            <a:avLst/>
-          </a:prstGeom>
-          <a:solidFill>
-            <a:schemeClr val="bg1">
-              <a:alpha val="70000"/>
-            </a:schemeClr>
-          </a:solidFill>
-          <a:ln w="76200">
-            <a:solidFill>
-              <a:srgbClr val="FFC416"/>
-            </a:solidFill>
-          </a:ln>
-        </p:spPr>
-        <p:style>
-          <a:lnRef idx="2">
-            <a:schemeClr val="dk1"/>
-          </a:lnRef>
-          <a:fillRef idx="1">
-            <a:schemeClr val="lt1"/>
-          </a:fillRef>
-          <a:effectRef idx="0">
-            <a:schemeClr val="dk1"/>
-          </a:effectRef>
-          <a:fontRef idx="minor">
-            <a:schemeClr val="dk1"/>
-          </a:fontRef>
-        </p:style>
-        <p:txBody>
-          <a:bodyPr wrap="square" rtlCol="0">
-            <a:spAutoFit/>
-          </a:bodyPr>
-          <a:lstStyle/>
-          <a:p>
-            <a:pPr algn="ctr"/>
-            <a:r>
-              <a:rPr lang="en-US" sz="4800" b="1" dirty="0">
-                <a:solidFill>
-                  <a:srgbClr val="2D3A37"/>
-                </a:solidFill>
-                <a:latin typeface="Adobe Devanagari" panose="02040503050201020203" pitchFamily="18" charset="0"/>
-                <a:cs typeface="Adobe Devanagari" panose="02040503050201020203" pitchFamily="18" charset="0"/>
-              </a:rPr>
-              <a:t>Prediction Interval for Single Observation</a:t>
-            </a:r>
-            <a:endParaRPr lang="en-US" sz="4800" dirty="0">
-              <a:solidFill>
-                <a:srgbClr val="2D3A37"/>
-              </a:solidFill>
-            </a:endParaRPr>
-          </a:p>
-        </p:txBody>
-      </p:sp>
-      <p:sp>
-        <p:nvSpPr>
-          <p:cNvPr id="7" name="TextBox 6">
-            <a:extLst>
-              <a:ext uri="{FF2B5EF4-FFF2-40B4-BE49-F238E27FC236}">
-                <a16:creationId xmlns:a16="http://schemas.microsoft.com/office/drawing/2014/main" id="{D9B238EA-D04E-3255-7509-F990F1A8F309}"/>
-              </a:ext>
-            </a:extLst>
-          </p:cNvPr>
-          <p:cNvSpPr txBox="1"/>
-          <p:nvPr/>
-        </p:nvSpPr>
-        <p:spPr>
-          <a:xfrm>
-            <a:off x="495300" y="1974467"/>
-            <a:ext cx="11201400" cy="3915966"/>
-          </a:xfrm>
-          <a:prstGeom prst="roundRect">
-            <a:avLst/>
-          </a:prstGeom>
-          <a:solidFill>
-            <a:schemeClr val="bg1"/>
-          </a:solidFill>
-          <a:ln w="76200">
-            <a:solidFill>
-              <a:srgbClr val="FFC416"/>
-            </a:solidFill>
-          </a:ln>
-        </p:spPr>
-        <p:style>
-          <a:lnRef idx="2">
-            <a:schemeClr val="dk1"/>
-          </a:lnRef>
-          <a:fillRef idx="1">
-            <a:schemeClr val="lt1"/>
-          </a:fillRef>
-          <a:effectRef idx="0">
-            <a:schemeClr val="dk1"/>
-          </a:effectRef>
-          <a:fontRef idx="minor">
-            <a:schemeClr val="dk1"/>
-          </a:fontRef>
-        </p:style>
-        <p:txBody>
-          <a:bodyPr wrap="square" rtlCol="0">
-            <a:spAutoFit/>
-          </a:bodyPr>
-          <a:lstStyle/>
-          <a:p>
-            <a:pPr marL="457200" indent="-457200">
-              <a:buFont typeface="Arial" panose="020B0604020202020204" pitchFamily="34" charset="0"/>
-              <a:buChar char="•"/>
-            </a:pPr>
-            <a:r>
-              <a:rPr lang="en-US" sz="2800" dirty="0">
-                <a:solidFill>
-                  <a:srgbClr val="660066"/>
-                </a:solidFill>
-              </a:rPr>
-              <a:t>Formula:</a:t>
-            </a:r>
-          </a:p>
-          <a:p>
-            <a:pPr marL="457200" indent="-457200">
-              <a:buFont typeface="Arial" panose="020B0604020202020204" pitchFamily="34" charset="0"/>
-              <a:buChar char="•"/>
-            </a:pPr>
-            <a:endParaRPr lang="en-US" sz="2800" dirty="0">
-              <a:solidFill>
-                <a:srgbClr val="660066"/>
-              </a:solidFill>
-            </a:endParaRPr>
-          </a:p>
-          <a:p>
-            <a:pPr marL="457200" indent="-457200">
-              <a:buFont typeface="Arial" panose="020B0604020202020204" pitchFamily="34" charset="0"/>
-              <a:buChar char="•"/>
-            </a:pPr>
-            <a:endParaRPr lang="en-US" sz="2800" dirty="0">
-              <a:solidFill>
-                <a:srgbClr val="660066"/>
-              </a:solidFill>
-            </a:endParaRPr>
-          </a:p>
-          <a:p>
-            <a:pPr marL="457200" indent="-457200">
-              <a:buFont typeface="Arial" panose="020B0604020202020204" pitchFamily="34" charset="0"/>
-              <a:buChar char="•"/>
-            </a:pPr>
-            <a:r>
-              <a:rPr lang="en-US" sz="2800" dirty="0">
-                <a:solidFill>
-                  <a:srgbClr val="660066"/>
-                </a:solidFill>
-              </a:rPr>
-              <a:t>Standard Error</a:t>
-            </a:r>
-          </a:p>
-          <a:p>
-            <a:pPr marL="457200" indent="-457200">
-              <a:buFont typeface="Arial" panose="020B0604020202020204" pitchFamily="34" charset="0"/>
-              <a:buChar char="•"/>
-            </a:pPr>
-            <a:endParaRPr lang="en-US" sz="2800" dirty="0">
-              <a:solidFill>
-                <a:srgbClr val="660066"/>
-              </a:solidFill>
-            </a:endParaRPr>
-          </a:p>
-          <a:p>
-            <a:pPr marL="457200" indent="-457200">
-              <a:buFont typeface="Arial" panose="020B0604020202020204" pitchFamily="34" charset="0"/>
-              <a:buChar char="•"/>
-            </a:pPr>
-            <a:endParaRPr lang="en-US" sz="2800" dirty="0">
-              <a:solidFill>
-                <a:srgbClr val="660066"/>
-              </a:solidFill>
-            </a:endParaRPr>
-          </a:p>
-          <a:p>
-            <a:pPr marL="457200" indent="-457200">
-              <a:buFont typeface="Arial" panose="020B0604020202020204" pitchFamily="34" charset="0"/>
-              <a:buChar char="•"/>
-            </a:pPr>
-            <a:endParaRPr lang="en-US" sz="2800" dirty="0">
-              <a:solidFill>
-                <a:srgbClr val="660066"/>
-              </a:solidFill>
-            </a:endParaRPr>
-          </a:p>
-          <a:p>
-            <a:pPr marL="457200" indent="-457200">
-              <a:buFont typeface="Arial" panose="020B0604020202020204" pitchFamily="34" charset="0"/>
-              <a:buChar char="•"/>
-            </a:pPr>
-            <a:endParaRPr lang="en-US" sz="2800" dirty="0">
-              <a:solidFill>
-                <a:srgbClr val="660066"/>
-              </a:solidFill>
-            </a:endParaRPr>
-          </a:p>
-        </p:txBody>
-      </p:sp>
-      <mc:AlternateContent xmlns:mc="http://schemas.openxmlformats.org/markup-compatibility/2006" xmlns:a14="http://schemas.microsoft.com/office/drawing/2010/main">
-        <mc:Choice Requires="a14">
-          <p:sp>
-            <p:nvSpPr>
-              <p:cNvPr id="11" name="TextBox 10">
-                <a:extLst>
-                  <a:ext uri="{FF2B5EF4-FFF2-40B4-BE49-F238E27FC236}">
-                    <a16:creationId xmlns:a16="http://schemas.microsoft.com/office/drawing/2014/main" id="{D3F971A9-67C3-DABC-6C20-FEE93318EE1D}"/>
-                  </a:ext>
-                </a:extLst>
-              </p:cNvPr>
-              <p:cNvSpPr txBox="1"/>
-              <p:nvPr/>
-            </p:nvSpPr>
-            <p:spPr>
-              <a:xfrm>
-                <a:off x="3200400" y="2488416"/>
-                <a:ext cx="4848715" cy="557204"/>
-              </a:xfrm>
-              <a:prstGeom prst="rect">
-                <a:avLst/>
-              </a:prstGeom>
-              <a:noFill/>
-            </p:spPr>
-            <p:txBody>
-              <a:bodyPr wrap="square" rtlCol="0">
-                <a:spAutoFit/>
-              </a:bodyPr>
-              <a:lstStyle/>
-              <a:p>
-                <a:pPr/>
-                <a14:m>
-                  <m:oMathPara xmlns:m="http://schemas.openxmlformats.org/officeDocument/2006/math">
-                    <m:oMathParaPr>
-                      <m:jc m:val="centerGroup"/>
-                    </m:oMathParaPr>
-                    <m:oMath xmlns:m="http://schemas.openxmlformats.org/officeDocument/2006/math">
-                      <m:acc>
-                        <m:accPr>
-                          <m:chr m:val="̂"/>
-                          <m:ctrlPr>
-                            <a:rPr lang="en-US" sz="2800" b="0" i="1" smtClean="0">
-                              <a:latin typeface="Cambria Math" panose="02040503050406030204" pitchFamily="18" charset="0"/>
-                            </a:rPr>
-                          </m:ctrlPr>
-                        </m:accPr>
-                        <m:e>
-                          <m:r>
-                            <a:rPr lang="en-US" sz="2800" b="0" i="1" smtClean="0">
-                              <a:latin typeface="Cambria Math" panose="02040503050406030204" pitchFamily="18" charset="0"/>
-                            </a:rPr>
-                            <m:t>𝑦</m:t>
-                          </m:r>
-                        </m:e>
-                      </m:acc>
-                      <m:r>
-                        <a:rPr lang="en-US" sz="2800" b="0" i="1" smtClean="0">
-                          <a:latin typeface="Cambria Math" panose="02040503050406030204" pitchFamily="18" charset="0"/>
-                        </a:rPr>
-                        <m:t>±</m:t>
-                      </m:r>
-                      <m:sSub>
-                        <m:sSubPr>
-                          <m:ctrlPr>
-                            <a:rPr lang="en-US" sz="2800" b="0" i="1" smtClean="0">
-                              <a:latin typeface="Cambria Math" panose="02040503050406030204" pitchFamily="18" charset="0"/>
-                            </a:rPr>
-                          </m:ctrlPr>
-                        </m:sSubPr>
-                        <m:e>
-                          <m:r>
-                            <a:rPr lang="en-US" sz="2800" b="0" i="1" smtClean="0">
-                              <a:latin typeface="Cambria Math" panose="02040503050406030204" pitchFamily="18" charset="0"/>
-                            </a:rPr>
-                            <m:t>𝑡</m:t>
-                          </m:r>
-                        </m:e>
-                        <m:sub>
-                          <m:r>
-                            <a:rPr lang="en-US" sz="2800" b="0" i="1" smtClean="0">
-                              <a:latin typeface="Cambria Math" panose="02040503050406030204" pitchFamily="18" charset="0"/>
-                            </a:rPr>
-                            <m:t>0</m:t>
-                          </m:r>
-                          <m:r>
-                            <a:rPr lang="en-US" sz="2800" b="0" i="1" smtClean="0">
-                              <a:latin typeface="Cambria Math" panose="02040503050406030204" pitchFamily="18" charset="0"/>
-                            </a:rPr>
-                            <m:t>.</m:t>
-                          </m:r>
-                          <m:r>
-                            <a:rPr lang="en-US" sz="2800" b="0" i="1" smtClean="0">
-                              <a:latin typeface="Cambria Math" panose="02040503050406030204" pitchFamily="18" charset="0"/>
-                            </a:rPr>
-                            <m:t>025</m:t>
-                          </m:r>
-                          <m:r>
-                            <a:rPr lang="en-US" sz="2800" b="0" i="1" smtClean="0">
-                              <a:latin typeface="Cambria Math" panose="02040503050406030204" pitchFamily="18" charset="0"/>
-                            </a:rPr>
-                            <m:t>,</m:t>
-                          </m:r>
-                          <m:r>
-                            <a:rPr lang="en-US" sz="2800" b="0" i="1" smtClean="0">
-                              <a:latin typeface="Cambria Math" panose="02040503050406030204" pitchFamily="18" charset="0"/>
-                            </a:rPr>
-                            <m:t>𝑛</m:t>
-                          </m:r>
-                          <m:r>
-                            <a:rPr lang="en-US" sz="2800" b="0" i="1" smtClean="0">
-                              <a:latin typeface="Cambria Math" panose="02040503050406030204" pitchFamily="18" charset="0"/>
-                            </a:rPr>
-                            <m:t>−</m:t>
-                          </m:r>
-                          <m:r>
-                            <a:rPr lang="en-US" sz="2800" b="0" i="1" smtClean="0">
-                              <a:latin typeface="Cambria Math" panose="02040503050406030204" pitchFamily="18" charset="0"/>
-                            </a:rPr>
-                            <m:t>2</m:t>
-                          </m:r>
-                        </m:sub>
-                      </m:sSub>
-                      <m:r>
-                        <a:rPr lang="en-US" sz="2800" b="0" i="1" smtClean="0">
-                          <a:latin typeface="Cambria Math" panose="02040503050406030204" pitchFamily="18" charset="0"/>
-                        </a:rPr>
-                        <m:t>𝑆</m:t>
-                      </m:r>
-                      <m:sSub>
-                        <m:sSubPr>
-                          <m:ctrlPr>
-                            <a:rPr lang="en-US" sz="2800" b="0" i="1" smtClean="0">
-                              <a:latin typeface="Cambria Math" panose="02040503050406030204" pitchFamily="18" charset="0"/>
-                            </a:rPr>
-                          </m:ctrlPr>
-                        </m:sSubPr>
-                        <m:e>
-                          <m:r>
-                            <a:rPr lang="en-US" sz="2800" b="0" i="1" smtClean="0">
-                              <a:latin typeface="Cambria Math" panose="02040503050406030204" pitchFamily="18" charset="0"/>
-                            </a:rPr>
-                            <m:t>𝐸</m:t>
-                          </m:r>
-                        </m:e>
-                        <m:sub>
-                          <m:acc>
-                            <m:accPr>
-                              <m:chr m:val="̂"/>
-                              <m:ctrlPr>
-                                <a:rPr lang="en-US" sz="2800" b="0" i="1" smtClean="0">
-                                  <a:latin typeface="Cambria Math" panose="02040503050406030204" pitchFamily="18" charset="0"/>
-                                </a:rPr>
-                              </m:ctrlPr>
-                            </m:accPr>
-                            <m:e>
-                              <m:r>
-                                <a:rPr lang="en-US" sz="2800" b="0" i="1" smtClean="0">
-                                  <a:latin typeface="Cambria Math" panose="02040503050406030204" pitchFamily="18" charset="0"/>
-                                </a:rPr>
-                                <m:t>𝑦</m:t>
-                              </m:r>
-                            </m:e>
-                          </m:acc>
-                        </m:sub>
-                      </m:sSub>
-                    </m:oMath>
-                  </m:oMathPara>
-                </a14:m>
-                <a:endParaRPr lang="en-US" sz="2800" dirty="0"/>
-              </a:p>
-            </p:txBody>
-          </p:sp>
-        </mc:Choice>
-        <mc:Fallback xmlns="">
-          <p:sp>
-            <p:nvSpPr>
-              <p:cNvPr id="11" name="TextBox 10">
-                <a:extLst>
-                  <a:ext uri="{FF2B5EF4-FFF2-40B4-BE49-F238E27FC236}">
-                    <a16:creationId xmlns:a16="http://schemas.microsoft.com/office/drawing/2014/main" id="{D3F971A9-67C3-DABC-6C20-FEE93318EE1D}"/>
-                  </a:ext>
-                </a:extLst>
-              </p:cNvPr>
-              <p:cNvSpPr txBox="1">
-                <a:spLocks noRot="1" noChangeAspect="1" noMove="1" noResize="1" noEditPoints="1" noAdjustHandles="1" noChangeArrowheads="1" noChangeShapeType="1" noTextEdit="1"/>
-              </p:cNvSpPr>
-              <p:nvPr/>
-            </p:nvSpPr>
-            <p:spPr>
-              <a:xfrm>
-                <a:off x="3200400" y="2488416"/>
-                <a:ext cx="4848715" cy="557204"/>
-              </a:xfrm>
-              <a:prstGeom prst="rect">
-                <a:avLst/>
-              </a:prstGeom>
-              <a:blipFill>
-                <a:blip r:embed="rId3"/>
-                <a:stretch>
-                  <a:fillRect/>
-                </a:stretch>
-              </a:blipFill>
-            </p:spPr>
-            <p:txBody>
-              <a:bodyPr/>
-              <a:lstStyle/>
-              <a:p>
-                <a:r>
-                  <a:rPr lang="en-US">
-                    <a:noFill/>
-                  </a:rPr>
-                  <a:t> </a:t>
-                </a:r>
-              </a:p>
-            </p:txBody>
-          </p:sp>
-        </mc:Fallback>
-      </mc:AlternateContent>
-      <mc:AlternateContent xmlns:mc="http://schemas.openxmlformats.org/markup-compatibility/2006" xmlns:a14="http://schemas.microsoft.com/office/drawing/2010/main">
-        <mc:Choice Requires="a14">
-          <p:sp>
-            <p:nvSpPr>
-              <p:cNvPr id="3" name="TextBox 2">
-                <a:extLst>
-                  <a:ext uri="{FF2B5EF4-FFF2-40B4-BE49-F238E27FC236}">
-                    <a16:creationId xmlns:a16="http://schemas.microsoft.com/office/drawing/2014/main" id="{5D0C2D08-8EE3-7891-53E9-38255B76D8B6}"/>
-                  </a:ext>
-                </a:extLst>
-              </p:cNvPr>
-              <p:cNvSpPr txBox="1"/>
-              <p:nvPr/>
-            </p:nvSpPr>
-            <p:spPr>
-              <a:xfrm>
-                <a:off x="3048000" y="4114800"/>
-                <a:ext cx="4848715" cy="1365374"/>
-              </a:xfrm>
-              <a:prstGeom prst="rect">
-                <a:avLst/>
-              </a:prstGeom>
-              <a:noFill/>
-            </p:spPr>
-            <p:txBody>
-              <a:bodyPr wrap="square" rtlCol="0">
-                <a:spAutoFit/>
-              </a:bodyPr>
-              <a:lstStyle/>
-              <a:p>
-                <a:pPr/>
-                <a14:m>
-                  <m:oMathPara xmlns:m="http://schemas.openxmlformats.org/officeDocument/2006/math">
-                    <m:oMathParaPr>
-                      <m:jc m:val="centerGroup"/>
-                    </m:oMathParaPr>
-                    <m:oMath xmlns:m="http://schemas.openxmlformats.org/officeDocument/2006/math">
-                      <m:r>
-                        <a:rPr lang="en-US" sz="2800" b="0" i="1" smtClean="0">
-                          <a:latin typeface="Cambria Math" panose="02040503050406030204" pitchFamily="18" charset="0"/>
-                        </a:rPr>
-                        <m:t>𝑆</m:t>
-                      </m:r>
-                      <m:sSub>
-                        <m:sSubPr>
-                          <m:ctrlPr>
-                            <a:rPr lang="en-US" sz="2800" b="0" i="1" smtClean="0">
-                              <a:latin typeface="Cambria Math" panose="02040503050406030204" pitchFamily="18" charset="0"/>
-                            </a:rPr>
-                          </m:ctrlPr>
-                        </m:sSubPr>
-                        <m:e>
-                          <m:r>
-                            <a:rPr lang="en-US" sz="2800" b="0" i="1" smtClean="0">
-                              <a:latin typeface="Cambria Math" panose="02040503050406030204" pitchFamily="18" charset="0"/>
-                            </a:rPr>
-                            <m:t>𝐸</m:t>
-                          </m:r>
-                        </m:e>
-                        <m:sub>
-                          <m:acc>
-                            <m:accPr>
-                              <m:chr m:val="̂"/>
-                              <m:ctrlPr>
-                                <a:rPr lang="en-US" sz="2800" b="0" i="1" smtClean="0">
-                                  <a:latin typeface="Cambria Math" panose="02040503050406030204" pitchFamily="18" charset="0"/>
-                                </a:rPr>
-                              </m:ctrlPr>
-                            </m:accPr>
-                            <m:e>
-                              <m:r>
-                                <a:rPr lang="en-US" sz="2800" b="0" i="1" smtClean="0">
-                                  <a:latin typeface="Cambria Math" panose="02040503050406030204" pitchFamily="18" charset="0"/>
-                                </a:rPr>
-                                <m:t>𝑦</m:t>
-                              </m:r>
-                            </m:e>
-                          </m:acc>
-                        </m:sub>
-                      </m:sSub>
-                      <m:r>
-                        <a:rPr lang="en-US" sz="2800" b="0" i="1" smtClean="0">
-                          <a:latin typeface="Cambria Math" panose="02040503050406030204" pitchFamily="18" charset="0"/>
-                        </a:rPr>
-                        <m:t>=</m:t>
-                      </m:r>
-                      <m:sSub>
-                        <m:sSubPr>
-                          <m:ctrlPr>
-                            <a:rPr lang="en-US" sz="2800" b="0" i="1" smtClean="0">
-                              <a:latin typeface="Cambria Math" panose="02040503050406030204" pitchFamily="18" charset="0"/>
-                            </a:rPr>
-                          </m:ctrlPr>
-                        </m:sSubPr>
-                        <m:e>
-                          <m:acc>
-                            <m:accPr>
-                              <m:chr m:val="̂"/>
-                              <m:ctrlPr>
-                                <a:rPr lang="en-US" sz="2800" b="0" i="1" smtClean="0">
-                                  <a:latin typeface="Cambria Math" panose="02040503050406030204" pitchFamily="18" charset="0"/>
-                                </a:rPr>
-                              </m:ctrlPr>
-                            </m:accPr>
-                            <m:e>
-                              <m:r>
-                                <a:rPr lang="en-US" sz="2800" b="0" i="1" smtClean="0">
-                                  <a:latin typeface="Cambria Math" panose="02040503050406030204" pitchFamily="18" charset="0"/>
-                                </a:rPr>
-                                <m:t>𝜎</m:t>
-                              </m:r>
-                            </m:e>
-                          </m:acc>
-                        </m:e>
-                        <m:sub>
-                          <m:r>
-                            <a:rPr lang="en-US" sz="2800" b="0" i="1" smtClean="0">
-                              <a:latin typeface="Cambria Math" panose="02040503050406030204" pitchFamily="18" charset="0"/>
-                            </a:rPr>
-                            <m:t>𝜖</m:t>
-                          </m:r>
-                        </m:sub>
-                      </m:sSub>
-                      <m:rad>
-                        <m:radPr>
-                          <m:degHide m:val="on"/>
-                          <m:ctrlPr>
-                            <a:rPr lang="en-US" sz="2800" b="0" i="1" smtClean="0">
-                              <a:latin typeface="Cambria Math" panose="02040503050406030204" pitchFamily="18" charset="0"/>
-                            </a:rPr>
-                          </m:ctrlPr>
-                        </m:radPr>
-                        <m:deg/>
-                        <m:e>
-                          <m:r>
-                            <a:rPr lang="en-US" sz="2800" b="0" i="1" smtClean="0">
-                              <a:latin typeface="Cambria Math" panose="02040503050406030204" pitchFamily="18" charset="0"/>
-                            </a:rPr>
-                            <m:t>1</m:t>
-                          </m:r>
-                          <m:r>
-                            <a:rPr lang="en-US" sz="2800" b="0" i="1" smtClean="0">
-                              <a:latin typeface="Cambria Math" panose="02040503050406030204" pitchFamily="18" charset="0"/>
-                            </a:rPr>
-                            <m:t>+</m:t>
-                          </m:r>
-                          <m:f>
-                            <m:fPr>
-                              <m:ctrlPr>
-                                <a:rPr lang="en-US" sz="2800" b="0" i="1" smtClean="0">
-                                  <a:latin typeface="Cambria Math" panose="02040503050406030204" pitchFamily="18" charset="0"/>
-                                </a:rPr>
-                              </m:ctrlPr>
-                            </m:fPr>
-                            <m:num>
-                              <m:r>
-                                <a:rPr lang="en-US" sz="2800" b="0" i="1" smtClean="0">
-                                  <a:latin typeface="Cambria Math" panose="02040503050406030204" pitchFamily="18" charset="0"/>
-                                </a:rPr>
-                                <m:t>1</m:t>
-                              </m:r>
-                            </m:num>
-                            <m:den>
-                              <m:r>
-                                <a:rPr lang="en-US" sz="2800" b="0" i="1" smtClean="0">
-                                  <a:latin typeface="Cambria Math" panose="02040503050406030204" pitchFamily="18" charset="0"/>
-                                </a:rPr>
-                                <m:t>𝑛</m:t>
-                              </m:r>
-                            </m:den>
-                          </m:f>
-                          <m:r>
-                            <a:rPr lang="en-US" sz="2800" b="0" i="1" smtClean="0">
-                              <a:latin typeface="Cambria Math" panose="02040503050406030204" pitchFamily="18" charset="0"/>
-                            </a:rPr>
-                            <m:t>+</m:t>
-                          </m:r>
-                          <m:f>
-                            <m:fPr>
-                              <m:ctrlPr>
-                                <a:rPr lang="en-US" sz="2800" b="0" i="1" smtClean="0">
-                                  <a:latin typeface="Cambria Math" panose="02040503050406030204" pitchFamily="18" charset="0"/>
-                                </a:rPr>
-                              </m:ctrlPr>
-                            </m:fPr>
-                            <m:num>
-                              <m:sSup>
-                                <m:sSupPr>
-                                  <m:ctrlPr>
-                                    <a:rPr lang="en-US" sz="2800" b="0" i="1" smtClean="0">
-                                      <a:latin typeface="Cambria Math" panose="02040503050406030204" pitchFamily="18" charset="0"/>
-                                    </a:rPr>
-                                  </m:ctrlPr>
-                                </m:sSupPr>
-                                <m:e>
-                                  <m:d>
-                                    <m:dPr>
-                                      <m:ctrlPr>
-                                        <a:rPr lang="en-US" sz="2800" b="0" i="1" smtClean="0">
-                                          <a:latin typeface="Cambria Math" panose="02040503050406030204" pitchFamily="18" charset="0"/>
-                                        </a:rPr>
-                                      </m:ctrlPr>
-                                    </m:dPr>
-                                    <m:e>
-                                      <m:sSup>
-                                        <m:sSupPr>
-                                          <m:ctrlPr>
-                                            <a:rPr lang="en-US" sz="2800" b="0" i="1" smtClean="0">
-                                              <a:latin typeface="Cambria Math" panose="02040503050406030204" pitchFamily="18" charset="0"/>
-                                            </a:rPr>
-                                          </m:ctrlPr>
-                                        </m:sSupPr>
-                                        <m:e>
-                                          <m:r>
-                                            <a:rPr lang="en-US" sz="2800" b="0" i="1" smtClean="0">
-                                              <a:latin typeface="Cambria Math" panose="02040503050406030204" pitchFamily="18" charset="0"/>
-                                            </a:rPr>
-                                            <m:t>𝑥</m:t>
-                                          </m:r>
-                                        </m:e>
-                                        <m:sup>
-                                          <m:r>
-                                            <a:rPr lang="en-US" sz="2800" b="0" i="1" smtClean="0">
-                                              <a:latin typeface="Cambria Math" panose="02040503050406030204" pitchFamily="18" charset="0"/>
-                                            </a:rPr>
-                                            <m:t>∗</m:t>
-                                          </m:r>
-                                        </m:sup>
-                                      </m:sSup>
-                                      <m:r>
-                                        <a:rPr lang="en-US" sz="2800" b="0" i="1" smtClean="0">
-                                          <a:latin typeface="Cambria Math" panose="02040503050406030204" pitchFamily="18" charset="0"/>
-                                        </a:rPr>
-                                        <m:t>−</m:t>
-                                      </m:r>
-                                      <m:acc>
-                                        <m:accPr>
-                                          <m:chr m:val="̅"/>
-                                          <m:ctrlPr>
-                                            <a:rPr lang="en-US" sz="2800" b="0" i="1" smtClean="0">
-                                              <a:latin typeface="Cambria Math" panose="02040503050406030204" pitchFamily="18" charset="0"/>
-                                            </a:rPr>
-                                          </m:ctrlPr>
-                                        </m:accPr>
-                                        <m:e>
-                                          <m:r>
-                                            <a:rPr lang="en-US" sz="2800" b="0" i="1" smtClean="0">
-                                              <a:latin typeface="Cambria Math" panose="02040503050406030204" pitchFamily="18" charset="0"/>
-                                            </a:rPr>
-                                            <m:t>𝑥</m:t>
-                                          </m:r>
-                                        </m:e>
-                                      </m:acc>
-                                    </m:e>
-                                  </m:d>
-                                </m:e>
-                                <m:sup>
-                                  <m:r>
-                                    <a:rPr lang="en-US" sz="2800" b="0" i="1" smtClean="0">
-                                      <a:latin typeface="Cambria Math" panose="02040503050406030204" pitchFamily="18" charset="0"/>
-                                    </a:rPr>
-                                    <m:t>2</m:t>
-                                  </m:r>
-                                </m:sup>
-                              </m:sSup>
-                            </m:num>
-                            <m:den>
-                              <m:r>
-                                <a:rPr lang="en-US" sz="2800" b="0" i="1" smtClean="0">
-                                  <a:latin typeface="Cambria Math" panose="02040503050406030204" pitchFamily="18" charset="0"/>
-                                </a:rPr>
-                                <m:t>∑</m:t>
-                              </m:r>
-                              <m:sSup>
-                                <m:sSupPr>
-                                  <m:ctrlPr>
-                                    <a:rPr lang="en-US" sz="2800" i="1">
-                                      <a:latin typeface="Cambria Math" panose="02040503050406030204" pitchFamily="18" charset="0"/>
-                                    </a:rPr>
-                                  </m:ctrlPr>
-                                </m:sSupPr>
-                                <m:e>
-                                  <m:d>
-                                    <m:dPr>
-                                      <m:ctrlPr>
-                                        <a:rPr lang="en-US" sz="2800" i="1">
-                                          <a:latin typeface="Cambria Math" panose="02040503050406030204" pitchFamily="18" charset="0"/>
-                                        </a:rPr>
-                                      </m:ctrlPr>
-                                    </m:dPr>
-                                    <m:e>
-                                      <m:r>
-                                        <a:rPr lang="en-US" sz="2800" b="0" i="1" smtClean="0">
-                                          <a:latin typeface="Cambria Math" panose="02040503050406030204" pitchFamily="18" charset="0"/>
-                                        </a:rPr>
-                                        <m:t>𝑥</m:t>
-                                      </m:r>
-                                      <m:r>
-                                        <a:rPr lang="en-US" sz="2800" i="1">
-                                          <a:latin typeface="Cambria Math" panose="02040503050406030204" pitchFamily="18" charset="0"/>
-                                        </a:rPr>
-                                        <m:t>−</m:t>
-                                      </m:r>
-                                      <m:acc>
-                                        <m:accPr>
-                                          <m:chr m:val="̅"/>
-                                          <m:ctrlPr>
-                                            <a:rPr lang="en-US" sz="2800" i="1">
-                                              <a:latin typeface="Cambria Math" panose="02040503050406030204" pitchFamily="18" charset="0"/>
-                                            </a:rPr>
-                                          </m:ctrlPr>
-                                        </m:accPr>
-                                        <m:e>
-                                          <m:r>
-                                            <a:rPr lang="en-US" sz="2800" i="1">
-                                              <a:latin typeface="Cambria Math" panose="02040503050406030204" pitchFamily="18" charset="0"/>
-                                            </a:rPr>
-                                            <m:t>𝑥</m:t>
-                                          </m:r>
-                                        </m:e>
-                                      </m:acc>
-                                    </m:e>
-                                  </m:d>
-                                </m:e>
-                                <m:sup>
-                                  <m:r>
-                                    <a:rPr lang="en-US" sz="2800" i="1">
-                                      <a:latin typeface="Cambria Math" panose="02040503050406030204" pitchFamily="18" charset="0"/>
-                                    </a:rPr>
-                                    <m:t>2</m:t>
-                                  </m:r>
-                                </m:sup>
-                              </m:sSup>
-                            </m:den>
-                          </m:f>
-                        </m:e>
-                      </m:rad>
-                    </m:oMath>
-                  </m:oMathPara>
-                </a14:m>
-                <a:endParaRPr lang="en-US" sz="2800" dirty="0"/>
-              </a:p>
-            </p:txBody>
-          </p:sp>
-        </mc:Choice>
-        <mc:Fallback xmlns="">
-          <p:sp>
-            <p:nvSpPr>
-              <p:cNvPr id="3" name="TextBox 2">
-                <a:extLst>
-                  <a:ext uri="{FF2B5EF4-FFF2-40B4-BE49-F238E27FC236}">
-                    <a16:creationId xmlns:a16="http://schemas.microsoft.com/office/drawing/2014/main" id="{5D0C2D08-8EE3-7891-53E9-38255B76D8B6}"/>
-                  </a:ext>
-                </a:extLst>
-              </p:cNvPr>
-              <p:cNvSpPr txBox="1">
-                <a:spLocks noRot="1" noChangeAspect="1" noMove="1" noResize="1" noEditPoints="1" noAdjustHandles="1" noChangeArrowheads="1" noChangeShapeType="1" noTextEdit="1"/>
-              </p:cNvSpPr>
-              <p:nvPr/>
-            </p:nvSpPr>
-            <p:spPr>
-              <a:xfrm>
-                <a:off x="3048000" y="4114800"/>
-                <a:ext cx="4848715" cy="1365374"/>
-              </a:xfrm>
-              <a:prstGeom prst="rect">
-                <a:avLst/>
-              </a:prstGeom>
-              <a:blipFill>
-                <a:blip r:embed="rId4"/>
-                <a:stretch>
-                  <a:fillRect/>
-                </a:stretch>
-              </a:blipFill>
-            </p:spPr>
-            <p:txBody>
-              <a:bodyPr/>
-              <a:lstStyle/>
-              <a:p>
-                <a:r>
-                  <a:rPr lang="en-US">
-                    <a:noFill/>
-                  </a:rPr>
-                  <a:t> </a:t>
-                </a:r>
-              </a:p>
-            </p:txBody>
-          </p:sp>
-        </mc:Fallback>
-      </mc:AlternateContent>
-    </p:spTree>
-    <p:extLst>
-      <p:ext uri="{BB962C8B-B14F-4D97-AF65-F5344CB8AC3E}">
-        <p14:creationId xmlns:p14="http://schemas.microsoft.com/office/powerpoint/2010/main" val="1211883328"/>
-      </p:ext>
-    </p:extLst>
-  </p:cSld>
-  <p:clrMapOvr>
-    <a:masterClrMapping/>
-  </p:clrMapOvr>
-</p:sld>
-</file>
-
-<file path=ppt/slides/slide8.xml><?xml version="1.0" encoding="utf-8"?>
-<p:sld xmlns:a="http://schemas.openxmlformats.org/drawingml/2006/main" xmlns:r="http://schemas.openxmlformats.org/officeDocument/2006/relationships" xmlns:p="http://schemas.openxmlformats.org/presentationml/2006/main">
-  <p:cSld>
-    <p:spTree>
-      <p:nvGrpSpPr>
-        <p:cNvPr id="1" name=""/>
-        <p:cNvGrpSpPr/>
-        <p:nvPr/>
-      </p:nvGrpSpPr>
-      <p:grpSpPr>
-        <a:xfrm>
-          <a:off x="0" y="0"/>
-          <a:ext cx="0" cy="0"/>
-          <a:chOff x="0" y="0"/>
-          <a:chExt cx="0" cy="0"/>
-        </a:xfrm>
-      </p:grpSpPr>
-      <p:pic>
-        <p:nvPicPr>
-          <p:cNvPr id="2" name="Picture 10" descr="Mario Pattern">
-            <a:extLst>
-              <a:ext uri="{FF2B5EF4-FFF2-40B4-BE49-F238E27FC236}">
-                <a16:creationId xmlns:a16="http://schemas.microsoft.com/office/drawing/2014/main" id="{8F84FFD9-23AF-75F7-6DAA-904525952142}"/>
-              </a:ext>
-            </a:extLst>
-          </p:cNvPr>
-          <p:cNvPicPr>
-            <a:picLocks noChangeAspect="1" noChangeArrowheads="1"/>
-          </p:cNvPicPr>
-          <p:nvPr/>
-        </p:nvPicPr>
-        <p:blipFill rotWithShape="1">
-          <a:blip r:embed="rId2">
-            <a:alphaModFix amt="47000"/>
-            <a:extLst>
-              <a:ext uri="{28A0092B-C50C-407E-A947-70E740481C1C}">
-                <a14:useLocalDpi xmlns:a14="http://schemas.microsoft.com/office/drawing/2010/main" val="0"/>
-              </a:ext>
-            </a:extLst>
-          </a:blip>
-          <a:srcRect l="4595" r="6699"/>
-          <a:stretch/>
-        </p:blipFill>
-        <p:spPr bwMode="auto">
-          <a:xfrm>
-            <a:off x="0" y="-2057400"/>
-            <a:ext cx="12192000" cy="10308201"/>
-          </a:xfrm>
-          <a:prstGeom prst="rect">
-            <a:avLst/>
-          </a:prstGeom>
-          <a:noFill/>
-          <a:extLst>
-            <a:ext uri="{909E8E84-426E-40DD-AFC4-6F175D3DCCD1}">
-              <a14:hiddenFill xmlns:a14="http://schemas.microsoft.com/office/drawing/2010/main">
-                <a:solidFill>
-                  <a:srgbClr val="FFFFFF"/>
-                </a:solidFill>
-              </a14:hiddenFill>
-            </a:ext>
-          </a:extLst>
-        </p:spPr>
-      </p:pic>
-      <p:sp>
-        <p:nvSpPr>
-          <p:cNvPr id="12" name="Line 11"/>
-          <p:cNvSpPr>
-            <a:spLocks noChangeShapeType="1"/>
-          </p:cNvSpPr>
-          <p:nvPr/>
-        </p:nvSpPr>
-        <p:spPr bwMode="auto">
-          <a:xfrm flipV="1">
-            <a:off x="6972300" y="5109836"/>
-            <a:ext cx="609600" cy="533400"/>
-          </a:xfrm>
-          <a:prstGeom prst="line">
-            <a:avLst/>
-          </a:prstGeom>
-          <a:noFill/>
-          <a:ln w="38100">
-            <a:solidFill>
-              <a:srgbClr val="FFFF66"/>
-            </a:solidFill>
-            <a:round/>
-            <a:headEnd/>
-            <a:tailEnd type="triangle" w="med" len="med"/>
-          </a:ln>
-          <a:extLst>
-            <a:ext uri="{909E8E84-426E-40DD-AFC4-6F175D3DCCD1}">
-              <a14:hiddenFill xmlns:a14="http://schemas.microsoft.com/office/drawing/2010/main">
-                <a:noFill/>
-              </a14:hiddenFill>
-            </a:ext>
-          </a:extLst>
-        </p:spPr>
-        <p:txBody>
-          <a:bodyPr wrap="square">
-            <a:spAutoFit/>
-          </a:bodyPr>
-          <a:lstStyle/>
-          <a:p>
-            <a:endParaRPr lang="en-US"/>
-          </a:p>
-        </p:txBody>
-      </p:sp>
-      <p:sp>
-        <p:nvSpPr>
-          <p:cNvPr id="6" name="TextBox 5">
-            <a:extLst>
-              <a:ext uri="{FF2B5EF4-FFF2-40B4-BE49-F238E27FC236}">
-                <a16:creationId xmlns:a16="http://schemas.microsoft.com/office/drawing/2014/main" id="{4F2DA592-D8EB-70BA-2112-6C13A4E7B393}"/>
-              </a:ext>
-            </a:extLst>
-          </p:cNvPr>
-          <p:cNvSpPr txBox="1"/>
-          <p:nvPr/>
-        </p:nvSpPr>
-        <p:spPr>
-          <a:xfrm>
-            <a:off x="457200" y="609600"/>
-            <a:ext cx="11201400" cy="919401"/>
-          </a:xfrm>
-          <a:prstGeom prst="roundRect">
-            <a:avLst/>
-          </a:prstGeom>
-          <a:solidFill>
-            <a:schemeClr val="bg1">
-              <a:alpha val="70000"/>
-            </a:schemeClr>
-          </a:solidFill>
-          <a:ln w="76200">
-            <a:solidFill>
-              <a:srgbClr val="FFC416"/>
-            </a:solidFill>
-          </a:ln>
-        </p:spPr>
-        <p:style>
-          <a:lnRef idx="2">
-            <a:schemeClr val="dk1"/>
-          </a:lnRef>
-          <a:fillRef idx="1">
-            <a:schemeClr val="lt1"/>
-          </a:fillRef>
-          <a:effectRef idx="0">
-            <a:schemeClr val="dk1"/>
-          </a:effectRef>
-          <a:fontRef idx="minor">
-            <a:schemeClr val="dk1"/>
-          </a:fontRef>
-        </p:style>
-        <p:txBody>
-          <a:bodyPr wrap="square" rtlCol="0">
-            <a:spAutoFit/>
-          </a:bodyPr>
-          <a:lstStyle/>
-          <a:p>
-            <a:pPr algn="ctr"/>
-            <a:r>
-              <a:rPr lang="en-US" sz="4800" b="1" dirty="0">
-                <a:solidFill>
-                  <a:srgbClr val="2D3A37"/>
-                </a:solidFill>
-                <a:latin typeface="Adobe Devanagari" panose="02040503050201020203" pitchFamily="18" charset="0"/>
-                <a:cs typeface="Adobe Devanagari" panose="02040503050201020203" pitchFamily="18" charset="0"/>
-              </a:rPr>
-              <a:t>Supplement for Lecture 12</a:t>
-            </a:r>
-            <a:endParaRPr lang="en-US" sz="4800" dirty="0">
-              <a:solidFill>
-                <a:srgbClr val="2D3A37"/>
-              </a:solidFill>
-            </a:endParaRPr>
-          </a:p>
-        </p:txBody>
-      </p:sp>
-      <mc:AlternateContent xmlns:mc="http://schemas.openxmlformats.org/markup-compatibility/2006">
-        <mc:Choice xmlns:a14="http://schemas.microsoft.com/office/drawing/2010/main" Requires="a14">
-          <p:sp>
-            <p:nvSpPr>
-              <p:cNvPr id="7" name="TextBox 6">
-                <a:extLst>
-                  <a:ext uri="{FF2B5EF4-FFF2-40B4-BE49-F238E27FC236}">
-                    <a16:creationId xmlns:a16="http://schemas.microsoft.com/office/drawing/2014/main" id="{D9B238EA-D04E-3255-7509-F990F1A8F309}"/>
-                  </a:ext>
-                </a:extLst>
-              </p:cNvPr>
-              <p:cNvSpPr txBox="1"/>
-              <p:nvPr/>
-            </p:nvSpPr>
-            <p:spPr>
-              <a:xfrm>
-                <a:off x="457200" y="1981200"/>
-                <a:ext cx="11201400" cy="4392692"/>
-              </a:xfrm>
-              <a:prstGeom prst="roundRect">
-                <a:avLst/>
-              </a:prstGeom>
-              <a:solidFill>
-                <a:schemeClr val="bg1"/>
-              </a:solidFill>
-              <a:ln w="76200">
-                <a:solidFill>
-                  <a:srgbClr val="FFC416"/>
-                </a:solidFill>
-              </a:ln>
-            </p:spPr>
-            <p:style>
-              <a:lnRef idx="2">
-                <a:schemeClr val="dk1"/>
-              </a:lnRef>
-              <a:fillRef idx="1">
-                <a:schemeClr val="lt1"/>
-              </a:fillRef>
-              <a:effectRef idx="0">
-                <a:schemeClr val="dk1"/>
-              </a:effectRef>
-              <a:fontRef idx="minor">
-                <a:schemeClr val="dk1"/>
-              </a:fontRef>
-            </p:style>
-            <p:txBody>
-              <a:bodyPr wrap="square" rtlCol="0">
-                <a:spAutoFit/>
-              </a:bodyPr>
-              <a:lstStyle/>
-              <a:p>
-                <a:pPr marL="457200" indent="-457200">
-                  <a:buFont typeface="Arial" panose="020B0604020202020204" pitchFamily="34" charset="0"/>
-                  <a:buChar char="•"/>
-                </a:pPr>
-                <a:r>
-                  <a:rPr lang="en-US" sz="2800" dirty="0">
-                    <a:solidFill>
-                      <a:srgbClr val="660066"/>
-                    </a:solidFill>
-                  </a:rPr>
-                  <a:t>Predict for </a:t>
-                </a:r>
-                <a14:m>
-                  <m:oMath xmlns:m="http://schemas.openxmlformats.org/officeDocument/2006/math">
-                    <m:sSup>
-                      <m:sSupPr>
-                        <m:ctrlPr>
-                          <a:rPr lang="en-US" sz="2800" b="0" i="1" smtClean="0">
-                            <a:solidFill>
-                              <a:srgbClr val="660066"/>
-                            </a:solidFill>
-                            <a:latin typeface="Cambria Math" panose="02040503050406030204" pitchFamily="18" charset="0"/>
-                          </a:rPr>
-                        </m:ctrlPr>
-                      </m:sSupPr>
-                      <m:e>
-                        <m:r>
-                          <a:rPr lang="en-US" sz="2800" b="0" i="1" smtClean="0">
-                            <a:solidFill>
-                              <a:srgbClr val="660066"/>
-                            </a:solidFill>
-                            <a:latin typeface="Cambria Math" panose="02040503050406030204" pitchFamily="18" charset="0"/>
-                          </a:rPr>
-                          <m:t>𝑥</m:t>
-                        </m:r>
-                      </m:e>
-                      <m:sup>
-                        <m:r>
-                          <a:rPr lang="en-US" sz="2800" b="0" i="1" smtClean="0">
-                            <a:solidFill>
-                              <a:srgbClr val="660066"/>
-                            </a:solidFill>
-                            <a:latin typeface="Cambria Math" panose="02040503050406030204" pitchFamily="18" charset="0"/>
-                          </a:rPr>
-                          <m:t>∗</m:t>
-                        </m:r>
-                      </m:sup>
-                    </m:sSup>
-                    <m:r>
-                      <a:rPr lang="en-US" sz="2800" b="0" i="1" smtClean="0">
-                        <a:solidFill>
-                          <a:srgbClr val="660066"/>
-                        </a:solidFill>
-                        <a:latin typeface="Cambria Math" panose="02040503050406030204" pitchFamily="18" charset="0"/>
-                      </a:rPr>
-                      <m:t>=20</m:t>
-                    </m:r>
-                  </m:oMath>
-                </a14:m>
-                <a:endParaRPr lang="en-US" sz="2800" dirty="0">
-                  <a:solidFill>
-                    <a:srgbClr val="660066"/>
-                  </a:solidFill>
-                </a:endParaRPr>
-              </a:p>
-              <a:p>
-                <a:pPr marL="914400" lvl="1" indent="-457200">
-                  <a:buFont typeface="Arial" panose="020B0604020202020204" pitchFamily="34" charset="0"/>
-                  <a:buChar char="•"/>
-                </a:pPr>
-                <a:r>
-                  <a:rPr lang="en-US" sz="2800" dirty="0">
-                    <a:solidFill>
-                      <a:srgbClr val="660066"/>
-                    </a:solidFill>
-                  </a:rPr>
-                  <a:t>Confidence Interval for Mean of </a:t>
-                </a:r>
-                <a:r>
-                  <a:rPr lang="en-US" sz="2800" i="1" dirty="0">
-                    <a:solidFill>
-                      <a:srgbClr val="660066"/>
-                    </a:solidFill>
-                  </a:rPr>
-                  <a:t>Y</a:t>
-                </a:r>
-              </a:p>
-              <a:p>
-                <a:pPr marL="914400" lvl="1" indent="-457200">
-                  <a:buFont typeface="Arial" panose="020B0604020202020204" pitchFamily="34" charset="0"/>
-                  <a:buChar char="•"/>
-                </a:pPr>
-                <a:r>
-                  <a:rPr lang="en-US" sz="2800" dirty="0">
-                    <a:solidFill>
-                      <a:srgbClr val="660066"/>
-                    </a:solidFill>
-                  </a:rPr>
-                  <a:t>Prediction Interval for Y for a Specific State</a:t>
-                </a:r>
-              </a:p>
-              <a:p>
-                <a:endParaRPr lang="en-US" sz="2800" dirty="0">
-                  <a:solidFill>
-                    <a:srgbClr val="660066"/>
-                  </a:solidFill>
-                </a:endParaRPr>
-              </a:p>
-              <a:p>
-                <a:pPr marL="457200" indent="-457200">
-                  <a:buFont typeface="Arial" panose="020B0604020202020204" pitchFamily="34" charset="0"/>
-                  <a:buChar char="•"/>
-                </a:pPr>
-                <a:r>
-                  <a:rPr lang="en-US" sz="2800" dirty="0">
-                    <a:solidFill>
-                      <a:srgbClr val="660066"/>
-                    </a:solidFill>
-                  </a:rPr>
-                  <a:t>Interpretation of 95% Confidence Interval</a:t>
-                </a:r>
-              </a:p>
-              <a:p>
-                <a:pPr marL="457200" indent="-457200">
-                  <a:buFont typeface="Arial" panose="020B0604020202020204" pitchFamily="34" charset="0"/>
-                  <a:buChar char="•"/>
-                </a:pPr>
-                <a:endParaRPr lang="en-US" sz="2800" dirty="0">
-                  <a:solidFill>
-                    <a:srgbClr val="660066"/>
-                  </a:solidFill>
-                </a:endParaRPr>
-              </a:p>
-              <a:p>
-                <a:pPr marL="457200" indent="-457200">
-                  <a:buFont typeface="Arial" panose="020B0604020202020204" pitchFamily="34" charset="0"/>
-                  <a:buChar char="•"/>
-                </a:pPr>
-                <a:r>
-                  <a:rPr lang="en-US" sz="2800" dirty="0">
-                    <a:solidFill>
-                      <a:srgbClr val="660066"/>
-                    </a:solidFill>
-                  </a:rPr>
-                  <a:t>Interpretation of 95% Prediction Interval</a:t>
-                </a:r>
-              </a:p>
-              <a:p>
-                <a:pPr marL="457200" indent="-457200">
-                  <a:buFont typeface="Arial" panose="020B0604020202020204" pitchFamily="34" charset="0"/>
-                  <a:buChar char="•"/>
-                </a:pPr>
-                <a:endParaRPr lang="en-US" sz="2800" dirty="0">
-                  <a:solidFill>
-                    <a:srgbClr val="660066"/>
-                  </a:solidFill>
-                </a:endParaRPr>
-              </a:p>
-              <a:p>
-                <a:pPr marL="457200" indent="-457200">
-                  <a:buFont typeface="Arial" panose="020B0604020202020204" pitchFamily="34" charset="0"/>
-                  <a:buChar char="•"/>
-                </a:pPr>
-                <a:r>
-                  <a:rPr lang="en-US" sz="2800" dirty="0">
-                    <a:solidFill>
-                      <a:srgbClr val="660066"/>
-                    </a:solidFill>
-                  </a:rPr>
-                  <a:t>Visual Comparing the Intervals Around the Fitted Regression Line</a:t>
-                </a:r>
-              </a:p>
-            </p:txBody>
-          </p:sp>
-        </mc:Choice>
-        <mc:Fallback>
-          <p:sp>
-            <p:nvSpPr>
-              <p:cNvPr id="7" name="TextBox 6">
-                <a:extLst>
-                  <a:ext uri="{FF2B5EF4-FFF2-40B4-BE49-F238E27FC236}">
-                    <a16:creationId xmlns:a16="http://schemas.microsoft.com/office/drawing/2014/main" id="{D9B238EA-D04E-3255-7509-F990F1A8F309}"/>
-                  </a:ext>
-                </a:extLst>
-              </p:cNvPr>
-              <p:cNvSpPr txBox="1">
-                <a:spLocks noRot="1" noChangeAspect="1" noMove="1" noResize="1" noEditPoints="1" noAdjustHandles="1" noChangeArrowheads="1" noChangeShapeType="1" noTextEdit="1"/>
-              </p:cNvSpPr>
-              <p:nvPr/>
-            </p:nvSpPr>
-            <p:spPr>
-              <a:xfrm>
-                <a:off x="457200" y="1981200"/>
-                <a:ext cx="11201400" cy="4392692"/>
-              </a:xfrm>
-              <a:prstGeom prst="roundRect">
-                <a:avLst/>
-              </a:prstGeom>
-              <a:blipFill>
-                <a:blip r:embed="rId3"/>
-                <a:stretch>
-                  <a:fillRect/>
-                </a:stretch>
-              </a:blipFill>
-              <a:ln w="76200">
-                <a:solidFill>
-                  <a:srgbClr val="FFC416"/>
-                </a:solidFill>
-              </a:ln>
-            </p:spPr>
-            <p:txBody>
-              <a:bodyPr/>
-              <a:lstStyle/>
-              <a:p>
-                <a:r>
-                  <a:rPr lang="en-US">
-                    <a:noFill/>
-                  </a:rPr>
-                  <a:t> </a:t>
-                </a:r>
-              </a:p>
-            </p:txBody>
-          </p:sp>
-        </mc:Fallback>
-      </mc:AlternateContent>
-    </p:spTree>
-    <p:extLst>
-      <p:ext uri="{BB962C8B-B14F-4D97-AF65-F5344CB8AC3E}">
-        <p14:creationId xmlns:p14="http://schemas.microsoft.com/office/powerpoint/2010/main" val="16830924"/>
-      </p:ext>
-    </p:extLst>
-  </p:cSld>
-  <p:clrMapOvr>
-    <a:masterClrMapping/>
-  </p:clrMapOvr>
-</p:sld>
-</file>
-
-<file path=ppt/slides/slide9.xml><?xml version="1.0" encoding="utf-8"?>
-<p:sld xmlns:a="http://schemas.openxmlformats.org/drawingml/2006/main" xmlns:r="http://schemas.openxmlformats.org/officeDocument/2006/relationships" xmlns:p="http://schemas.openxmlformats.org/presentationml/2006/main">
-  <p:cSld>
-    <p:spTree>
-      <p:nvGrpSpPr>
-        <p:cNvPr id="1" name=""/>
-        <p:cNvGrpSpPr/>
-        <p:nvPr/>
-      </p:nvGrpSpPr>
-      <p:grpSpPr>
-        <a:xfrm>
-          <a:off x="0" y="0"/>
-          <a:ext cx="0" cy="0"/>
-          <a:chOff x="0" y="0"/>
-          <a:chExt cx="0" cy="0"/>
-        </a:xfrm>
-      </p:grpSpPr>
-      <p:pic>
-        <p:nvPicPr>
-          <p:cNvPr id="2" name="Picture 10" descr="Mario Pattern">
-            <a:extLst>
-              <a:ext uri="{FF2B5EF4-FFF2-40B4-BE49-F238E27FC236}">
-                <a16:creationId xmlns:a16="http://schemas.microsoft.com/office/drawing/2014/main" id="{8F84FFD9-23AF-75F7-6DAA-904525952142}"/>
-              </a:ext>
-            </a:extLst>
-          </p:cNvPr>
-          <p:cNvPicPr>
-            <a:picLocks noChangeAspect="1" noChangeArrowheads="1"/>
-          </p:cNvPicPr>
-          <p:nvPr/>
-        </p:nvPicPr>
-        <p:blipFill rotWithShape="1">
-          <a:blip r:embed="rId2">
-            <a:alphaModFix amt="47000"/>
-            <a:extLst>
-              <a:ext uri="{28A0092B-C50C-407E-A947-70E740481C1C}">
-                <a14:useLocalDpi xmlns:a14="http://schemas.microsoft.com/office/drawing/2010/main" val="0"/>
-              </a:ext>
-            </a:extLst>
-          </a:blip>
-          <a:srcRect l="4595" r="6699"/>
-          <a:stretch/>
-        </p:blipFill>
-        <p:spPr bwMode="auto">
-          <a:xfrm>
-            <a:off x="0" y="-2057400"/>
-            <a:ext cx="12192000" cy="10308201"/>
-          </a:xfrm>
-          <a:prstGeom prst="rect">
-            <a:avLst/>
-          </a:prstGeom>
-          <a:noFill/>
-          <a:extLst>
-            <a:ext uri="{909E8E84-426E-40DD-AFC4-6F175D3DCCD1}">
-              <a14:hiddenFill xmlns:a14="http://schemas.microsoft.com/office/drawing/2010/main">
-                <a:solidFill>
-                  <a:srgbClr val="FFFFFF"/>
-                </a:solidFill>
-              </a14:hiddenFill>
-            </a:ext>
-          </a:extLst>
-        </p:spPr>
-      </p:pic>
-      <p:sp>
-        <p:nvSpPr>
-          <p:cNvPr id="12" name="Line 11"/>
-          <p:cNvSpPr>
-            <a:spLocks noChangeShapeType="1"/>
-          </p:cNvSpPr>
-          <p:nvPr/>
-        </p:nvSpPr>
-        <p:spPr bwMode="auto">
-          <a:xfrm flipV="1">
-            <a:off x="6972300" y="5109836"/>
-            <a:ext cx="609600" cy="533400"/>
-          </a:xfrm>
-          <a:prstGeom prst="line">
-            <a:avLst/>
-          </a:prstGeom>
-          <a:noFill/>
-          <a:ln w="38100">
-            <a:solidFill>
-              <a:srgbClr val="FFFF66"/>
-            </a:solidFill>
-            <a:round/>
-            <a:headEnd/>
-            <a:tailEnd type="triangle" w="med" len="med"/>
-          </a:ln>
-          <a:extLst>
-            <a:ext uri="{909E8E84-426E-40DD-AFC4-6F175D3DCCD1}">
-              <a14:hiddenFill xmlns:a14="http://schemas.microsoft.com/office/drawing/2010/main">
-                <a:noFill/>
-              </a14:hiddenFill>
-            </a:ext>
-          </a:extLst>
-        </p:spPr>
-        <p:txBody>
-          <a:bodyPr wrap="square">
-            <a:spAutoFit/>
-          </a:bodyPr>
-          <a:lstStyle/>
-          <a:p>
-            <a:endParaRPr lang="en-US"/>
-          </a:p>
-        </p:txBody>
-      </p:sp>
-      <p:sp>
-        <p:nvSpPr>
-          <p:cNvPr id="6" name="TextBox 5">
-            <a:extLst>
-              <a:ext uri="{FF2B5EF4-FFF2-40B4-BE49-F238E27FC236}">
-                <a16:creationId xmlns:a16="http://schemas.microsoft.com/office/drawing/2014/main" id="{4F2DA592-D8EB-70BA-2112-6C13A4E7B393}"/>
-              </a:ext>
-            </a:extLst>
-          </p:cNvPr>
-          <p:cNvSpPr txBox="1"/>
-          <p:nvPr/>
-        </p:nvSpPr>
-        <p:spPr>
-          <a:xfrm>
-            <a:off x="457200" y="609600"/>
-            <a:ext cx="11201400" cy="919401"/>
-          </a:xfrm>
-          <a:prstGeom prst="roundRect">
-            <a:avLst/>
-          </a:prstGeom>
-          <a:solidFill>
-            <a:schemeClr val="bg1">
-              <a:alpha val="70000"/>
-            </a:schemeClr>
-          </a:solidFill>
-          <a:ln w="76200">
-            <a:solidFill>
-              <a:srgbClr val="FFC416"/>
-            </a:solidFill>
-          </a:ln>
-        </p:spPr>
-        <p:style>
-          <a:lnRef idx="2">
-            <a:schemeClr val="dk1"/>
-          </a:lnRef>
-          <a:fillRef idx="1">
-            <a:schemeClr val="lt1"/>
-          </a:fillRef>
-          <a:effectRef idx="0">
-            <a:schemeClr val="dk1"/>
-          </a:effectRef>
-          <a:fontRef idx="minor">
-            <a:schemeClr val="dk1"/>
-          </a:fontRef>
-        </p:style>
-        <p:txBody>
-          <a:bodyPr wrap="square" rtlCol="0">
-            <a:spAutoFit/>
-          </a:bodyPr>
-          <a:lstStyle/>
-          <a:p>
-            <a:pPr algn="ctr"/>
-            <a:r>
-              <a:rPr lang="en-US" sz="4800" b="1" dirty="0">
-                <a:solidFill>
-                  <a:srgbClr val="2D3A37"/>
-                </a:solidFill>
-                <a:latin typeface="Adobe Devanagari" panose="02040503050201020203" pitchFamily="18" charset="0"/>
-                <a:cs typeface="Adobe Devanagari" panose="02040503050201020203" pitchFamily="18" charset="0"/>
-              </a:rPr>
-              <a:t>Conclusions</a:t>
-            </a:r>
-            <a:endParaRPr lang="en-US" sz="4800" dirty="0">
-              <a:solidFill>
-                <a:srgbClr val="2D3A37"/>
-              </a:solidFill>
-            </a:endParaRPr>
-          </a:p>
-        </p:txBody>
-      </p:sp>
-      <mc:AlternateContent xmlns:mc="http://schemas.openxmlformats.org/markup-compatibility/2006">
-        <mc:Choice xmlns:a14="http://schemas.microsoft.com/office/drawing/2010/main" Requires="a14">
-          <p:sp>
-            <p:nvSpPr>
-              <p:cNvPr id="7" name="TextBox 6">
-                <a:extLst>
-                  <a:ext uri="{FF2B5EF4-FFF2-40B4-BE49-F238E27FC236}">
-                    <a16:creationId xmlns:a16="http://schemas.microsoft.com/office/drawing/2014/main" id="{D9B238EA-D04E-3255-7509-F990F1A8F309}"/>
-                  </a:ext>
-                </a:extLst>
-              </p:cNvPr>
-              <p:cNvSpPr txBox="1"/>
-              <p:nvPr/>
-            </p:nvSpPr>
-            <p:spPr>
-              <a:xfrm>
-                <a:off x="457200" y="1981200"/>
-                <a:ext cx="11201400" cy="3915966"/>
-              </a:xfrm>
-              <a:prstGeom prst="roundRect">
-                <a:avLst/>
-              </a:prstGeom>
-              <a:solidFill>
-                <a:schemeClr val="bg1"/>
-              </a:solidFill>
-              <a:ln w="76200">
-                <a:solidFill>
-                  <a:srgbClr val="FFC416"/>
-                </a:solidFill>
-              </a:ln>
-            </p:spPr>
-            <p:style>
-              <a:lnRef idx="2">
-                <a:schemeClr val="dk1"/>
-              </a:lnRef>
-              <a:fillRef idx="1">
-                <a:schemeClr val="lt1"/>
-              </a:fillRef>
-              <a:effectRef idx="0">
-                <a:schemeClr val="dk1"/>
-              </a:effectRef>
-              <a:fontRef idx="minor">
-                <a:schemeClr val="dk1"/>
-              </a:fontRef>
-            </p:style>
-            <p:txBody>
-              <a:bodyPr wrap="square" rtlCol="0">
-                <a:spAutoFit/>
-              </a:bodyPr>
-              <a:lstStyle/>
-              <a:p>
-                <a:pPr marL="457200" indent="-457200">
-                  <a:buFont typeface="Arial" panose="020B0604020202020204" pitchFamily="34" charset="0"/>
-                  <a:buChar char="•"/>
-                </a:pPr>
-                <a:r>
-                  <a:rPr lang="en-US" sz="2800" dirty="0">
-                    <a:solidFill>
-                      <a:srgbClr val="660066"/>
-                    </a:solidFill>
-                  </a:rPr>
-                  <a:t>Confidence Intervals for </a:t>
-                </a:r>
-                <a14:m>
-                  <m:oMath xmlns:m="http://schemas.openxmlformats.org/officeDocument/2006/math">
-                    <m:sSub>
-                      <m:sSubPr>
-                        <m:ctrlPr>
-                          <a:rPr lang="en-US" sz="2800" i="1" smtClean="0">
-                            <a:solidFill>
-                              <a:srgbClr val="660066"/>
-                            </a:solidFill>
-                            <a:latin typeface="Cambria Math" panose="02040503050406030204" pitchFamily="18" charset="0"/>
-                          </a:rPr>
-                        </m:ctrlPr>
-                      </m:sSubPr>
-                      <m:e>
-                        <m:r>
-                          <a:rPr lang="en-US" sz="2800" b="0" i="1" smtClean="0">
-                            <a:solidFill>
-                              <a:srgbClr val="660066"/>
-                            </a:solidFill>
-                            <a:latin typeface="Cambria Math" panose="02040503050406030204" pitchFamily="18" charset="0"/>
-                          </a:rPr>
-                          <m:t>𝜇</m:t>
-                        </m:r>
-                      </m:e>
-                      <m:sub>
-                        <m:r>
-                          <a:rPr lang="en-US" sz="2800" b="0" i="1" smtClean="0">
-                            <a:solidFill>
-                              <a:srgbClr val="660066"/>
-                            </a:solidFill>
-                            <a:latin typeface="Cambria Math" panose="02040503050406030204" pitchFamily="18" charset="0"/>
-                          </a:rPr>
-                          <m:t>𝑌</m:t>
-                        </m:r>
-                      </m:sub>
-                    </m:sSub>
-                  </m:oMath>
-                </a14:m>
-                <a:r>
-                  <a:rPr lang="en-US" sz="2800" dirty="0">
-                    <a:solidFill>
-                      <a:srgbClr val="660066"/>
-                    </a:solidFill>
-                  </a:rPr>
-                  <a:t> are Always Smaller Than Prediction Intervals for </a:t>
-                </a:r>
-                <a:r>
-                  <a:rPr lang="en-US" sz="2800" i="1" dirty="0">
-                    <a:solidFill>
-                      <a:srgbClr val="660066"/>
-                    </a:solidFill>
-                  </a:rPr>
-                  <a:t>Y</a:t>
-                </a:r>
-                <a:r>
-                  <a:rPr lang="en-US" sz="2800" dirty="0">
-                    <a:solidFill>
-                      <a:srgbClr val="660066"/>
-                    </a:solidFill>
-                  </a:rPr>
-                  <a:t> Assuming We are Predicting for the Same Value of </a:t>
-                </a:r>
-                <a:r>
-                  <a:rPr lang="en-US" sz="2800" i="1" dirty="0">
-                    <a:solidFill>
-                      <a:srgbClr val="660066"/>
-                    </a:solidFill>
-                  </a:rPr>
-                  <a:t>X</a:t>
-                </a:r>
-                <a:endParaRPr lang="en-US" sz="2800" dirty="0">
-                  <a:solidFill>
-                    <a:srgbClr val="660066"/>
-                  </a:solidFill>
-                </a:endParaRPr>
-              </a:p>
-              <a:p>
-                <a:pPr marL="457200" indent="-457200">
-                  <a:buFont typeface="Arial" panose="020B0604020202020204" pitchFamily="34" charset="0"/>
-                  <a:buChar char="•"/>
-                </a:pPr>
-                <a:endParaRPr lang="en-US" sz="2800" dirty="0">
-                  <a:solidFill>
-                    <a:srgbClr val="660066"/>
-                  </a:solidFill>
-                </a:endParaRPr>
-              </a:p>
-              <a:p>
-                <a:pPr marL="457200" indent="-457200">
-                  <a:buFont typeface="Arial" panose="020B0604020202020204" pitchFamily="34" charset="0"/>
-                  <a:buChar char="•"/>
-                </a:pPr>
-                <a:r>
-                  <a:rPr lang="en-US" sz="2800" dirty="0">
-                    <a:solidFill>
-                      <a:srgbClr val="660066"/>
-                    </a:solidFill>
-                  </a:rPr>
-                  <a:t>Confidence Intervals for </a:t>
-                </a:r>
-                <a14:m>
-                  <m:oMath xmlns:m="http://schemas.openxmlformats.org/officeDocument/2006/math">
-                    <m:sSub>
-                      <m:sSubPr>
-                        <m:ctrlPr>
-                          <a:rPr lang="en-US" sz="2800" i="1" smtClean="0">
-                            <a:solidFill>
-                              <a:srgbClr val="660066"/>
-                            </a:solidFill>
-                            <a:latin typeface="Cambria Math" panose="02040503050406030204" pitchFamily="18" charset="0"/>
-                          </a:rPr>
-                        </m:ctrlPr>
-                      </m:sSubPr>
-                      <m:e>
-                        <m:r>
-                          <a:rPr lang="en-US" sz="2800" b="0" i="1" smtClean="0">
-                            <a:solidFill>
-                              <a:srgbClr val="660066"/>
-                            </a:solidFill>
-                            <a:latin typeface="Cambria Math" panose="02040503050406030204" pitchFamily="18" charset="0"/>
-                          </a:rPr>
-                          <m:t>𝜇</m:t>
-                        </m:r>
-                      </m:e>
-                      <m:sub>
-                        <m:r>
-                          <a:rPr lang="en-US" sz="2800" b="0" i="1" smtClean="0">
-                            <a:solidFill>
-                              <a:srgbClr val="660066"/>
-                            </a:solidFill>
-                            <a:latin typeface="Cambria Math" panose="02040503050406030204" pitchFamily="18" charset="0"/>
-                          </a:rPr>
-                          <m:t>𝑌</m:t>
-                        </m:r>
-                      </m:sub>
-                    </m:sSub>
-                  </m:oMath>
-                </a14:m>
-                <a:r>
-                  <a:rPr lang="en-US" sz="2800" dirty="0">
-                    <a:solidFill>
-                      <a:srgbClr val="660066"/>
-                    </a:solidFill>
-                  </a:rPr>
-                  <a:t> Represent Where We Believe the True Line to be if Fitted to All the Data in the Population</a:t>
-                </a:r>
-              </a:p>
-              <a:p>
-                <a:pPr marL="457200" indent="-457200">
-                  <a:buFont typeface="Arial" panose="020B0604020202020204" pitchFamily="34" charset="0"/>
-                  <a:buChar char="•"/>
-                </a:pPr>
-                <a:endParaRPr lang="en-US" sz="2800" dirty="0">
-                  <a:solidFill>
-                    <a:srgbClr val="660066"/>
-                  </a:solidFill>
-                </a:endParaRPr>
-              </a:p>
-              <a:p>
-                <a:pPr marL="457200" indent="-457200">
-                  <a:buFont typeface="Arial" panose="020B0604020202020204" pitchFamily="34" charset="0"/>
-                  <a:buChar char="•"/>
-                </a:pPr>
-                <a:r>
-                  <a:rPr lang="en-US" sz="2800" dirty="0">
-                    <a:solidFill>
-                      <a:srgbClr val="660066"/>
-                    </a:solidFill>
-                  </a:rPr>
-                  <a:t>Prediction Intervals for </a:t>
-                </a:r>
-                <a:r>
-                  <a:rPr lang="en-US" sz="2800" i="1" dirty="0">
-                    <a:solidFill>
-                      <a:srgbClr val="660066"/>
-                    </a:solidFill>
-                  </a:rPr>
-                  <a:t>Y </a:t>
-                </a:r>
-                <a:r>
-                  <a:rPr lang="en-US" sz="2800" dirty="0">
-                    <a:solidFill>
-                      <a:srgbClr val="660066"/>
-                    </a:solidFill>
-                  </a:rPr>
-                  <a:t>Represent Where We Would Predict an Individual </a:t>
-                </a:r>
-                <a:r>
-                  <a:rPr lang="en-US" sz="2800" i="1" dirty="0">
-                    <a:solidFill>
-                      <a:srgbClr val="660066"/>
-                    </a:solidFill>
-                  </a:rPr>
-                  <a:t>Y</a:t>
-                </a:r>
-                <a:r>
-                  <a:rPr lang="en-US" sz="2800" dirty="0">
-                    <a:solidFill>
-                      <a:srgbClr val="660066"/>
-                    </a:solidFill>
-                  </a:rPr>
-                  <a:t> Value to be for Different Values of X</a:t>
-                </a:r>
-              </a:p>
-            </p:txBody>
-          </p:sp>
-        </mc:Choice>
-        <mc:Fallback>
-          <p:sp>
-            <p:nvSpPr>
-              <p:cNvPr id="7" name="TextBox 6">
-                <a:extLst>
-                  <a:ext uri="{FF2B5EF4-FFF2-40B4-BE49-F238E27FC236}">
-                    <a16:creationId xmlns:a16="http://schemas.microsoft.com/office/drawing/2014/main" id="{D9B238EA-D04E-3255-7509-F990F1A8F309}"/>
-                  </a:ext>
-                </a:extLst>
-              </p:cNvPr>
-              <p:cNvSpPr txBox="1">
-                <a:spLocks noRot="1" noChangeAspect="1" noMove="1" noResize="1" noEditPoints="1" noAdjustHandles="1" noChangeArrowheads="1" noChangeShapeType="1" noTextEdit="1"/>
-              </p:cNvSpPr>
-              <p:nvPr/>
-            </p:nvSpPr>
-            <p:spPr>
-              <a:xfrm>
-                <a:off x="457200" y="1981200"/>
+                <a:off x="495300" y="1974467"/>
                 <a:ext cx="11201400" cy="3915966"/>
               </a:xfrm>
               <a:prstGeom prst="roundRect">
@@ -10720,10 +6897,864 @@
           </p:sp>
         </mc:Fallback>
       </mc:AlternateContent>
+      <mc:AlternateContent xmlns:mc="http://schemas.openxmlformats.org/markup-compatibility/2006" xmlns:a14="http://schemas.microsoft.com/office/drawing/2010/main">
+        <mc:Choice Requires="a14">
+          <p:sp>
+            <p:nvSpPr>
+              <p:cNvPr id="4" name="TextBox 3">
+                <a:extLst>
+                  <a:ext uri="{FF2B5EF4-FFF2-40B4-BE49-F238E27FC236}">
+                    <a16:creationId xmlns:a16="http://schemas.microsoft.com/office/drawing/2014/main" id="{C0B2E249-6D78-4793-1820-1241EBDFFCBE}"/>
+                  </a:ext>
+                </a:extLst>
+              </p:cNvPr>
+              <p:cNvSpPr txBox="1"/>
+              <p:nvPr/>
+            </p:nvSpPr>
+            <p:spPr>
+              <a:xfrm>
+                <a:off x="2133600" y="3604236"/>
+                <a:ext cx="6096000" cy="1195777"/>
+              </a:xfrm>
+              <a:prstGeom prst="rect">
+                <a:avLst/>
+              </a:prstGeom>
+              <a:noFill/>
+            </p:spPr>
+            <p:txBody>
+              <a:bodyPr wrap="square">
+                <a:spAutoFit/>
+              </a:bodyPr>
+              <a:lstStyle/>
+              <a:p>
+                <a:pPr/>
+                <a14:m>
+                  <m:oMathPara xmlns:m="http://schemas.openxmlformats.org/officeDocument/2006/math">
+                    <m:oMathParaPr>
+                      <m:jc m:val="centerGroup"/>
+                    </m:oMathParaPr>
+                    <m:oMath xmlns:m="http://schemas.openxmlformats.org/officeDocument/2006/math">
+                      <m:sSub>
+                        <m:sSubPr>
+                          <m:ctrlPr>
+                            <a:rPr lang="en-US" sz="2400" b="0" i="1" smtClean="0">
+                              <a:latin typeface="Cambria Math" panose="02040503050406030204" pitchFamily="18" charset="0"/>
+                            </a:rPr>
+                          </m:ctrlPr>
+                        </m:sSubPr>
+                        <m:e>
+                          <m:acc>
+                            <m:accPr>
+                              <m:chr m:val="̂"/>
+                              <m:ctrlPr>
+                                <a:rPr lang="en-US" sz="2400" b="0" i="1" smtClean="0">
+                                  <a:latin typeface="Cambria Math" panose="02040503050406030204" pitchFamily="18" charset="0"/>
+                                </a:rPr>
+                              </m:ctrlPr>
+                            </m:accPr>
+                            <m:e>
+                              <m:r>
+                                <a:rPr lang="en-US" sz="2400" b="0" i="1" smtClean="0">
+                                  <a:latin typeface="Cambria Math" panose="02040503050406030204" pitchFamily="18" charset="0"/>
+                                </a:rPr>
+                                <m:t>𝜎</m:t>
+                              </m:r>
+                            </m:e>
+                          </m:acc>
+                        </m:e>
+                        <m:sub>
+                          <m:r>
+                            <a:rPr lang="en-US" sz="2400" b="0" i="1" smtClean="0">
+                              <a:latin typeface="Cambria Math" panose="02040503050406030204" pitchFamily="18" charset="0"/>
+                            </a:rPr>
+                            <m:t>𝜖</m:t>
+                          </m:r>
+                        </m:sub>
+                      </m:sSub>
+                      <m:r>
+                        <a:rPr lang="en-US" sz="2400" b="0" i="1" smtClean="0">
+                          <a:latin typeface="Cambria Math" panose="02040503050406030204" pitchFamily="18" charset="0"/>
+                        </a:rPr>
+                        <m:t>=</m:t>
+                      </m:r>
+                      <m:rad>
+                        <m:radPr>
+                          <m:degHide m:val="on"/>
+                          <m:ctrlPr>
+                            <a:rPr lang="en-US" sz="2400" b="0" i="1" smtClean="0">
+                              <a:latin typeface="Cambria Math" panose="02040503050406030204" pitchFamily="18" charset="0"/>
+                            </a:rPr>
+                          </m:ctrlPr>
+                        </m:radPr>
+                        <m:deg/>
+                        <m:e>
+                          <m:f>
+                            <m:fPr>
+                              <m:ctrlPr>
+                                <a:rPr lang="en-US" sz="2400" b="0" i="1" smtClean="0">
+                                  <a:latin typeface="Cambria Math" panose="02040503050406030204" pitchFamily="18" charset="0"/>
+                                </a:rPr>
+                              </m:ctrlPr>
+                            </m:fPr>
+                            <m:num>
+                              <m:r>
+                                <a:rPr lang="en-US" sz="2400" b="0" i="1" smtClean="0">
+                                  <a:latin typeface="Cambria Math" panose="02040503050406030204" pitchFamily="18" charset="0"/>
+                                </a:rPr>
+                                <m:t>∑</m:t>
+                              </m:r>
+                              <m:sSup>
+                                <m:sSupPr>
+                                  <m:ctrlPr>
+                                    <a:rPr lang="en-US" sz="2400" b="0" i="1" smtClean="0">
+                                      <a:latin typeface="Cambria Math" panose="02040503050406030204" pitchFamily="18" charset="0"/>
+                                    </a:rPr>
+                                  </m:ctrlPr>
+                                </m:sSupPr>
+                                <m:e>
+                                  <m:d>
+                                    <m:dPr>
+                                      <m:ctrlPr>
+                                        <a:rPr lang="en-US" sz="2400" b="0" i="1" smtClean="0">
+                                          <a:latin typeface="Cambria Math" panose="02040503050406030204" pitchFamily="18" charset="0"/>
+                                        </a:rPr>
+                                      </m:ctrlPr>
+                                    </m:dPr>
+                                    <m:e>
+                                      <m:sSub>
+                                        <m:sSubPr>
+                                          <m:ctrlPr>
+                                            <a:rPr lang="en-US" sz="2400" b="0" i="1" smtClean="0">
+                                              <a:latin typeface="Cambria Math" panose="02040503050406030204" pitchFamily="18" charset="0"/>
+                                            </a:rPr>
+                                          </m:ctrlPr>
+                                        </m:sSubPr>
+                                        <m:e>
+                                          <m:r>
+                                            <a:rPr lang="en-US" sz="2400" b="0" i="1" smtClean="0">
+                                              <a:latin typeface="Cambria Math" panose="02040503050406030204" pitchFamily="18" charset="0"/>
+                                            </a:rPr>
+                                            <m:t>𝑦</m:t>
+                                          </m:r>
+                                        </m:e>
+                                        <m:sub>
+                                          <m:r>
+                                            <a:rPr lang="en-US" sz="2400" b="0" i="1" smtClean="0">
+                                              <a:latin typeface="Cambria Math" panose="02040503050406030204" pitchFamily="18" charset="0"/>
+                                            </a:rPr>
+                                            <m:t>𝑖</m:t>
+                                          </m:r>
+                                        </m:sub>
+                                      </m:sSub>
+                                      <m:r>
+                                        <a:rPr lang="en-US" sz="2400" b="0" i="1" smtClean="0">
+                                          <a:latin typeface="Cambria Math" panose="02040503050406030204" pitchFamily="18" charset="0"/>
+                                        </a:rPr>
+                                        <m:t>−</m:t>
+                                      </m:r>
+                                      <m:acc>
+                                        <m:accPr>
+                                          <m:chr m:val="̂"/>
+                                          <m:ctrlPr>
+                                            <a:rPr lang="en-US" sz="2400" b="0" i="1" smtClean="0">
+                                              <a:latin typeface="Cambria Math" panose="02040503050406030204" pitchFamily="18" charset="0"/>
+                                            </a:rPr>
+                                          </m:ctrlPr>
+                                        </m:accPr>
+                                        <m:e>
+                                          <m:r>
+                                            <a:rPr lang="en-US" sz="2400" b="0" i="1" smtClean="0">
+                                              <a:latin typeface="Cambria Math" panose="02040503050406030204" pitchFamily="18" charset="0"/>
+                                            </a:rPr>
+                                            <m:t>𝑦</m:t>
+                                          </m:r>
+                                        </m:e>
+                                      </m:acc>
+                                    </m:e>
+                                  </m:d>
+                                </m:e>
+                                <m:sup>
+                                  <m:r>
+                                    <a:rPr lang="en-US" sz="2400" b="0" i="1" smtClean="0">
+                                      <a:latin typeface="Cambria Math" panose="02040503050406030204" pitchFamily="18" charset="0"/>
+                                    </a:rPr>
+                                    <m:t>2</m:t>
+                                  </m:r>
+                                </m:sup>
+                              </m:sSup>
+                            </m:num>
+                            <m:den>
+                              <m:r>
+                                <a:rPr lang="en-US" sz="2400" b="0" i="1" smtClean="0">
+                                  <a:latin typeface="Cambria Math" panose="02040503050406030204" pitchFamily="18" charset="0"/>
+                                </a:rPr>
+                                <m:t>𝑛</m:t>
+                              </m:r>
+                              <m:r>
+                                <a:rPr lang="en-US" sz="2400" b="0" i="1" smtClean="0">
+                                  <a:latin typeface="Cambria Math" panose="02040503050406030204" pitchFamily="18" charset="0"/>
+                                </a:rPr>
+                                <m:t>−</m:t>
+                              </m:r>
+                              <m:r>
+                                <a:rPr lang="en-US" sz="2400" b="0" i="1" smtClean="0">
+                                  <a:latin typeface="Cambria Math" panose="02040503050406030204" pitchFamily="18" charset="0"/>
+                                </a:rPr>
+                                <m:t>𝑘</m:t>
+                              </m:r>
+                              <m:r>
+                                <a:rPr lang="en-US" sz="2400" b="0" i="1" smtClean="0">
+                                  <a:latin typeface="Cambria Math" panose="02040503050406030204" pitchFamily="18" charset="0"/>
+                                </a:rPr>
+                                <m:t>−1</m:t>
+                              </m:r>
+                            </m:den>
+                          </m:f>
+                        </m:e>
+                      </m:rad>
+                      <m:r>
+                        <a:rPr lang="en-US" sz="2400" b="0" i="1" smtClean="0">
+                          <a:latin typeface="Cambria Math" panose="02040503050406030204" pitchFamily="18" charset="0"/>
+                        </a:rPr>
+                        <m:t>=</m:t>
+                      </m:r>
+                      <m:rad>
+                        <m:radPr>
+                          <m:degHide m:val="on"/>
+                          <m:ctrlPr>
+                            <a:rPr lang="en-US" sz="2400" b="0" i="1" smtClean="0">
+                              <a:latin typeface="Cambria Math" panose="02040503050406030204" pitchFamily="18" charset="0"/>
+                            </a:rPr>
+                          </m:ctrlPr>
+                        </m:radPr>
+                        <m:deg/>
+                        <m:e>
+                          <m:f>
+                            <m:fPr>
+                              <m:ctrlPr>
+                                <a:rPr lang="en-US" sz="2400" b="0" i="1" smtClean="0">
+                                  <a:latin typeface="Cambria Math" panose="02040503050406030204" pitchFamily="18" charset="0"/>
+                                </a:rPr>
+                              </m:ctrlPr>
+                            </m:fPr>
+                            <m:num>
+                              <m:r>
+                                <a:rPr lang="en-US" sz="2400" b="0" i="1" smtClean="0">
+                                  <a:latin typeface="Cambria Math" panose="02040503050406030204" pitchFamily="18" charset="0"/>
+                                </a:rPr>
+                                <m:t>𝑆𝑆𝐸</m:t>
+                              </m:r>
+                            </m:num>
+                            <m:den>
+                              <m:r>
+                                <a:rPr lang="en-US" sz="2400" b="0" i="1" smtClean="0">
+                                  <a:latin typeface="Cambria Math" panose="02040503050406030204" pitchFamily="18" charset="0"/>
+                                </a:rPr>
+                                <m:t>𝑛</m:t>
+                              </m:r>
+                              <m:r>
+                                <a:rPr lang="en-US" sz="2400" b="0" i="1" smtClean="0">
+                                  <a:latin typeface="Cambria Math" panose="02040503050406030204" pitchFamily="18" charset="0"/>
+                                </a:rPr>
+                                <m:t>−</m:t>
+                              </m:r>
+                              <m:r>
+                                <a:rPr lang="en-US" sz="2400" b="0" i="1" smtClean="0">
+                                  <a:latin typeface="Cambria Math" panose="02040503050406030204" pitchFamily="18" charset="0"/>
+                                </a:rPr>
+                                <m:t>𝑘</m:t>
+                              </m:r>
+                              <m:r>
+                                <a:rPr lang="en-US" sz="2400" b="0" i="1" smtClean="0">
+                                  <a:latin typeface="Cambria Math" panose="02040503050406030204" pitchFamily="18" charset="0"/>
+                                </a:rPr>
+                                <m:t>−1</m:t>
+                              </m:r>
+                            </m:den>
+                          </m:f>
+                        </m:e>
+                      </m:rad>
+                    </m:oMath>
+                  </m:oMathPara>
+                </a14:m>
+                <a:endParaRPr lang="en-US" sz="2400" dirty="0"/>
+              </a:p>
+            </p:txBody>
+          </p:sp>
+        </mc:Choice>
+        <mc:Fallback xmlns="">
+          <p:sp>
+            <p:nvSpPr>
+              <p:cNvPr id="4" name="TextBox 3">
+                <a:extLst>
+                  <a:ext uri="{FF2B5EF4-FFF2-40B4-BE49-F238E27FC236}">
+                    <a16:creationId xmlns:a16="http://schemas.microsoft.com/office/drawing/2014/main" id="{C0B2E249-6D78-4793-1820-1241EBDFFCBE}"/>
+                  </a:ext>
+                </a:extLst>
+              </p:cNvPr>
+              <p:cNvSpPr txBox="1">
+                <a:spLocks noRot="1" noChangeAspect="1" noMove="1" noResize="1" noEditPoints="1" noAdjustHandles="1" noChangeArrowheads="1" noChangeShapeType="1" noTextEdit="1"/>
+              </p:cNvSpPr>
+              <p:nvPr/>
+            </p:nvSpPr>
+            <p:spPr>
+              <a:xfrm>
+                <a:off x="2133600" y="3604236"/>
+                <a:ext cx="6096000" cy="1195777"/>
+              </a:xfrm>
+              <a:prstGeom prst="rect">
+                <a:avLst/>
+              </a:prstGeom>
+              <a:blipFill>
+                <a:blip r:embed="rId4"/>
+                <a:stretch>
+                  <a:fillRect/>
+                </a:stretch>
+              </a:blipFill>
+            </p:spPr>
+            <p:txBody>
+              <a:bodyPr/>
+              <a:lstStyle/>
+              <a:p>
+                <a:r>
+                  <a:rPr lang="en-US">
+                    <a:noFill/>
+                  </a:rPr>
+                  <a:t> </a:t>
+                </a:r>
+              </a:p>
+            </p:txBody>
+          </p:sp>
+        </mc:Fallback>
+      </mc:AlternateContent>
+      <mc:AlternateContent xmlns:mc="http://schemas.openxmlformats.org/markup-compatibility/2006">
+        <mc:Choice xmlns:a14="http://schemas.microsoft.com/office/drawing/2010/main" Requires="a14">
+          <p:sp>
+            <p:nvSpPr>
+              <p:cNvPr id="5" name="TextBox 4">
+                <a:extLst>
+                  <a:ext uri="{FF2B5EF4-FFF2-40B4-BE49-F238E27FC236}">
+                    <a16:creationId xmlns:a16="http://schemas.microsoft.com/office/drawing/2014/main" id="{F9E23415-A159-122F-B85C-89AC5A7EC356}"/>
+                  </a:ext>
+                </a:extLst>
+              </p:cNvPr>
+              <p:cNvSpPr txBox="1"/>
+              <p:nvPr/>
+            </p:nvSpPr>
+            <p:spPr>
+              <a:xfrm>
+                <a:off x="2286000" y="5245479"/>
+                <a:ext cx="6096000" cy="461665"/>
+              </a:xfrm>
+              <a:prstGeom prst="rect">
+                <a:avLst/>
+              </a:prstGeom>
+              <a:noFill/>
+            </p:spPr>
+            <p:txBody>
+              <a:bodyPr wrap="square">
+                <a:spAutoFit/>
+              </a:bodyPr>
+              <a:lstStyle/>
+              <a:p>
+                <a:pPr/>
+                <a14:m>
+                  <m:oMathPara xmlns:m="http://schemas.openxmlformats.org/officeDocument/2006/math">
+                    <m:oMathParaPr>
+                      <m:jc m:val="centerGroup"/>
+                    </m:oMathParaPr>
+                    <m:oMath xmlns:m="http://schemas.openxmlformats.org/officeDocument/2006/math">
+                      <m:r>
+                        <a:rPr lang="en-US" sz="2400" b="0" i="1" smtClean="0">
+                          <a:latin typeface="Cambria Math" panose="02040503050406030204" pitchFamily="18" charset="0"/>
+                        </a:rPr>
+                        <m:t>𝑑𝑓</m:t>
+                      </m:r>
+                      <m:r>
+                        <a:rPr lang="en-US" sz="2400" b="0" i="1" smtClean="0">
+                          <a:latin typeface="Cambria Math" panose="02040503050406030204" pitchFamily="18" charset="0"/>
+                        </a:rPr>
+                        <m:t>=</m:t>
+                      </m:r>
+                      <m:r>
+                        <a:rPr lang="en-US" sz="2400" b="0" i="1" smtClean="0">
+                          <a:latin typeface="Cambria Math" panose="02040503050406030204" pitchFamily="18" charset="0"/>
+                        </a:rPr>
+                        <m:t>𝑛</m:t>
+                      </m:r>
+                      <m:r>
+                        <a:rPr lang="en-US" sz="2400" b="0" i="1" smtClean="0">
+                          <a:latin typeface="Cambria Math" panose="02040503050406030204" pitchFamily="18" charset="0"/>
+                        </a:rPr>
+                        <m:t>−</m:t>
+                      </m:r>
+                      <m:r>
+                        <a:rPr lang="en-US" sz="2400" b="0" i="1" smtClean="0">
+                          <a:latin typeface="Cambria Math" panose="02040503050406030204" pitchFamily="18" charset="0"/>
+                        </a:rPr>
+                        <m:t>𝑘</m:t>
+                      </m:r>
+                      <m:r>
+                        <a:rPr lang="en-US" sz="2400" b="0" i="1" smtClean="0">
+                          <a:latin typeface="Cambria Math" panose="02040503050406030204" pitchFamily="18" charset="0"/>
+                        </a:rPr>
+                        <m:t>−1=</m:t>
+                      </m:r>
+                      <m:r>
+                        <a:rPr lang="en-US" sz="2400" b="0" i="1" smtClean="0">
+                          <a:latin typeface="Cambria Math" panose="02040503050406030204" pitchFamily="18" charset="0"/>
+                        </a:rPr>
+                        <m:t>𝑛</m:t>
+                      </m:r>
+                      <m:r>
+                        <a:rPr lang="en-US" sz="2400" b="0" i="1" smtClean="0">
+                          <a:latin typeface="Cambria Math" panose="02040503050406030204" pitchFamily="18" charset="0"/>
+                        </a:rPr>
+                        <m:t>−(</m:t>
+                      </m:r>
+                      <m:r>
+                        <a:rPr lang="en-US" sz="2400" b="0" i="1" smtClean="0">
+                          <a:latin typeface="Cambria Math" panose="02040503050406030204" pitchFamily="18" charset="0"/>
+                        </a:rPr>
+                        <m:t>𝑘</m:t>
+                      </m:r>
+                      <m:r>
+                        <a:rPr lang="en-US" sz="2400" b="0" i="1" smtClean="0">
+                          <a:latin typeface="Cambria Math" panose="02040503050406030204" pitchFamily="18" charset="0"/>
+                        </a:rPr>
+                        <m:t>+1)</m:t>
+                      </m:r>
+                    </m:oMath>
+                  </m:oMathPara>
+                </a14:m>
+                <a:endParaRPr lang="en-US" sz="2400" dirty="0"/>
+              </a:p>
+            </p:txBody>
+          </p:sp>
+        </mc:Choice>
+        <mc:Fallback>
+          <p:sp>
+            <p:nvSpPr>
+              <p:cNvPr id="5" name="TextBox 4">
+                <a:extLst>
+                  <a:ext uri="{FF2B5EF4-FFF2-40B4-BE49-F238E27FC236}">
+                    <a16:creationId xmlns:a16="http://schemas.microsoft.com/office/drawing/2014/main" id="{F9E23415-A159-122F-B85C-89AC5A7EC356}"/>
+                  </a:ext>
+                </a:extLst>
+              </p:cNvPr>
+              <p:cNvSpPr txBox="1">
+                <a:spLocks noRot="1" noChangeAspect="1" noMove="1" noResize="1" noEditPoints="1" noAdjustHandles="1" noChangeArrowheads="1" noChangeShapeType="1" noTextEdit="1"/>
+              </p:cNvSpPr>
+              <p:nvPr/>
+            </p:nvSpPr>
+            <p:spPr>
+              <a:xfrm>
+                <a:off x="2286000" y="5245479"/>
+                <a:ext cx="6096000" cy="461665"/>
+              </a:xfrm>
+              <a:prstGeom prst="rect">
+                <a:avLst/>
+              </a:prstGeom>
+              <a:blipFill>
+                <a:blip r:embed="rId5"/>
+                <a:stretch>
+                  <a:fillRect b="-17105"/>
+                </a:stretch>
+              </a:blipFill>
+            </p:spPr>
+            <p:txBody>
+              <a:bodyPr/>
+              <a:lstStyle/>
+              <a:p>
+                <a:r>
+                  <a:rPr lang="en-US">
+                    <a:noFill/>
+                  </a:rPr>
+                  <a:t> </a:t>
+                </a:r>
+              </a:p>
+            </p:txBody>
+          </p:sp>
+        </mc:Fallback>
+      </mc:AlternateContent>
     </p:spTree>
     <p:extLst>
       <p:ext uri="{BB962C8B-B14F-4D97-AF65-F5344CB8AC3E}">
-        <p14:creationId xmlns:p14="http://schemas.microsoft.com/office/powerpoint/2010/main" val="1108080967"/>
+        <p14:creationId xmlns:p14="http://schemas.microsoft.com/office/powerpoint/2010/main" val="1211883328"/>
+      </p:ext>
+    </p:extLst>
+  </p:cSld>
+  <p:clrMapOvr>
+    <a:masterClrMapping/>
+  </p:clrMapOvr>
+</p:sld>
+</file>
+
+<file path=ppt/slides/slide5.xml><?xml version="1.0" encoding="utf-8"?>
+<p:sld xmlns:a="http://schemas.openxmlformats.org/drawingml/2006/main" xmlns:r="http://schemas.openxmlformats.org/officeDocument/2006/relationships" xmlns:p="http://schemas.openxmlformats.org/presentationml/2006/main">
+  <p:cSld>
+    <p:spTree>
+      <p:nvGrpSpPr>
+        <p:cNvPr id="1" name=""/>
+        <p:cNvGrpSpPr/>
+        <p:nvPr/>
+      </p:nvGrpSpPr>
+      <p:grpSpPr>
+        <a:xfrm>
+          <a:off x="0" y="0"/>
+          <a:ext cx="0" cy="0"/>
+          <a:chOff x="0" y="0"/>
+          <a:chExt cx="0" cy="0"/>
+        </a:xfrm>
+      </p:grpSpPr>
+      <p:sp>
+        <p:nvSpPr>
+          <p:cNvPr id="10" name="Rectangle: Rounded Corners 9">
+            <a:extLst>
+              <a:ext uri="{FF2B5EF4-FFF2-40B4-BE49-F238E27FC236}">
+                <a16:creationId xmlns:a16="http://schemas.microsoft.com/office/drawing/2014/main" id="{6EE0EA48-9FEB-2763-FFA9-DF5F6F8911FB}"/>
+              </a:ext>
+            </a:extLst>
+          </p:cNvPr>
+          <p:cNvSpPr/>
+          <p:nvPr/>
+        </p:nvSpPr>
+        <p:spPr>
+          <a:xfrm>
+            <a:off x="302299" y="235037"/>
+            <a:ext cx="11587397" cy="6387923"/>
+          </a:xfrm>
+          <a:prstGeom prst="roundRect">
+            <a:avLst>
+              <a:gd name="adj" fmla="val 18853"/>
+            </a:avLst>
+          </a:prstGeom>
+          <a:noFill/>
+          <a:ln w="12700">
+            <a:solidFill>
+              <a:srgbClr val="660066"/>
+            </a:solidFill>
+          </a:ln>
+        </p:spPr>
+        <p:style>
+          <a:lnRef idx="2">
+            <a:schemeClr val="accent1">
+              <a:shade val="15000"/>
+            </a:schemeClr>
+          </a:lnRef>
+          <a:fillRef idx="1">
+            <a:schemeClr val="accent1"/>
+          </a:fillRef>
+          <a:effectRef idx="0">
+            <a:schemeClr val="accent1"/>
+          </a:effectRef>
+          <a:fontRef idx="minor">
+            <a:schemeClr val="lt1"/>
+          </a:fontRef>
+        </p:style>
+        <p:txBody>
+          <a:bodyPr rtlCol="0" anchor="ctr"/>
+          <a:lstStyle/>
+          <a:p>
+            <a:pPr algn="ctr"/>
+            <a:endParaRPr lang="en-US"/>
+          </a:p>
+        </p:txBody>
+      </p:sp>
+      <p:sp>
+        <p:nvSpPr>
+          <p:cNvPr id="9" name="Rectangle: Rounded Corners 8">
+            <a:extLst>
+              <a:ext uri="{FF2B5EF4-FFF2-40B4-BE49-F238E27FC236}">
+                <a16:creationId xmlns:a16="http://schemas.microsoft.com/office/drawing/2014/main" id="{5DBBEA9E-A041-7D11-BDE1-24FD15D9A8D6}"/>
+              </a:ext>
+            </a:extLst>
+          </p:cNvPr>
+          <p:cNvSpPr/>
+          <p:nvPr/>
+        </p:nvSpPr>
+        <p:spPr>
+          <a:xfrm>
+            <a:off x="152400" y="152400"/>
+            <a:ext cx="11887200" cy="6553199"/>
+          </a:xfrm>
+          <a:prstGeom prst="roundRect">
+            <a:avLst>
+              <a:gd name="adj" fmla="val 18853"/>
+            </a:avLst>
+          </a:prstGeom>
+          <a:noFill/>
+          <a:ln w="12700">
+            <a:solidFill>
+              <a:srgbClr val="660066"/>
+            </a:solidFill>
+          </a:ln>
+        </p:spPr>
+        <p:style>
+          <a:lnRef idx="2">
+            <a:schemeClr val="accent1">
+              <a:shade val="15000"/>
+            </a:schemeClr>
+          </a:lnRef>
+          <a:fillRef idx="1">
+            <a:schemeClr val="accent1"/>
+          </a:fillRef>
+          <a:effectRef idx="0">
+            <a:schemeClr val="accent1"/>
+          </a:effectRef>
+          <a:fontRef idx="minor">
+            <a:schemeClr val="lt1"/>
+          </a:fontRef>
+        </p:style>
+        <p:txBody>
+          <a:bodyPr rtlCol="0" anchor="ctr"/>
+          <a:lstStyle/>
+          <a:p>
+            <a:pPr algn="ctr"/>
+            <a:endParaRPr lang="en-US" dirty="0"/>
+          </a:p>
+        </p:txBody>
+      </p:sp>
+      <p:sp>
+        <p:nvSpPr>
+          <p:cNvPr id="12" name="Line 11"/>
+          <p:cNvSpPr>
+            <a:spLocks noChangeShapeType="1"/>
+          </p:cNvSpPr>
+          <p:nvPr/>
+        </p:nvSpPr>
+        <p:spPr bwMode="auto">
+          <a:xfrm flipV="1">
+            <a:off x="6972300" y="5109836"/>
+            <a:ext cx="609600" cy="533400"/>
+          </a:xfrm>
+          <a:prstGeom prst="line">
+            <a:avLst/>
+          </a:prstGeom>
+          <a:noFill/>
+          <a:ln w="38100">
+            <a:solidFill>
+              <a:srgbClr val="FFFF66"/>
+            </a:solidFill>
+            <a:round/>
+            <a:headEnd/>
+            <a:tailEnd type="triangle" w="med" len="med"/>
+          </a:ln>
+          <a:extLst>
+            <a:ext uri="{909E8E84-426E-40DD-AFC4-6F175D3DCCD1}">
+              <a14:hiddenFill xmlns:a14="http://schemas.microsoft.com/office/drawing/2010/main">
+                <a:noFill/>
+              </a14:hiddenFill>
+            </a:ext>
+          </a:extLst>
+        </p:spPr>
+        <p:txBody>
+          <a:bodyPr wrap="square">
+            <a:spAutoFit/>
+          </a:bodyPr>
+          <a:lstStyle/>
+          <a:p>
+            <a:endParaRPr lang="en-US"/>
+          </a:p>
+        </p:txBody>
+      </p:sp>
+      <p:pic>
+        <p:nvPicPr>
+          <p:cNvPr id="3" name="Picture 10" descr="Mario Pattern">
+            <a:extLst>
+              <a:ext uri="{FF2B5EF4-FFF2-40B4-BE49-F238E27FC236}">
+                <a16:creationId xmlns:a16="http://schemas.microsoft.com/office/drawing/2014/main" id="{70C83288-9D80-2729-3EE2-8CD883504850}"/>
+              </a:ext>
+            </a:extLst>
+          </p:cNvPr>
+          <p:cNvPicPr>
+            <a:picLocks noChangeAspect="1" noChangeArrowheads="1"/>
+          </p:cNvPicPr>
+          <p:nvPr/>
+        </p:nvPicPr>
+        <p:blipFill rotWithShape="1">
+          <a:blip r:embed="rId3">
+            <a:alphaModFix/>
+            <a:extLst>
+              <a:ext uri="{28A0092B-C50C-407E-A947-70E740481C1C}">
+                <a14:useLocalDpi xmlns:a14="http://schemas.microsoft.com/office/drawing/2010/main" val="0"/>
+              </a:ext>
+            </a:extLst>
+          </a:blip>
+          <a:srcRect l="4595" t="67313" r="6699" b="2019"/>
+          <a:stretch/>
+        </p:blipFill>
+        <p:spPr bwMode="auto">
+          <a:xfrm>
+            <a:off x="2040351" y="4953000"/>
+            <a:ext cx="8111283" cy="2103120"/>
+          </a:xfrm>
+          <a:prstGeom prst="rect">
+            <a:avLst/>
+          </a:prstGeom>
+          <a:noFill/>
+          <a:ln w="28575">
+            <a:noFill/>
+          </a:ln>
+          <a:effectLst>
+            <a:innerShdw blurRad="63500" dist="50800">
+              <a:prstClr val="black">
+                <a:alpha val="50000"/>
+              </a:prstClr>
+            </a:innerShdw>
+          </a:effectLst>
+          <a:extLst>
+            <a:ext uri="{909E8E84-426E-40DD-AFC4-6F175D3DCCD1}">
+              <a14:hiddenFill xmlns:a14="http://schemas.microsoft.com/office/drawing/2010/main">
+                <a:solidFill>
+                  <a:srgbClr val="FFFFFF"/>
+                </a:solidFill>
+              </a14:hiddenFill>
+            </a:ext>
+          </a:extLst>
+        </p:spPr>
+      </p:pic>
+      <p:sp>
+        <p:nvSpPr>
+          <p:cNvPr id="4" name="Rectangle: Rounded Corners 3">
+            <a:extLst>
+              <a:ext uri="{FF2B5EF4-FFF2-40B4-BE49-F238E27FC236}">
+                <a16:creationId xmlns:a16="http://schemas.microsoft.com/office/drawing/2014/main" id="{1B666B6E-7053-3022-B1D9-2AF4C282F2A0}"/>
+              </a:ext>
+            </a:extLst>
+          </p:cNvPr>
+          <p:cNvSpPr/>
+          <p:nvPr/>
+        </p:nvSpPr>
+        <p:spPr>
+          <a:xfrm>
+            <a:off x="1638293" y="4097965"/>
+            <a:ext cx="8915400" cy="1005788"/>
+          </a:xfrm>
+          <a:prstGeom prst="roundRect">
+            <a:avLst>
+              <a:gd name="adj" fmla="val 18853"/>
+            </a:avLst>
+          </a:prstGeom>
+          <a:solidFill>
+            <a:srgbClr val="2D3A37"/>
+          </a:solidFill>
+          <a:ln w="57150">
+            <a:noFill/>
+          </a:ln>
+        </p:spPr>
+        <p:style>
+          <a:lnRef idx="2">
+            <a:schemeClr val="accent1">
+              <a:shade val="15000"/>
+            </a:schemeClr>
+          </a:lnRef>
+          <a:fillRef idx="1">
+            <a:schemeClr val="accent1"/>
+          </a:fillRef>
+          <a:effectRef idx="0">
+            <a:schemeClr val="accent1"/>
+          </a:effectRef>
+          <a:fontRef idx="minor">
+            <a:schemeClr val="lt1"/>
+          </a:fontRef>
+        </p:style>
+        <p:txBody>
+          <a:bodyPr rtlCol="0" anchor="ctr"/>
+          <a:lstStyle/>
+          <a:p>
+            <a:pPr algn="ctr"/>
+            <a:endParaRPr lang="en-US"/>
+          </a:p>
+        </p:txBody>
+      </p:sp>
+      <p:sp>
+        <p:nvSpPr>
+          <p:cNvPr id="5" name="TextBox 4">
+            <a:extLst>
+              <a:ext uri="{FF2B5EF4-FFF2-40B4-BE49-F238E27FC236}">
+                <a16:creationId xmlns:a16="http://schemas.microsoft.com/office/drawing/2014/main" id="{861E9A78-74F4-2AA0-408A-B2F37D1DA24C}"/>
+              </a:ext>
+            </a:extLst>
+          </p:cNvPr>
+          <p:cNvSpPr txBox="1"/>
+          <p:nvPr/>
+        </p:nvSpPr>
+        <p:spPr>
+          <a:xfrm>
+            <a:off x="952490" y="1364366"/>
+            <a:ext cx="10287001" cy="1938992"/>
+          </a:xfrm>
+          <a:prstGeom prst="rect">
+            <a:avLst/>
+          </a:prstGeom>
+          <a:noFill/>
+        </p:spPr>
+        <p:txBody>
+          <a:bodyPr wrap="square" rtlCol="0">
+            <a:spAutoFit/>
+          </a:bodyPr>
+          <a:lstStyle/>
+          <a:p>
+            <a:pPr algn="ctr"/>
+            <a:r>
+              <a:rPr lang="en-US" sz="12000" dirty="0">
+                <a:solidFill>
+                  <a:srgbClr val="2D3A37"/>
+                </a:solidFill>
+                <a:latin typeface="Adobe Devanagari" panose="02040503050201020203" pitchFamily="18" charset="0"/>
+                <a:cs typeface="Adobe Devanagari" panose="02040503050201020203" pitchFamily="18" charset="0"/>
+              </a:rPr>
+              <a:t>Thank You</a:t>
+            </a:r>
+          </a:p>
+        </p:txBody>
+      </p:sp>
+      <p:sp>
+        <p:nvSpPr>
+          <p:cNvPr id="8" name="TextBox 7">
+            <a:extLst>
+              <a:ext uri="{FF2B5EF4-FFF2-40B4-BE49-F238E27FC236}">
+                <a16:creationId xmlns:a16="http://schemas.microsoft.com/office/drawing/2014/main" id="{D782FFA3-2177-56BA-6786-898DA3D642FF}"/>
+              </a:ext>
+            </a:extLst>
+          </p:cNvPr>
+          <p:cNvSpPr txBox="1"/>
+          <p:nvPr/>
+        </p:nvSpPr>
+        <p:spPr>
+          <a:xfrm>
+            <a:off x="952490" y="2713031"/>
+            <a:ext cx="10287001" cy="800219"/>
+          </a:xfrm>
+          <a:prstGeom prst="rect">
+            <a:avLst/>
+          </a:prstGeom>
+          <a:noFill/>
+        </p:spPr>
+        <p:txBody>
+          <a:bodyPr wrap="square" rtlCol="0">
+            <a:spAutoFit/>
+          </a:bodyPr>
+          <a:lstStyle/>
+          <a:p>
+            <a:pPr algn="ctr"/>
+            <a:r>
+              <a:rPr lang="en-US" sz="4600" i="1" dirty="0">
+                <a:solidFill>
+                  <a:srgbClr val="660066"/>
+                </a:solidFill>
+                <a:cs typeface="Adobe Devanagari" panose="02040503050201020203" pitchFamily="18" charset="0"/>
+              </a:rPr>
+              <a:t>Make Reasonable Decisions</a:t>
+            </a:r>
+          </a:p>
+        </p:txBody>
+      </p:sp>
+    </p:spTree>
+    <p:extLst>
+      <p:ext uri="{BB962C8B-B14F-4D97-AF65-F5344CB8AC3E}">
+        <p14:creationId xmlns:p14="http://schemas.microsoft.com/office/powerpoint/2010/main" val="3266410475"/>
       </p:ext>
     </p:extLst>
   </p:cSld>
